--- a/Documentation/Images/Mecanum_Images.pptx
+++ b/Documentation/Images/Mecanum_Images.pptx
@@ -120,7 +120,8 @@
 <file path=ppt/revisionInfo.xml><?xml version="1.0" encoding="utf-8"?>
 <p1510:revInfo xmlns:a="http://schemas.openxmlformats.org/drawingml/2006/main" xmlns:r="http://schemas.openxmlformats.org/officeDocument/2006/relationships" xmlns:p1510="http://schemas.microsoft.com/office/powerpoint/2015/10/main">
   <p1510:revLst>
-    <p1510:client id="{A32D92DA-AB7E-402E-AFA7-3BA5519375E5}" v="1" dt="2021-08-03T11:17:31.302"/>
+    <p1510:client id="{0805A078-7DA3-4EFD-9B65-C85F29BB91F1}" v="93" dt="2022-03-18T12:17:59.190"/>
+    <p1510:client id="{F9C99AA7-39A0-4FA7-BDB9-58E93BB78F39}" v="4" dt="2022-03-17T13:26:15.600"/>
   </p1510:revLst>
 </p1510:revInfo>
 </file>
@@ -238,6 +239,294 @@
     </pc:docChg>
   </pc:docChgLst>
   <pc:docChgLst>
+    <pc:chgData name="Dr. Manel Puig i Vidal" userId="0d549d0e-cb25-4ad8-b3a5-db046c349dfe" providerId="ADAL" clId="{0805A078-7DA3-4EFD-9B65-C85F29BB91F1}"/>
+    <pc:docChg chg="undo custSel modSld">
+      <pc:chgData name="Dr. Manel Puig i Vidal" userId="0d549d0e-cb25-4ad8-b3a5-db046c349dfe" providerId="ADAL" clId="{0805A078-7DA3-4EFD-9B65-C85F29BB91F1}" dt="2022-03-18T12:17:59.190" v="582" actId="20577"/>
+      <pc:docMkLst>
+        <pc:docMk/>
+      </pc:docMkLst>
+      <pc:sldChg chg="addSp delSp modSp mod">
+        <pc:chgData name="Dr. Manel Puig i Vidal" userId="0d549d0e-cb25-4ad8-b3a5-db046c349dfe" providerId="ADAL" clId="{0805A078-7DA3-4EFD-9B65-C85F29BB91F1}" dt="2022-03-18T12:17:59.190" v="582" actId="20577"/>
+        <pc:sldMkLst>
+          <pc:docMk/>
+          <pc:sldMk cId="4011816797" sldId="264"/>
+        </pc:sldMkLst>
+        <pc:spChg chg="add mod">
+          <ac:chgData name="Dr. Manel Puig i Vidal" userId="0d549d0e-cb25-4ad8-b3a5-db046c349dfe" providerId="ADAL" clId="{0805A078-7DA3-4EFD-9B65-C85F29BB91F1}" dt="2022-03-18T12:03:16.100" v="125" actId="164"/>
+          <ac:spMkLst>
+            <pc:docMk/>
+            <pc:sldMk cId="4011816797" sldId="264"/>
+            <ac:spMk id="7" creationId="{AEA4FC07-F3E2-47A9-9DDA-D819FB533006}"/>
+          </ac:spMkLst>
+        </pc:spChg>
+        <pc:spChg chg="add mod">
+          <ac:chgData name="Dr. Manel Puig i Vidal" userId="0d549d0e-cb25-4ad8-b3a5-db046c349dfe" providerId="ADAL" clId="{0805A078-7DA3-4EFD-9B65-C85F29BB91F1}" dt="2022-03-18T12:03:16.100" v="125" actId="164"/>
+          <ac:spMkLst>
+            <pc:docMk/>
+            <pc:sldMk cId="4011816797" sldId="264"/>
+            <ac:spMk id="8" creationId="{3B7D4DBC-51C4-4A54-B7DF-8EE80EC30E00}"/>
+          </ac:spMkLst>
+        </pc:spChg>
+        <pc:spChg chg="add mod">
+          <ac:chgData name="Dr. Manel Puig i Vidal" userId="0d549d0e-cb25-4ad8-b3a5-db046c349dfe" providerId="ADAL" clId="{0805A078-7DA3-4EFD-9B65-C85F29BB91F1}" dt="2022-03-18T12:03:16.100" v="125" actId="164"/>
+          <ac:spMkLst>
+            <pc:docMk/>
+            <pc:sldMk cId="4011816797" sldId="264"/>
+            <ac:spMk id="9" creationId="{7FBDA7FD-41B0-4D19-8807-D92679D15121}"/>
+          </ac:spMkLst>
+        </pc:spChg>
+        <pc:spChg chg="add mod">
+          <ac:chgData name="Dr. Manel Puig i Vidal" userId="0d549d0e-cb25-4ad8-b3a5-db046c349dfe" providerId="ADAL" clId="{0805A078-7DA3-4EFD-9B65-C85F29BB91F1}" dt="2022-03-18T12:03:16.100" v="125" actId="164"/>
+          <ac:spMkLst>
+            <pc:docMk/>
+            <pc:sldMk cId="4011816797" sldId="264"/>
+            <ac:spMk id="10" creationId="{7698C475-F9A7-4682-AFD1-3E48D47FE21E}"/>
+          </ac:spMkLst>
+        </pc:spChg>
+        <pc:spChg chg="add mod">
+          <ac:chgData name="Dr. Manel Puig i Vidal" userId="0d549d0e-cb25-4ad8-b3a5-db046c349dfe" providerId="ADAL" clId="{0805A078-7DA3-4EFD-9B65-C85F29BB91F1}" dt="2022-03-18T12:03:16.100" v="125" actId="164"/>
+          <ac:spMkLst>
+            <pc:docMk/>
+            <pc:sldMk cId="4011816797" sldId="264"/>
+            <ac:spMk id="11" creationId="{A3E47B2C-0FC7-481F-B344-5692CC427143}"/>
+          </ac:spMkLst>
+        </pc:spChg>
+        <pc:spChg chg="add mod">
+          <ac:chgData name="Dr. Manel Puig i Vidal" userId="0d549d0e-cb25-4ad8-b3a5-db046c349dfe" providerId="ADAL" clId="{0805A078-7DA3-4EFD-9B65-C85F29BB91F1}" dt="2022-03-18T12:03:16.100" v="125" actId="164"/>
+          <ac:spMkLst>
+            <pc:docMk/>
+            <pc:sldMk cId="4011816797" sldId="264"/>
+            <ac:spMk id="12" creationId="{F2B381D1-22BD-4898-816E-DA6655EEFB56}"/>
+          </ac:spMkLst>
+        </pc:spChg>
+        <pc:spChg chg="add mod">
+          <ac:chgData name="Dr. Manel Puig i Vidal" userId="0d549d0e-cb25-4ad8-b3a5-db046c349dfe" providerId="ADAL" clId="{0805A078-7DA3-4EFD-9B65-C85F29BB91F1}" dt="2022-03-18T12:03:16.100" v="125" actId="164"/>
+          <ac:spMkLst>
+            <pc:docMk/>
+            <pc:sldMk cId="4011816797" sldId="264"/>
+            <ac:spMk id="13" creationId="{B363588F-89FF-4197-978C-0E41F1775E29}"/>
+          </ac:spMkLst>
+        </pc:spChg>
+        <pc:spChg chg="add mod">
+          <ac:chgData name="Dr. Manel Puig i Vidal" userId="0d549d0e-cb25-4ad8-b3a5-db046c349dfe" providerId="ADAL" clId="{0805A078-7DA3-4EFD-9B65-C85F29BB91F1}" dt="2022-03-18T12:03:16.100" v="125" actId="164"/>
+          <ac:spMkLst>
+            <pc:docMk/>
+            <pc:sldMk cId="4011816797" sldId="264"/>
+            <ac:spMk id="14" creationId="{ADAB9FD5-017D-4A45-9DB4-7B12282BF1C4}"/>
+          </ac:spMkLst>
+        </pc:spChg>
+        <pc:spChg chg="add del mod">
+          <ac:chgData name="Dr. Manel Puig i Vidal" userId="0d549d0e-cb25-4ad8-b3a5-db046c349dfe" providerId="ADAL" clId="{0805A078-7DA3-4EFD-9B65-C85F29BB91F1}" dt="2022-03-18T12:02:26.059" v="99" actId="478"/>
+          <ac:spMkLst>
+            <pc:docMk/>
+            <pc:sldMk cId="4011816797" sldId="264"/>
+            <ac:spMk id="15" creationId="{82F58170-58DE-4FD5-ACA4-B1D720E5E887}"/>
+          </ac:spMkLst>
+        </pc:spChg>
+        <pc:spChg chg="add mod">
+          <ac:chgData name="Dr. Manel Puig i Vidal" userId="0d549d0e-cb25-4ad8-b3a5-db046c349dfe" providerId="ADAL" clId="{0805A078-7DA3-4EFD-9B65-C85F29BB91F1}" dt="2022-03-18T12:03:16.100" v="125" actId="164"/>
+          <ac:spMkLst>
+            <pc:docMk/>
+            <pc:sldMk cId="4011816797" sldId="264"/>
+            <ac:spMk id="16" creationId="{EFEC96CD-55FA-4ECB-9815-5CB83654E7F9}"/>
+          </ac:spMkLst>
+        </pc:spChg>
+        <pc:spChg chg="add mod">
+          <ac:chgData name="Dr. Manel Puig i Vidal" userId="0d549d0e-cb25-4ad8-b3a5-db046c349dfe" providerId="ADAL" clId="{0805A078-7DA3-4EFD-9B65-C85F29BB91F1}" dt="2022-03-18T12:05:55.393" v="293" actId="164"/>
+          <ac:spMkLst>
+            <pc:docMk/>
+            <pc:sldMk cId="4011816797" sldId="264"/>
+            <ac:spMk id="22" creationId="{9854B2EE-8A2C-42BB-ABFB-7C3A65EF88BF}"/>
+          </ac:spMkLst>
+        </pc:spChg>
+        <pc:spChg chg="add mod">
+          <ac:chgData name="Dr. Manel Puig i Vidal" userId="0d549d0e-cb25-4ad8-b3a5-db046c349dfe" providerId="ADAL" clId="{0805A078-7DA3-4EFD-9B65-C85F29BB91F1}" dt="2022-03-18T12:05:55.393" v="293" actId="164"/>
+          <ac:spMkLst>
+            <pc:docMk/>
+            <pc:sldMk cId="4011816797" sldId="264"/>
+            <ac:spMk id="23" creationId="{EE9CC571-A0ED-4AC2-8506-C85C40FDA786}"/>
+          </ac:spMkLst>
+        </pc:spChg>
+        <pc:spChg chg="add mod">
+          <ac:chgData name="Dr. Manel Puig i Vidal" userId="0d549d0e-cb25-4ad8-b3a5-db046c349dfe" providerId="ADAL" clId="{0805A078-7DA3-4EFD-9B65-C85F29BB91F1}" dt="2022-03-18T12:07:45.727" v="406" actId="1035"/>
+          <ac:spMkLst>
+            <pc:docMk/>
+            <pc:sldMk cId="4011816797" sldId="264"/>
+            <ac:spMk id="30" creationId="{F23AF629-95AF-4622-A0EF-1D10011A5261}"/>
+          </ac:spMkLst>
+        </pc:spChg>
+        <pc:spChg chg="add mod">
+          <ac:chgData name="Dr. Manel Puig i Vidal" userId="0d549d0e-cb25-4ad8-b3a5-db046c349dfe" providerId="ADAL" clId="{0805A078-7DA3-4EFD-9B65-C85F29BB91F1}" dt="2022-03-18T12:07:59.083" v="410" actId="20577"/>
+          <ac:spMkLst>
+            <pc:docMk/>
+            <pc:sldMk cId="4011816797" sldId="264"/>
+            <ac:spMk id="31" creationId="{CD438832-4FFD-4A0E-AF0D-9FFD8A5BE3B6}"/>
+          </ac:spMkLst>
+        </pc:spChg>
+        <pc:spChg chg="add mod">
+          <ac:chgData name="Dr. Manel Puig i Vidal" userId="0d549d0e-cb25-4ad8-b3a5-db046c349dfe" providerId="ADAL" clId="{0805A078-7DA3-4EFD-9B65-C85F29BB91F1}" dt="2022-03-18T12:10:27.701" v="462"/>
+          <ac:spMkLst>
+            <pc:docMk/>
+            <pc:sldMk cId="4011816797" sldId="264"/>
+            <ac:spMk id="37" creationId="{BFB1A040-DDDF-4259-B78B-53566BAE79CD}"/>
+          </ac:spMkLst>
+        </pc:spChg>
+        <pc:spChg chg="add mod">
+          <ac:chgData name="Dr. Manel Puig i Vidal" userId="0d549d0e-cb25-4ad8-b3a5-db046c349dfe" providerId="ADAL" clId="{0805A078-7DA3-4EFD-9B65-C85F29BB91F1}" dt="2022-03-18T12:10:57.881" v="497" actId="14100"/>
+          <ac:spMkLst>
+            <pc:docMk/>
+            <pc:sldMk cId="4011816797" sldId="264"/>
+            <ac:spMk id="38" creationId="{8AFE94BC-44BD-4FA5-A135-34C6B5A4BE3F}"/>
+          </ac:spMkLst>
+        </pc:spChg>
+        <pc:spChg chg="add mod">
+          <ac:chgData name="Dr. Manel Puig i Vidal" userId="0d549d0e-cb25-4ad8-b3a5-db046c349dfe" providerId="ADAL" clId="{0805A078-7DA3-4EFD-9B65-C85F29BB91F1}" dt="2022-03-18T12:12:15.427" v="505" actId="1076"/>
+          <ac:spMkLst>
+            <pc:docMk/>
+            <pc:sldMk cId="4011816797" sldId="264"/>
+            <ac:spMk id="39" creationId="{1521B3FB-423B-4072-860F-9BC231D28836}"/>
+          </ac:spMkLst>
+        </pc:spChg>
+        <pc:spChg chg="add mod">
+          <ac:chgData name="Dr. Manel Puig i Vidal" userId="0d549d0e-cb25-4ad8-b3a5-db046c349dfe" providerId="ADAL" clId="{0805A078-7DA3-4EFD-9B65-C85F29BB91F1}" dt="2022-03-18T12:12:12.192" v="504" actId="1076"/>
+          <ac:spMkLst>
+            <pc:docMk/>
+            <pc:sldMk cId="4011816797" sldId="264"/>
+            <ac:spMk id="40" creationId="{EE97361D-8846-49A3-9E62-C9EEC6E5E626}"/>
+          </ac:spMkLst>
+        </pc:spChg>
+        <pc:spChg chg="add mod">
+          <ac:chgData name="Dr. Manel Puig i Vidal" userId="0d549d0e-cb25-4ad8-b3a5-db046c349dfe" providerId="ADAL" clId="{0805A078-7DA3-4EFD-9B65-C85F29BB91F1}" dt="2022-03-18T12:16:25.173" v="551" actId="1076"/>
+          <ac:spMkLst>
+            <pc:docMk/>
+            <pc:sldMk cId="4011816797" sldId="264"/>
+            <ac:spMk id="41" creationId="{D79382C3-30E9-4FC2-AC8F-279492C0E8CE}"/>
+          </ac:spMkLst>
+        </pc:spChg>
+        <pc:spChg chg="add mod">
+          <ac:chgData name="Dr. Manel Puig i Vidal" userId="0d549d0e-cb25-4ad8-b3a5-db046c349dfe" providerId="ADAL" clId="{0805A078-7DA3-4EFD-9B65-C85F29BB91F1}" dt="2022-03-18T12:17:12.380" v="566" actId="1076"/>
+          <ac:spMkLst>
+            <pc:docMk/>
+            <pc:sldMk cId="4011816797" sldId="264"/>
+            <ac:spMk id="42" creationId="{688E28A2-108D-4D09-A706-5DFB3B722B7B}"/>
+          </ac:spMkLst>
+        </pc:spChg>
+        <pc:spChg chg="add mod">
+          <ac:chgData name="Dr. Manel Puig i Vidal" userId="0d549d0e-cb25-4ad8-b3a5-db046c349dfe" providerId="ADAL" clId="{0805A078-7DA3-4EFD-9B65-C85F29BB91F1}" dt="2022-03-18T12:17:41.489" v="576" actId="20577"/>
+          <ac:spMkLst>
+            <pc:docMk/>
+            <pc:sldMk cId="4011816797" sldId="264"/>
+            <ac:spMk id="43" creationId="{14553056-A989-4F3D-9B4C-D90DCFF4E719}"/>
+          </ac:spMkLst>
+        </pc:spChg>
+        <pc:spChg chg="add mod">
+          <ac:chgData name="Dr. Manel Puig i Vidal" userId="0d549d0e-cb25-4ad8-b3a5-db046c349dfe" providerId="ADAL" clId="{0805A078-7DA3-4EFD-9B65-C85F29BB91F1}" dt="2022-03-18T12:17:59.190" v="582" actId="20577"/>
+          <ac:spMkLst>
+            <pc:docMk/>
+            <pc:sldMk cId="4011816797" sldId="264"/>
+            <ac:spMk id="44" creationId="{AA4B0A12-D121-4329-BCB1-7A5E4D64D6CC}"/>
+          </ac:spMkLst>
+        </pc:spChg>
+        <pc:grpChg chg="add mod">
+          <ac:chgData name="Dr. Manel Puig i Vidal" userId="0d549d0e-cb25-4ad8-b3a5-db046c349dfe" providerId="ADAL" clId="{0805A078-7DA3-4EFD-9B65-C85F29BB91F1}" dt="2022-03-18T12:05:55.393" v="293" actId="164"/>
+          <ac:grpSpMkLst>
+            <pc:docMk/>
+            <pc:sldMk cId="4011816797" sldId="264"/>
+            <ac:grpSpMk id="17" creationId="{D5B82D91-8162-4994-AE35-6CCC7376B828}"/>
+          </ac:grpSpMkLst>
+        </pc:grpChg>
+        <pc:grpChg chg="add mod">
+          <ac:chgData name="Dr. Manel Puig i Vidal" userId="0d549d0e-cb25-4ad8-b3a5-db046c349dfe" providerId="ADAL" clId="{0805A078-7DA3-4EFD-9B65-C85F29BB91F1}" dt="2022-03-18T12:06:09.968" v="312" actId="1038"/>
+          <ac:grpSpMkLst>
+            <pc:docMk/>
+            <pc:sldMk cId="4011816797" sldId="264"/>
+            <ac:grpSpMk id="24" creationId="{61C984A2-5E2F-4E9B-836E-08E961B85ECD}"/>
+          </ac:grpSpMkLst>
+        </pc:grpChg>
+        <pc:picChg chg="mod">
+          <ac:chgData name="Dr. Manel Puig i Vidal" userId="0d549d0e-cb25-4ad8-b3a5-db046c349dfe" providerId="ADAL" clId="{0805A078-7DA3-4EFD-9B65-C85F29BB91F1}" dt="2022-03-18T12:12:20.296" v="506" actId="1076"/>
+          <ac:picMkLst>
+            <pc:docMk/>
+            <pc:sldMk cId="4011816797" sldId="264"/>
+            <ac:picMk id="2" creationId="{54008698-7B82-4808-B06A-1C1A72A08D76}"/>
+          </ac:picMkLst>
+        </pc:picChg>
+        <pc:picChg chg="mod">
+          <ac:chgData name="Dr. Manel Puig i Vidal" userId="0d549d0e-cb25-4ad8-b3a5-db046c349dfe" providerId="ADAL" clId="{0805A078-7DA3-4EFD-9B65-C85F29BB91F1}" dt="2022-03-18T12:12:22.870" v="507" actId="1076"/>
+          <ac:picMkLst>
+            <pc:docMk/>
+            <pc:sldMk cId="4011816797" sldId="264"/>
+            <ac:picMk id="3" creationId="{0D083199-F003-41EB-9D24-CD4325EB2844}"/>
+          </ac:picMkLst>
+        </pc:picChg>
+        <pc:picChg chg="add del mod">
+          <ac:chgData name="Dr. Manel Puig i Vidal" userId="0d549d0e-cb25-4ad8-b3a5-db046c349dfe" providerId="ADAL" clId="{0805A078-7DA3-4EFD-9B65-C85F29BB91F1}" dt="2022-03-18T11:58:23.157" v="13" actId="478"/>
+          <ac:picMkLst>
+            <pc:docMk/>
+            <pc:sldMk cId="4011816797" sldId="264"/>
+            <ac:picMk id="5" creationId="{74E5C1F1-B833-4CA3-A5A5-A52A1BDE1196}"/>
+          </ac:picMkLst>
+        </pc:picChg>
+        <pc:picChg chg="add mod modCrop">
+          <ac:chgData name="Dr. Manel Puig i Vidal" userId="0d549d0e-cb25-4ad8-b3a5-db046c349dfe" providerId="ADAL" clId="{0805A078-7DA3-4EFD-9B65-C85F29BB91F1}" dt="2022-03-18T12:03:16.100" v="125" actId="164"/>
+          <ac:picMkLst>
+            <pc:docMk/>
+            <pc:sldMk cId="4011816797" sldId="264"/>
+            <ac:picMk id="6" creationId="{573B5A5C-0050-4BD0-A143-0D7DB424F6C4}"/>
+          </ac:picMkLst>
+        </pc:picChg>
+        <pc:cxnChg chg="add mod">
+          <ac:chgData name="Dr. Manel Puig i Vidal" userId="0d549d0e-cb25-4ad8-b3a5-db046c349dfe" providerId="ADAL" clId="{0805A078-7DA3-4EFD-9B65-C85F29BB91F1}" dt="2022-03-18T12:05:55.393" v="293" actId="164"/>
+          <ac:cxnSpMkLst>
+            <pc:docMk/>
+            <pc:sldMk cId="4011816797" sldId="264"/>
+            <ac:cxnSpMk id="19" creationId="{389649B5-42C7-4520-A0CF-768FC3BC2D08}"/>
+          </ac:cxnSpMkLst>
+        </pc:cxnChg>
+        <pc:cxnChg chg="add mod">
+          <ac:chgData name="Dr. Manel Puig i Vidal" userId="0d549d0e-cb25-4ad8-b3a5-db046c349dfe" providerId="ADAL" clId="{0805A078-7DA3-4EFD-9B65-C85F29BB91F1}" dt="2022-03-18T12:05:55.393" v="293" actId="164"/>
+          <ac:cxnSpMkLst>
+            <pc:docMk/>
+            <pc:sldMk cId="4011816797" sldId="264"/>
+            <ac:cxnSpMk id="20" creationId="{23F1B26C-A1C3-4EE7-B890-202FB5BEC02F}"/>
+          </ac:cxnSpMkLst>
+        </pc:cxnChg>
+        <pc:cxnChg chg="add mod">
+          <ac:chgData name="Dr. Manel Puig i Vidal" userId="0d549d0e-cb25-4ad8-b3a5-db046c349dfe" providerId="ADAL" clId="{0805A078-7DA3-4EFD-9B65-C85F29BB91F1}" dt="2022-03-18T12:06:50.853" v="316" actId="1076"/>
+          <ac:cxnSpMkLst>
+            <pc:docMk/>
+            <pc:sldMk cId="4011816797" sldId="264"/>
+            <ac:cxnSpMk id="26" creationId="{5E0FDC92-7B2C-41F3-A5F8-FE215E7AE356}"/>
+          </ac:cxnSpMkLst>
+        </pc:cxnChg>
+        <pc:cxnChg chg="add mod">
+          <ac:chgData name="Dr. Manel Puig i Vidal" userId="0d549d0e-cb25-4ad8-b3a5-db046c349dfe" providerId="ADAL" clId="{0805A078-7DA3-4EFD-9B65-C85F29BB91F1}" dt="2022-03-18T12:07:09.551" v="376" actId="1036"/>
+          <ac:cxnSpMkLst>
+            <pc:docMk/>
+            <pc:sldMk cId="4011816797" sldId="264"/>
+            <ac:cxnSpMk id="28" creationId="{D46C7B18-BEC1-47B7-BB9A-C9825B204176}"/>
+          </ac:cxnSpMkLst>
+        </pc:cxnChg>
+        <pc:cxnChg chg="add mod">
+          <ac:chgData name="Dr. Manel Puig i Vidal" userId="0d549d0e-cb25-4ad8-b3a5-db046c349dfe" providerId="ADAL" clId="{0805A078-7DA3-4EFD-9B65-C85F29BB91F1}" dt="2022-03-18T12:09:07.674" v="424"/>
+          <ac:cxnSpMkLst>
+            <pc:docMk/>
+            <pc:sldMk cId="4011816797" sldId="264"/>
+            <ac:cxnSpMk id="32" creationId="{736260BA-7650-47B4-846B-A8CB23D4976C}"/>
+          </ac:cxnSpMkLst>
+        </pc:cxnChg>
+        <pc:cxnChg chg="add mod">
+          <ac:chgData name="Dr. Manel Puig i Vidal" userId="0d549d0e-cb25-4ad8-b3a5-db046c349dfe" providerId="ADAL" clId="{0805A078-7DA3-4EFD-9B65-C85F29BB91F1}" dt="2022-03-18T12:09:25.401" v="427" actId="693"/>
+          <ac:cxnSpMkLst>
+            <pc:docMk/>
+            <pc:sldMk cId="4011816797" sldId="264"/>
+            <ac:cxnSpMk id="33" creationId="{47400499-5EE2-4AEE-8517-913F6AB6A452}"/>
+          </ac:cxnSpMkLst>
+        </pc:cxnChg>
+      </pc:sldChg>
+    </pc:docChg>
+  </pc:docChgLst>
+  <pc:docChgLst>
     <pc:chgData name="Dr. Manel Puig i Vidal" userId="0d549d0e-cb25-4ad8-b3a5-db046c349dfe" providerId="ADAL" clId="{214FBBCA-DA33-4A89-9C80-13FF7DA1BA85}"/>
     <pc:docChg chg="addSld modSld">
       <pc:chgData name="Dr. Manel Puig i Vidal" userId="0d549d0e-cb25-4ad8-b3a5-db046c349dfe" providerId="ADAL" clId="{214FBBCA-DA33-4A89-9C80-13FF7DA1BA85}" dt="2021-04-30T16:28:09.649" v="1"/>
@@ -349,6 +638,54 @@
       </pc:sldChg>
     </pc:docChg>
   </pc:docChgLst>
+  <pc:docChgLst>
+    <pc:chgData name="Dr. Manel Puig i Vidal" userId="0d549d0e-cb25-4ad8-b3a5-db046c349dfe" providerId="ADAL" clId="{F9C99AA7-39A0-4FA7-BDB9-58E93BB78F39}"/>
+    <pc:docChg chg="modSld">
+      <pc:chgData name="Dr. Manel Puig i Vidal" userId="0d549d0e-cb25-4ad8-b3a5-db046c349dfe" providerId="ADAL" clId="{F9C99AA7-39A0-4FA7-BDB9-58E93BB78F39}" dt="2022-03-17T13:26:38.836" v="33" actId="1036"/>
+      <pc:docMkLst>
+        <pc:docMk/>
+      </pc:docMkLst>
+      <pc:sldChg chg="addSp modSp mod">
+        <pc:chgData name="Dr. Manel Puig i Vidal" userId="0d549d0e-cb25-4ad8-b3a5-db046c349dfe" providerId="ADAL" clId="{F9C99AA7-39A0-4FA7-BDB9-58E93BB78F39}" dt="2022-03-17T13:26:38.836" v="33" actId="1036"/>
+        <pc:sldMkLst>
+          <pc:docMk/>
+          <pc:sldMk cId="2329590683" sldId="263"/>
+        </pc:sldMkLst>
+        <pc:spChg chg="add mod">
+          <ac:chgData name="Dr. Manel Puig i Vidal" userId="0d549d0e-cb25-4ad8-b3a5-db046c349dfe" providerId="ADAL" clId="{F9C99AA7-39A0-4FA7-BDB9-58E93BB78F39}" dt="2022-03-17T13:25:33.305" v="8" actId="113"/>
+          <ac:spMkLst>
+            <pc:docMk/>
+            <pc:sldMk cId="2329590683" sldId="263"/>
+            <ac:spMk id="2" creationId="{1ED916FD-A6A2-4CC1-B267-E6D20E5B9C53}"/>
+          </ac:spMkLst>
+        </pc:spChg>
+        <pc:spChg chg="add mod">
+          <ac:chgData name="Dr. Manel Puig i Vidal" userId="0d549d0e-cb25-4ad8-b3a5-db046c349dfe" providerId="ADAL" clId="{F9C99AA7-39A0-4FA7-BDB9-58E93BB78F39}" dt="2022-03-17T13:25:50.385" v="14" actId="20577"/>
+          <ac:spMkLst>
+            <pc:docMk/>
+            <pc:sldMk cId="2329590683" sldId="263"/>
+            <ac:spMk id="6" creationId="{A3A9FB9D-1E16-4D1C-AAD3-A4354B6E5904}"/>
+          </ac:spMkLst>
+        </pc:spChg>
+        <pc:spChg chg="add mod">
+          <ac:chgData name="Dr. Manel Puig i Vidal" userId="0d549d0e-cb25-4ad8-b3a5-db046c349dfe" providerId="ADAL" clId="{F9C99AA7-39A0-4FA7-BDB9-58E93BB78F39}" dt="2022-03-17T13:26:38.836" v="33" actId="1036"/>
+          <ac:spMkLst>
+            <pc:docMk/>
+            <pc:sldMk cId="2329590683" sldId="263"/>
+            <ac:spMk id="7" creationId="{5223A30E-3AC4-4D27-933A-7F5FDFEFE23B}"/>
+          </ac:spMkLst>
+        </pc:spChg>
+        <pc:spChg chg="add mod">
+          <ac:chgData name="Dr. Manel Puig i Vidal" userId="0d549d0e-cb25-4ad8-b3a5-db046c349dfe" providerId="ADAL" clId="{F9C99AA7-39A0-4FA7-BDB9-58E93BB78F39}" dt="2022-03-17T13:26:38.836" v="33" actId="1036"/>
+          <ac:spMkLst>
+            <pc:docMk/>
+            <pc:sldMk cId="2329590683" sldId="263"/>
+            <ac:spMk id="8" creationId="{D4CAE3A1-2391-4F9D-A564-BCF73591CAC8}"/>
+          </ac:spMkLst>
+        </pc:spChg>
+      </pc:sldChg>
+    </pc:docChg>
+  </pc:docChgLst>
 </pc:chgInfo>
 </file>
 
@@ -499,7 +836,7 @@
           <a:p>
             <a:fld id="{1C047EFF-C005-42C2-96C9-4E7CFE047116}" type="datetimeFigureOut">
               <a:rPr lang="es-ES" smtClean="0"/>
-              <a:t>03/08/2021</a:t>
+              <a:t>18/03/2022</a:t>
             </a:fld>
             <a:endParaRPr lang="es-ES"/>
           </a:p>
@@ -697,7 +1034,7 @@
           <a:p>
             <a:fld id="{1C047EFF-C005-42C2-96C9-4E7CFE047116}" type="datetimeFigureOut">
               <a:rPr lang="es-ES" smtClean="0"/>
-              <a:t>03/08/2021</a:t>
+              <a:t>18/03/2022</a:t>
             </a:fld>
             <a:endParaRPr lang="es-ES"/>
           </a:p>
@@ -905,7 +1242,7 @@
           <a:p>
             <a:fld id="{1C047EFF-C005-42C2-96C9-4E7CFE047116}" type="datetimeFigureOut">
               <a:rPr lang="es-ES" smtClean="0"/>
-              <a:t>03/08/2021</a:t>
+              <a:t>18/03/2022</a:t>
             </a:fld>
             <a:endParaRPr lang="es-ES"/>
           </a:p>
@@ -1103,7 +1440,7 @@
           <a:p>
             <a:fld id="{1C047EFF-C005-42C2-96C9-4E7CFE047116}" type="datetimeFigureOut">
               <a:rPr lang="es-ES" smtClean="0"/>
-              <a:t>03/08/2021</a:t>
+              <a:t>18/03/2022</a:t>
             </a:fld>
             <a:endParaRPr lang="es-ES"/>
           </a:p>
@@ -1378,7 +1715,7 @@
           <a:p>
             <a:fld id="{1C047EFF-C005-42C2-96C9-4E7CFE047116}" type="datetimeFigureOut">
               <a:rPr lang="es-ES" smtClean="0"/>
-              <a:t>03/08/2021</a:t>
+              <a:t>18/03/2022</a:t>
             </a:fld>
             <a:endParaRPr lang="es-ES"/>
           </a:p>
@@ -1643,7 +1980,7 @@
           <a:p>
             <a:fld id="{1C047EFF-C005-42C2-96C9-4E7CFE047116}" type="datetimeFigureOut">
               <a:rPr lang="es-ES" smtClean="0"/>
-              <a:t>03/08/2021</a:t>
+              <a:t>18/03/2022</a:t>
             </a:fld>
             <a:endParaRPr lang="es-ES"/>
           </a:p>
@@ -2055,7 +2392,7 @@
           <a:p>
             <a:fld id="{1C047EFF-C005-42C2-96C9-4E7CFE047116}" type="datetimeFigureOut">
               <a:rPr lang="es-ES" smtClean="0"/>
-              <a:t>03/08/2021</a:t>
+              <a:t>18/03/2022</a:t>
             </a:fld>
             <a:endParaRPr lang="es-ES"/>
           </a:p>
@@ -2196,7 +2533,7 @@
           <a:p>
             <a:fld id="{1C047EFF-C005-42C2-96C9-4E7CFE047116}" type="datetimeFigureOut">
               <a:rPr lang="es-ES" smtClean="0"/>
-              <a:t>03/08/2021</a:t>
+              <a:t>18/03/2022</a:t>
             </a:fld>
             <a:endParaRPr lang="es-ES"/>
           </a:p>
@@ -2309,7 +2646,7 @@
           <a:p>
             <a:fld id="{1C047EFF-C005-42C2-96C9-4E7CFE047116}" type="datetimeFigureOut">
               <a:rPr lang="es-ES" smtClean="0"/>
-              <a:t>03/08/2021</a:t>
+              <a:t>18/03/2022</a:t>
             </a:fld>
             <a:endParaRPr lang="es-ES"/>
           </a:p>
@@ -2620,7 +2957,7 @@
           <a:p>
             <a:fld id="{1C047EFF-C005-42C2-96C9-4E7CFE047116}" type="datetimeFigureOut">
               <a:rPr lang="es-ES" smtClean="0"/>
-              <a:t>03/08/2021</a:t>
+              <a:t>18/03/2022</a:t>
             </a:fld>
             <a:endParaRPr lang="es-ES"/>
           </a:p>
@@ -2908,7 +3245,7 @@
           <a:p>
             <a:fld id="{1C047EFF-C005-42C2-96C9-4E7CFE047116}" type="datetimeFigureOut">
               <a:rPr lang="es-ES" smtClean="0"/>
-              <a:t>03/08/2021</a:t>
+              <a:t>18/03/2022</a:t>
             </a:fld>
             <a:endParaRPr lang="es-ES"/>
           </a:p>
@@ -3149,7 +3486,7 @@
           <a:p>
             <a:fld id="{1C047EFF-C005-42C2-96C9-4E7CFE047116}" type="datetimeFigureOut">
               <a:rPr lang="es-ES" smtClean="0"/>
-              <a:t>03/08/2021</a:t>
+              <a:t>18/03/2022</a:t>
             </a:fld>
             <a:endParaRPr lang="es-ES"/>
           </a:p>
@@ -3896,6 +4233,162 @@
           </a:prstGeom>
         </p:spPr>
       </p:pic>
+      <p:sp>
+        <p:nvSpPr>
+          <p:cNvPr id="2" name="QuadreDeText 1">
+            <a:extLst>
+              <a:ext uri="{FF2B5EF4-FFF2-40B4-BE49-F238E27FC236}">
+                <a16:creationId xmlns:a16="http://schemas.microsoft.com/office/drawing/2014/main" id="{1ED916FD-A6A2-4CC1-B267-E6D20E5B9C53}"/>
+              </a:ext>
+            </a:extLst>
+          </p:cNvPr>
+          <p:cNvSpPr txBox="1"/>
+          <p:nvPr/>
+        </p:nvSpPr>
+        <p:spPr>
+          <a:xfrm>
+            <a:off x="674557" y="1371825"/>
+            <a:ext cx="772969" cy="400110"/>
+          </a:xfrm>
+          <a:prstGeom prst="rect">
+            <a:avLst/>
+          </a:prstGeom>
+          <a:noFill/>
+        </p:spPr>
+        <p:txBody>
+          <a:bodyPr wrap="none" rtlCol="0">
+            <a:spAutoFit/>
+          </a:bodyPr>
+          <a:lstStyle/>
+          <a:p>
+            <a:r>
+              <a:rPr lang="ca-ES" sz="2000" b="1" dirty="0">
+                <a:solidFill>
+                  <a:srgbClr val="00B050"/>
+                </a:solidFill>
+              </a:rPr>
+              <a:t>M1-A</a:t>
+            </a:r>
+          </a:p>
+        </p:txBody>
+      </p:sp>
+      <p:sp>
+        <p:nvSpPr>
+          <p:cNvPr id="6" name="QuadreDeText 5">
+            <a:extLst>
+              <a:ext uri="{FF2B5EF4-FFF2-40B4-BE49-F238E27FC236}">
+                <a16:creationId xmlns:a16="http://schemas.microsoft.com/office/drawing/2014/main" id="{A3A9FB9D-1E16-4D1C-AAD3-A4354B6E5904}"/>
+              </a:ext>
+            </a:extLst>
+          </p:cNvPr>
+          <p:cNvSpPr txBox="1"/>
+          <p:nvPr/>
+        </p:nvSpPr>
+        <p:spPr>
+          <a:xfrm>
+            <a:off x="4664439" y="1418672"/>
+            <a:ext cx="761747" cy="400110"/>
+          </a:xfrm>
+          <a:prstGeom prst="rect">
+            <a:avLst/>
+          </a:prstGeom>
+          <a:noFill/>
+        </p:spPr>
+        <p:txBody>
+          <a:bodyPr wrap="none" rtlCol="0">
+            <a:spAutoFit/>
+          </a:bodyPr>
+          <a:lstStyle/>
+          <a:p>
+            <a:r>
+              <a:rPr lang="ca-ES" sz="2000" b="1" dirty="0">
+                <a:solidFill>
+                  <a:srgbClr val="00B050"/>
+                </a:solidFill>
+              </a:rPr>
+              <a:t>M2-B</a:t>
+            </a:r>
+          </a:p>
+        </p:txBody>
+      </p:sp>
+      <p:sp>
+        <p:nvSpPr>
+          <p:cNvPr id="7" name="QuadreDeText 6">
+            <a:extLst>
+              <a:ext uri="{FF2B5EF4-FFF2-40B4-BE49-F238E27FC236}">
+                <a16:creationId xmlns:a16="http://schemas.microsoft.com/office/drawing/2014/main" id="{5223A30E-3AC4-4D27-933A-7F5FDFEFE23B}"/>
+              </a:ext>
+            </a:extLst>
+          </p:cNvPr>
+          <p:cNvSpPr txBox="1"/>
+          <p:nvPr/>
+        </p:nvSpPr>
+        <p:spPr>
+          <a:xfrm>
+            <a:off x="546610" y="5376459"/>
+            <a:ext cx="753732" cy="400110"/>
+          </a:xfrm>
+          <a:prstGeom prst="rect">
+            <a:avLst/>
+          </a:prstGeom>
+          <a:noFill/>
+        </p:spPr>
+        <p:txBody>
+          <a:bodyPr wrap="none" rtlCol="0">
+            <a:spAutoFit/>
+          </a:bodyPr>
+          <a:lstStyle/>
+          <a:p>
+            <a:r>
+              <a:rPr lang="ca-ES" sz="2000" b="1" dirty="0">
+                <a:solidFill>
+                  <a:srgbClr val="00B050"/>
+                </a:solidFill>
+              </a:rPr>
+              <a:t>M3-C</a:t>
+            </a:r>
+          </a:p>
+        </p:txBody>
+      </p:sp>
+      <p:sp>
+        <p:nvSpPr>
+          <p:cNvPr id="8" name="QuadreDeText 7">
+            <a:extLst>
+              <a:ext uri="{FF2B5EF4-FFF2-40B4-BE49-F238E27FC236}">
+                <a16:creationId xmlns:a16="http://schemas.microsoft.com/office/drawing/2014/main" id="{D4CAE3A1-2391-4F9D-A564-BCF73591CAC8}"/>
+              </a:ext>
+            </a:extLst>
+          </p:cNvPr>
+          <p:cNvSpPr txBox="1"/>
+          <p:nvPr/>
+        </p:nvSpPr>
+        <p:spPr>
+          <a:xfrm>
+            <a:off x="4649195" y="5376459"/>
+            <a:ext cx="779381" cy="400110"/>
+          </a:xfrm>
+          <a:prstGeom prst="rect">
+            <a:avLst/>
+          </a:prstGeom>
+          <a:noFill/>
+        </p:spPr>
+        <p:txBody>
+          <a:bodyPr wrap="none" rtlCol="0">
+            <a:spAutoFit/>
+          </a:bodyPr>
+          <a:lstStyle/>
+          <a:p>
+            <a:r>
+              <a:rPr lang="ca-ES" sz="2000" b="1" dirty="0">
+                <a:solidFill>
+                  <a:srgbClr val="00B050"/>
+                </a:solidFill>
+              </a:rPr>
+              <a:t>M4-D</a:t>
+            </a:r>
+          </a:p>
+        </p:txBody>
+      </p:sp>
     </p:spTree>
     <p:extLst>
       <p:ext uri="{BB962C8B-B14F-4D97-AF65-F5344CB8AC3E}">
@@ -3948,7 +4441,7 @@
         </p:blipFill>
         <p:spPr>
           <a:xfrm>
-            <a:off x="4510918" y="3668527"/>
+            <a:off x="8079805" y="752398"/>
             <a:ext cx="3019846" cy="838317"/>
           </a:xfrm>
           <a:prstGeom prst="rect">
@@ -3978,7 +4471,7 @@
         </p:blipFill>
         <p:spPr>
           <a:xfrm>
-            <a:off x="4510918" y="5068118"/>
+            <a:off x="8079805" y="1968022"/>
             <a:ext cx="2943636" cy="1057423"/>
           </a:xfrm>
           <a:prstGeom prst="rect">
@@ -4016,6 +4509,2021 @@
           </a:prstGeom>
         </p:spPr>
       </p:pic>
+      <p:grpSp>
+        <p:nvGrpSpPr>
+          <p:cNvPr id="24" name="Grupo 23">
+            <a:extLst>
+              <a:ext uri="{FF2B5EF4-FFF2-40B4-BE49-F238E27FC236}">
+                <a16:creationId xmlns:a16="http://schemas.microsoft.com/office/drawing/2014/main" id="{61C984A2-5E2F-4E9B-836E-08E961B85ECD}"/>
+              </a:ext>
+            </a:extLst>
+          </p:cNvPr>
+          <p:cNvGrpSpPr/>
+          <p:nvPr/>
+        </p:nvGrpSpPr>
+        <p:grpSpPr>
+          <a:xfrm rot="2770744">
+            <a:off x="1806714" y="1148076"/>
+            <a:ext cx="2152785" cy="2573538"/>
+            <a:chOff x="1301616" y="1148076"/>
+            <a:chExt cx="2152785" cy="2573538"/>
+          </a:xfrm>
+        </p:grpSpPr>
+        <p:grpSp>
+          <p:nvGrpSpPr>
+            <p:cNvPr id="17" name="Grupo 16">
+              <a:extLst>
+                <a:ext uri="{FF2B5EF4-FFF2-40B4-BE49-F238E27FC236}">
+                  <a16:creationId xmlns:a16="http://schemas.microsoft.com/office/drawing/2014/main" id="{D5B82D91-8162-4994-AE35-6CCC7376B828}"/>
+                </a:ext>
+              </a:extLst>
+            </p:cNvPr>
+            <p:cNvGrpSpPr/>
+            <p:nvPr/>
+          </p:nvGrpSpPr>
+          <p:grpSpPr>
+            <a:xfrm>
+              <a:off x="1860550" y="1860550"/>
+              <a:ext cx="1593851" cy="1861064"/>
+              <a:chOff x="1435100" y="1388617"/>
+              <a:chExt cx="2019301" cy="2332997"/>
+            </a:xfrm>
+          </p:grpSpPr>
+          <p:pic>
+            <p:nvPicPr>
+              <p:cNvPr id="6" name="Imagen 5">
+                <a:extLst>
+                  <a:ext uri="{FF2B5EF4-FFF2-40B4-BE49-F238E27FC236}">
+                    <a16:creationId xmlns:a16="http://schemas.microsoft.com/office/drawing/2014/main" id="{573B5A5C-0050-4BD0-A143-0D7DB424F6C4}"/>
+                  </a:ext>
+                </a:extLst>
+              </p:cNvPr>
+              <p:cNvPicPr>
+                <a:picLocks noChangeAspect="1"/>
+              </p:cNvPicPr>
+              <p:nvPr/>
+            </p:nvPicPr>
+            <p:blipFill rotWithShape="1">
+              <a:blip r:embed="rId5"/>
+              <a:srcRect l="12901" t="3306" r="9798" b="12826"/>
+              <a:stretch/>
+            </p:blipFill>
+            <p:spPr>
+              <a:xfrm>
+                <a:off x="1492249" y="1428749"/>
+                <a:ext cx="1924051" cy="2165351"/>
+              </a:xfrm>
+              <a:prstGeom prst="rect">
+                <a:avLst/>
+              </a:prstGeom>
+            </p:spPr>
+          </p:pic>
+          <p:sp>
+            <p:nvSpPr>
+              <p:cNvPr id="7" name="Rectángulo 6">
+                <a:extLst>
+                  <a:ext uri="{FF2B5EF4-FFF2-40B4-BE49-F238E27FC236}">
+                    <a16:creationId xmlns:a16="http://schemas.microsoft.com/office/drawing/2014/main" id="{AEA4FC07-F3E2-47A9-9DDA-D819FB533006}"/>
+                  </a:ext>
+                </a:extLst>
+              </p:cNvPr>
+              <p:cNvSpPr/>
+              <p:nvPr/>
+            </p:nvSpPr>
+            <p:spPr>
+              <a:xfrm>
+                <a:off x="1847850" y="1739900"/>
+                <a:ext cx="901700" cy="1803400"/>
+              </a:xfrm>
+              <a:prstGeom prst="rect">
+                <a:avLst/>
+              </a:prstGeom>
+              <a:solidFill>
+                <a:schemeClr val="bg1"/>
+              </a:solidFill>
+              <a:ln>
+                <a:solidFill>
+                  <a:schemeClr val="bg1"/>
+                </a:solidFill>
+              </a:ln>
+            </p:spPr>
+            <p:style>
+              <a:lnRef idx="2">
+                <a:schemeClr val="accent1">
+                  <a:shade val="50000"/>
+                </a:schemeClr>
+              </a:lnRef>
+              <a:fillRef idx="1">
+                <a:schemeClr val="accent1"/>
+              </a:fillRef>
+              <a:effectRef idx="0">
+                <a:schemeClr val="accent1"/>
+              </a:effectRef>
+              <a:fontRef idx="minor">
+                <a:schemeClr val="lt1"/>
+              </a:fontRef>
+            </p:style>
+            <p:txBody>
+              <a:bodyPr rtlCol="0" anchor="ctr"/>
+              <a:lstStyle/>
+              <a:p>
+                <a:pPr algn="ctr"/>
+                <a:endParaRPr lang="ca-ES"/>
+              </a:p>
+            </p:txBody>
+          </p:sp>
+          <p:sp>
+            <p:nvSpPr>
+              <p:cNvPr id="8" name="Rectángulo 7">
+                <a:extLst>
+                  <a:ext uri="{FF2B5EF4-FFF2-40B4-BE49-F238E27FC236}">
+                    <a16:creationId xmlns:a16="http://schemas.microsoft.com/office/drawing/2014/main" id="{3B7D4DBC-51C4-4A54-B7DF-8EE80EC30E00}"/>
+                  </a:ext>
+                </a:extLst>
+              </p:cNvPr>
+              <p:cNvSpPr/>
+              <p:nvPr/>
+            </p:nvSpPr>
+            <p:spPr>
+              <a:xfrm>
+                <a:off x="1435100" y="2241549"/>
+                <a:ext cx="374649" cy="539750"/>
+              </a:xfrm>
+              <a:prstGeom prst="rect">
+                <a:avLst/>
+              </a:prstGeom>
+              <a:solidFill>
+                <a:schemeClr val="bg1"/>
+              </a:solidFill>
+              <a:ln>
+                <a:solidFill>
+                  <a:schemeClr val="bg1"/>
+                </a:solidFill>
+              </a:ln>
+            </p:spPr>
+            <p:style>
+              <a:lnRef idx="2">
+                <a:schemeClr val="accent1">
+                  <a:shade val="50000"/>
+                </a:schemeClr>
+              </a:lnRef>
+              <a:fillRef idx="1">
+                <a:schemeClr val="accent1"/>
+              </a:fillRef>
+              <a:effectRef idx="0">
+                <a:schemeClr val="accent1"/>
+              </a:effectRef>
+              <a:fontRef idx="minor">
+                <a:schemeClr val="lt1"/>
+              </a:fontRef>
+            </p:style>
+            <p:txBody>
+              <a:bodyPr rtlCol="0" anchor="ctr"/>
+              <a:lstStyle/>
+              <a:p>
+                <a:pPr algn="ctr"/>
+                <a:endParaRPr lang="ca-ES"/>
+              </a:p>
+            </p:txBody>
+          </p:sp>
+          <p:sp>
+            <p:nvSpPr>
+              <p:cNvPr id="9" name="Rectángulo 8">
+                <a:extLst>
+                  <a:ext uri="{FF2B5EF4-FFF2-40B4-BE49-F238E27FC236}">
+                    <a16:creationId xmlns:a16="http://schemas.microsoft.com/office/drawing/2014/main" id="{7FBDA7FD-41B0-4D19-8807-D92679D15121}"/>
+                  </a:ext>
+                </a:extLst>
+              </p:cNvPr>
+              <p:cNvSpPr/>
+              <p:nvPr/>
+            </p:nvSpPr>
+            <p:spPr>
+              <a:xfrm>
+                <a:off x="1492249" y="3536952"/>
+                <a:ext cx="304799" cy="131575"/>
+              </a:xfrm>
+              <a:prstGeom prst="rect">
+                <a:avLst/>
+              </a:prstGeom>
+              <a:solidFill>
+                <a:schemeClr val="bg1"/>
+              </a:solidFill>
+              <a:ln>
+                <a:solidFill>
+                  <a:schemeClr val="bg1"/>
+                </a:solidFill>
+              </a:ln>
+            </p:spPr>
+            <p:style>
+              <a:lnRef idx="2">
+                <a:schemeClr val="accent1">
+                  <a:shade val="50000"/>
+                </a:schemeClr>
+              </a:lnRef>
+              <a:fillRef idx="1">
+                <a:schemeClr val="accent1"/>
+              </a:fillRef>
+              <a:effectRef idx="0">
+                <a:schemeClr val="accent1"/>
+              </a:effectRef>
+              <a:fontRef idx="minor">
+                <a:schemeClr val="lt1"/>
+              </a:fontRef>
+            </p:style>
+            <p:txBody>
+              <a:bodyPr rtlCol="0" anchor="ctr"/>
+              <a:lstStyle/>
+              <a:p>
+                <a:pPr algn="ctr"/>
+                <a:endParaRPr lang="ca-ES"/>
+              </a:p>
+            </p:txBody>
+          </p:sp>
+          <p:sp>
+            <p:nvSpPr>
+              <p:cNvPr id="10" name="Rectángulo 9">
+                <a:extLst>
+                  <a:ext uri="{FF2B5EF4-FFF2-40B4-BE49-F238E27FC236}">
+                    <a16:creationId xmlns:a16="http://schemas.microsoft.com/office/drawing/2014/main" id="{7698C475-F9A7-4682-AFD1-3E48D47FE21E}"/>
+                  </a:ext>
+                </a:extLst>
+              </p:cNvPr>
+              <p:cNvSpPr/>
+              <p:nvPr/>
+            </p:nvSpPr>
+            <p:spPr>
+              <a:xfrm>
+                <a:off x="2301874" y="3590039"/>
+                <a:ext cx="304799" cy="131575"/>
+              </a:xfrm>
+              <a:prstGeom prst="rect">
+                <a:avLst/>
+              </a:prstGeom>
+              <a:solidFill>
+                <a:schemeClr val="bg1"/>
+              </a:solidFill>
+              <a:ln>
+                <a:solidFill>
+                  <a:schemeClr val="bg1"/>
+                </a:solidFill>
+              </a:ln>
+            </p:spPr>
+            <p:style>
+              <a:lnRef idx="2">
+                <a:schemeClr val="accent1">
+                  <a:shade val="50000"/>
+                </a:schemeClr>
+              </a:lnRef>
+              <a:fillRef idx="1">
+                <a:schemeClr val="accent1"/>
+              </a:fillRef>
+              <a:effectRef idx="0">
+                <a:schemeClr val="accent1"/>
+              </a:effectRef>
+              <a:fontRef idx="minor">
+                <a:schemeClr val="lt1"/>
+              </a:fontRef>
+            </p:style>
+            <p:txBody>
+              <a:bodyPr rtlCol="0" anchor="ctr"/>
+              <a:lstStyle/>
+              <a:p>
+                <a:pPr algn="ctr"/>
+                <a:endParaRPr lang="ca-ES"/>
+              </a:p>
+            </p:txBody>
+          </p:sp>
+          <p:sp>
+            <p:nvSpPr>
+              <p:cNvPr id="11" name="Rectángulo 10">
+                <a:extLst>
+                  <a:ext uri="{FF2B5EF4-FFF2-40B4-BE49-F238E27FC236}">
+                    <a16:creationId xmlns:a16="http://schemas.microsoft.com/office/drawing/2014/main" id="{A3E47B2C-0FC7-481F-B344-5692CC427143}"/>
+                  </a:ext>
+                </a:extLst>
+              </p:cNvPr>
+              <p:cNvSpPr/>
+              <p:nvPr/>
+            </p:nvSpPr>
+            <p:spPr>
+              <a:xfrm>
+                <a:off x="3111501" y="3527568"/>
+                <a:ext cx="304799" cy="92961"/>
+              </a:xfrm>
+              <a:prstGeom prst="rect">
+                <a:avLst/>
+              </a:prstGeom>
+              <a:solidFill>
+                <a:schemeClr val="bg1"/>
+              </a:solidFill>
+              <a:ln>
+                <a:solidFill>
+                  <a:schemeClr val="bg1"/>
+                </a:solidFill>
+              </a:ln>
+            </p:spPr>
+            <p:style>
+              <a:lnRef idx="2">
+                <a:schemeClr val="accent1">
+                  <a:shade val="50000"/>
+                </a:schemeClr>
+              </a:lnRef>
+              <a:fillRef idx="1">
+                <a:schemeClr val="accent1"/>
+              </a:fillRef>
+              <a:effectRef idx="0">
+                <a:schemeClr val="accent1"/>
+              </a:effectRef>
+              <a:fontRef idx="minor">
+                <a:schemeClr val="lt1"/>
+              </a:fontRef>
+            </p:style>
+            <p:txBody>
+              <a:bodyPr rtlCol="0" anchor="ctr"/>
+              <a:lstStyle/>
+              <a:p>
+                <a:pPr algn="ctr"/>
+                <a:endParaRPr lang="ca-ES"/>
+              </a:p>
+            </p:txBody>
+          </p:sp>
+          <p:sp>
+            <p:nvSpPr>
+              <p:cNvPr id="12" name="Rectángulo 11">
+                <a:extLst>
+                  <a:ext uri="{FF2B5EF4-FFF2-40B4-BE49-F238E27FC236}">
+                    <a16:creationId xmlns:a16="http://schemas.microsoft.com/office/drawing/2014/main" id="{F2B381D1-22BD-4898-816E-DA6655EEFB56}"/>
+                  </a:ext>
+                </a:extLst>
+              </p:cNvPr>
+              <p:cNvSpPr/>
+              <p:nvPr/>
+            </p:nvSpPr>
+            <p:spPr>
+              <a:xfrm>
+                <a:off x="3390900" y="3076718"/>
+                <a:ext cx="63501" cy="460234"/>
+              </a:xfrm>
+              <a:prstGeom prst="rect">
+                <a:avLst/>
+              </a:prstGeom>
+              <a:solidFill>
+                <a:schemeClr val="bg1"/>
+              </a:solidFill>
+              <a:ln>
+                <a:solidFill>
+                  <a:schemeClr val="bg1"/>
+                </a:solidFill>
+              </a:ln>
+            </p:spPr>
+            <p:style>
+              <a:lnRef idx="2">
+                <a:schemeClr val="accent1">
+                  <a:shade val="50000"/>
+                </a:schemeClr>
+              </a:lnRef>
+              <a:fillRef idx="1">
+                <a:schemeClr val="accent1"/>
+              </a:fillRef>
+              <a:effectRef idx="0">
+                <a:schemeClr val="accent1"/>
+              </a:effectRef>
+              <a:fontRef idx="minor">
+                <a:schemeClr val="lt1"/>
+              </a:fontRef>
+            </p:style>
+            <p:txBody>
+              <a:bodyPr rtlCol="0" anchor="ctr"/>
+              <a:lstStyle/>
+              <a:p>
+                <a:pPr algn="ctr"/>
+                <a:endParaRPr lang="ca-ES"/>
+              </a:p>
+            </p:txBody>
+          </p:sp>
+          <p:sp>
+            <p:nvSpPr>
+              <p:cNvPr id="13" name="Rectángulo 12">
+                <a:extLst>
+                  <a:ext uri="{FF2B5EF4-FFF2-40B4-BE49-F238E27FC236}">
+                    <a16:creationId xmlns:a16="http://schemas.microsoft.com/office/drawing/2014/main" id="{B363588F-89FF-4197-978C-0E41F1775E29}"/>
+                  </a:ext>
+                </a:extLst>
+              </p:cNvPr>
+              <p:cNvSpPr/>
+              <p:nvPr/>
+            </p:nvSpPr>
+            <p:spPr>
+              <a:xfrm>
+                <a:off x="3397249" y="1428749"/>
+                <a:ext cx="50800" cy="92961"/>
+              </a:xfrm>
+              <a:prstGeom prst="rect">
+                <a:avLst/>
+              </a:prstGeom>
+              <a:solidFill>
+                <a:schemeClr val="bg1"/>
+              </a:solidFill>
+              <a:ln>
+                <a:solidFill>
+                  <a:schemeClr val="bg1"/>
+                </a:solidFill>
+              </a:ln>
+            </p:spPr>
+            <p:style>
+              <a:lnRef idx="2">
+                <a:schemeClr val="accent1">
+                  <a:shade val="50000"/>
+                </a:schemeClr>
+              </a:lnRef>
+              <a:fillRef idx="1">
+                <a:schemeClr val="accent1"/>
+              </a:fillRef>
+              <a:effectRef idx="0">
+                <a:schemeClr val="accent1"/>
+              </a:effectRef>
+              <a:fontRef idx="minor">
+                <a:schemeClr val="lt1"/>
+              </a:fontRef>
+            </p:style>
+            <p:txBody>
+              <a:bodyPr rtlCol="0" anchor="ctr"/>
+              <a:lstStyle/>
+              <a:p>
+                <a:pPr algn="ctr"/>
+                <a:endParaRPr lang="ca-ES"/>
+              </a:p>
+            </p:txBody>
+          </p:sp>
+          <p:sp>
+            <p:nvSpPr>
+              <p:cNvPr id="14" name="Rectángulo 13">
+                <a:extLst>
+                  <a:ext uri="{FF2B5EF4-FFF2-40B4-BE49-F238E27FC236}">
+                    <a16:creationId xmlns:a16="http://schemas.microsoft.com/office/drawing/2014/main" id="{ADAB9FD5-017D-4A45-9DB4-7B12282BF1C4}"/>
+                  </a:ext>
+                </a:extLst>
+              </p:cNvPr>
+              <p:cNvSpPr/>
+              <p:nvPr/>
+            </p:nvSpPr>
+            <p:spPr>
+              <a:xfrm>
+                <a:off x="1498599" y="1388617"/>
+                <a:ext cx="50800" cy="92961"/>
+              </a:xfrm>
+              <a:prstGeom prst="rect">
+                <a:avLst/>
+              </a:prstGeom>
+              <a:solidFill>
+                <a:schemeClr val="bg1"/>
+              </a:solidFill>
+              <a:ln>
+                <a:solidFill>
+                  <a:schemeClr val="bg1"/>
+                </a:solidFill>
+              </a:ln>
+            </p:spPr>
+            <p:style>
+              <a:lnRef idx="2">
+                <a:schemeClr val="accent1">
+                  <a:shade val="50000"/>
+                </a:schemeClr>
+              </a:lnRef>
+              <a:fillRef idx="1">
+                <a:schemeClr val="accent1"/>
+              </a:fillRef>
+              <a:effectRef idx="0">
+                <a:schemeClr val="accent1"/>
+              </a:effectRef>
+              <a:fontRef idx="minor">
+                <a:schemeClr val="lt1"/>
+              </a:fontRef>
+            </p:style>
+            <p:txBody>
+              <a:bodyPr rtlCol="0" anchor="ctr"/>
+              <a:lstStyle/>
+              <a:p>
+                <a:pPr algn="ctr"/>
+                <a:endParaRPr lang="ca-ES"/>
+              </a:p>
+            </p:txBody>
+          </p:sp>
+          <p:sp>
+            <p:nvSpPr>
+              <p:cNvPr id="16" name="Rectángulo 15">
+                <a:extLst>
+                  <a:ext uri="{FF2B5EF4-FFF2-40B4-BE49-F238E27FC236}">
+                    <a16:creationId xmlns:a16="http://schemas.microsoft.com/office/drawing/2014/main" id="{EFEC96CD-55FA-4ECB-9815-5CB83654E7F9}"/>
+                  </a:ext>
+                </a:extLst>
+              </p:cNvPr>
+              <p:cNvSpPr/>
+              <p:nvPr/>
+            </p:nvSpPr>
+            <p:spPr>
+              <a:xfrm>
+                <a:off x="1466849" y="1761239"/>
+                <a:ext cx="50800" cy="92961"/>
+              </a:xfrm>
+              <a:prstGeom prst="rect">
+                <a:avLst/>
+              </a:prstGeom>
+              <a:solidFill>
+                <a:schemeClr val="bg1"/>
+              </a:solidFill>
+              <a:ln>
+                <a:solidFill>
+                  <a:schemeClr val="bg1"/>
+                </a:solidFill>
+              </a:ln>
+            </p:spPr>
+            <p:style>
+              <a:lnRef idx="2">
+                <a:schemeClr val="accent1">
+                  <a:shade val="50000"/>
+                </a:schemeClr>
+              </a:lnRef>
+              <a:fillRef idx="1">
+                <a:schemeClr val="accent1"/>
+              </a:fillRef>
+              <a:effectRef idx="0">
+                <a:schemeClr val="accent1"/>
+              </a:effectRef>
+              <a:fontRef idx="minor">
+                <a:schemeClr val="lt1"/>
+              </a:fontRef>
+            </p:style>
+            <p:txBody>
+              <a:bodyPr rtlCol="0" anchor="ctr"/>
+              <a:lstStyle/>
+              <a:p>
+                <a:pPr algn="ctr"/>
+                <a:endParaRPr lang="ca-ES"/>
+              </a:p>
+            </p:txBody>
+          </p:sp>
+        </p:grpSp>
+        <p:cxnSp>
+          <p:nvCxnSpPr>
+            <p:cNvPr id="19" name="Conector recto de flecha 18">
+              <a:extLst>
+                <a:ext uri="{FF2B5EF4-FFF2-40B4-BE49-F238E27FC236}">
+                  <a16:creationId xmlns:a16="http://schemas.microsoft.com/office/drawing/2014/main" id="{389649B5-42C7-4520-A0CF-768FC3BC2D08}"/>
+                </a:ext>
+              </a:extLst>
+            </p:cNvPr>
+            <p:cNvCxnSpPr/>
+            <p:nvPr/>
+          </p:nvCxnSpPr>
+          <p:spPr>
+            <a:xfrm flipV="1">
+              <a:off x="2654300" y="1441450"/>
+              <a:ext cx="0" cy="1441847"/>
+            </a:xfrm>
+            <a:prstGeom prst="straightConnector1">
+              <a:avLst/>
+            </a:prstGeom>
+            <a:ln w="38100">
+              <a:solidFill>
+                <a:srgbClr val="FF0000"/>
+              </a:solidFill>
+              <a:tailEnd type="triangle"/>
+            </a:ln>
+          </p:spPr>
+          <p:style>
+            <a:lnRef idx="1">
+              <a:schemeClr val="accent1"/>
+            </a:lnRef>
+            <a:fillRef idx="0">
+              <a:schemeClr val="accent1"/>
+            </a:fillRef>
+            <a:effectRef idx="0">
+              <a:schemeClr val="accent1"/>
+            </a:effectRef>
+            <a:fontRef idx="minor">
+              <a:schemeClr val="tx1"/>
+            </a:fontRef>
+          </p:style>
+        </p:cxnSp>
+        <p:cxnSp>
+          <p:nvCxnSpPr>
+            <p:cNvPr id="20" name="Conector recto de flecha 19">
+              <a:extLst>
+                <a:ext uri="{FF2B5EF4-FFF2-40B4-BE49-F238E27FC236}">
+                  <a16:creationId xmlns:a16="http://schemas.microsoft.com/office/drawing/2014/main" id="{23F1B26C-A1C3-4EE7-B890-202FB5BEC02F}"/>
+                </a:ext>
+              </a:extLst>
+            </p:cNvPr>
+            <p:cNvCxnSpPr>
+              <a:cxnSpLocks/>
+            </p:cNvCxnSpPr>
+            <p:nvPr/>
+          </p:nvCxnSpPr>
+          <p:spPr>
+            <a:xfrm flipH="1">
+              <a:off x="1619250" y="2724547"/>
+              <a:ext cx="1174750" cy="0"/>
+            </a:xfrm>
+            <a:prstGeom prst="straightConnector1">
+              <a:avLst/>
+            </a:prstGeom>
+            <a:ln w="38100">
+              <a:solidFill>
+                <a:srgbClr val="FF0000"/>
+              </a:solidFill>
+              <a:tailEnd type="triangle"/>
+            </a:ln>
+          </p:spPr>
+          <p:style>
+            <a:lnRef idx="1">
+              <a:schemeClr val="accent1"/>
+            </a:lnRef>
+            <a:fillRef idx="0">
+              <a:schemeClr val="accent1"/>
+            </a:fillRef>
+            <a:effectRef idx="0">
+              <a:schemeClr val="accent1"/>
+            </a:effectRef>
+            <a:fontRef idx="minor">
+              <a:schemeClr val="tx1"/>
+            </a:fontRef>
+          </p:style>
+        </p:cxnSp>
+        <p:sp>
+          <p:nvSpPr>
+            <p:cNvPr id="22" name="CuadroTexto 21">
+              <a:extLst>
+                <a:ext uri="{FF2B5EF4-FFF2-40B4-BE49-F238E27FC236}">
+                  <a16:creationId xmlns:a16="http://schemas.microsoft.com/office/drawing/2014/main" id="{9854B2EE-8A2C-42BB-ABFB-7C3A65EF88BF}"/>
+                </a:ext>
+              </a:extLst>
+            </p:cNvPr>
+            <p:cNvSpPr txBox="1"/>
+            <p:nvPr/>
+          </p:nvSpPr>
+          <p:spPr>
+            <a:xfrm rot="16200000">
+              <a:off x="2451100" y="1139901"/>
+              <a:ext cx="352982" cy="369332"/>
+            </a:xfrm>
+            <a:prstGeom prst="rect">
+              <a:avLst/>
+            </a:prstGeom>
+            <a:noFill/>
+          </p:spPr>
+          <p:txBody>
+            <a:bodyPr wrap="none" rtlCol="0">
+              <a:spAutoFit/>
+            </a:bodyPr>
+            <a:lstStyle/>
+            <a:p>
+              <a:r>
+                <a:rPr lang="ca-ES" b="1" dirty="0">
+                  <a:solidFill>
+                    <a:srgbClr val="FF0000"/>
+                  </a:solidFill>
+                </a:rPr>
+                <a:t>u</a:t>
+              </a:r>
+              <a:r>
+                <a:rPr lang="ca-ES" b="1" baseline="-25000" dirty="0">
+                  <a:solidFill>
+                    <a:srgbClr val="FF0000"/>
+                  </a:solidFill>
+                </a:rPr>
+                <a:t>f</a:t>
+              </a:r>
+            </a:p>
+          </p:txBody>
+        </p:sp>
+        <p:sp>
+          <p:nvSpPr>
+            <p:cNvPr id="23" name="CuadroTexto 22">
+              <a:extLst>
+                <a:ext uri="{FF2B5EF4-FFF2-40B4-BE49-F238E27FC236}">
+                  <a16:creationId xmlns:a16="http://schemas.microsoft.com/office/drawing/2014/main" id="{EE9CC571-A0ED-4AC2-8506-C85C40FDA786}"/>
+                </a:ext>
+              </a:extLst>
+            </p:cNvPr>
+            <p:cNvSpPr txBox="1"/>
+            <p:nvPr/>
+          </p:nvSpPr>
+          <p:spPr>
+            <a:xfrm rot="16200000">
+              <a:off x="1312997" y="2517415"/>
+              <a:ext cx="346570" cy="369332"/>
+            </a:xfrm>
+            <a:prstGeom prst="rect">
+              <a:avLst/>
+            </a:prstGeom>
+            <a:noFill/>
+          </p:spPr>
+          <p:txBody>
+            <a:bodyPr wrap="none" rtlCol="0">
+              <a:spAutoFit/>
+            </a:bodyPr>
+            <a:lstStyle/>
+            <a:p>
+              <a:r>
+                <a:rPr lang="ca-ES" b="1" dirty="0">
+                  <a:solidFill>
+                    <a:srgbClr val="FF0000"/>
+                  </a:solidFill>
+                </a:rPr>
+                <a:t>u</a:t>
+              </a:r>
+              <a:r>
+                <a:rPr lang="ca-ES" b="1" baseline="-25000" dirty="0">
+                  <a:solidFill>
+                    <a:srgbClr val="FF0000"/>
+                  </a:solidFill>
+                </a:rPr>
+                <a:t>l</a:t>
+              </a:r>
+            </a:p>
+          </p:txBody>
+        </p:sp>
+      </p:grpSp>
+      <p:cxnSp>
+        <p:nvCxnSpPr>
+          <p:cNvPr id="26" name="Conector recto de flecha 25">
+            <a:extLst>
+              <a:ext uri="{FF2B5EF4-FFF2-40B4-BE49-F238E27FC236}">
+                <a16:creationId xmlns:a16="http://schemas.microsoft.com/office/drawing/2014/main" id="{5E0FDC92-7B2C-41F3-A5F8-FE215E7AE356}"/>
+              </a:ext>
+            </a:extLst>
+          </p:cNvPr>
+          <p:cNvCxnSpPr>
+            <a:cxnSpLocks/>
+          </p:cNvCxnSpPr>
+          <p:nvPr/>
+        </p:nvCxnSpPr>
+        <p:spPr>
+          <a:xfrm flipV="1">
+            <a:off x="731520" y="2013899"/>
+            <a:ext cx="0" cy="3167111"/>
+          </a:xfrm>
+          <a:prstGeom prst="straightConnector1">
+            <a:avLst/>
+          </a:prstGeom>
+          <a:ln w="38100">
+            <a:tailEnd type="triangle"/>
+          </a:ln>
+        </p:spPr>
+        <p:style>
+          <a:lnRef idx="1">
+            <a:schemeClr val="accent1"/>
+          </a:lnRef>
+          <a:fillRef idx="0">
+            <a:schemeClr val="accent1"/>
+          </a:fillRef>
+          <a:effectRef idx="0">
+            <a:schemeClr val="accent1"/>
+          </a:effectRef>
+          <a:fontRef idx="minor">
+            <a:schemeClr val="tx1"/>
+          </a:fontRef>
+        </p:style>
+      </p:cxnSp>
+      <p:cxnSp>
+        <p:nvCxnSpPr>
+          <p:cNvPr id="28" name="Conector recto de flecha 27">
+            <a:extLst>
+              <a:ext uri="{FF2B5EF4-FFF2-40B4-BE49-F238E27FC236}">
+                <a16:creationId xmlns:a16="http://schemas.microsoft.com/office/drawing/2014/main" id="{D46C7B18-BEC1-47B7-BB9A-C9825B204176}"/>
+              </a:ext>
+            </a:extLst>
+          </p:cNvPr>
+          <p:cNvCxnSpPr>
+            <a:cxnSpLocks/>
+          </p:cNvCxnSpPr>
+          <p:nvPr/>
+        </p:nvCxnSpPr>
+        <p:spPr>
+          <a:xfrm>
+            <a:off x="727158" y="5141830"/>
+            <a:ext cx="3548743" cy="0"/>
+          </a:xfrm>
+          <a:prstGeom prst="straightConnector1">
+            <a:avLst/>
+          </a:prstGeom>
+          <a:ln w="38100">
+            <a:tailEnd type="triangle"/>
+          </a:ln>
+        </p:spPr>
+        <p:style>
+          <a:lnRef idx="1">
+            <a:schemeClr val="accent1"/>
+          </a:lnRef>
+          <a:fillRef idx="0">
+            <a:schemeClr val="accent1"/>
+          </a:fillRef>
+          <a:effectRef idx="0">
+            <a:schemeClr val="accent1"/>
+          </a:effectRef>
+          <a:fontRef idx="minor">
+            <a:schemeClr val="tx1"/>
+          </a:fontRef>
+        </p:style>
+      </p:cxnSp>
+      <p:sp>
+        <p:nvSpPr>
+          <p:cNvPr id="30" name="CuadroTexto 29">
+            <a:extLst>
+              <a:ext uri="{FF2B5EF4-FFF2-40B4-BE49-F238E27FC236}">
+                <a16:creationId xmlns:a16="http://schemas.microsoft.com/office/drawing/2014/main" id="{F23AF629-95AF-4622-A0EF-1D10011A5261}"/>
+              </a:ext>
+            </a:extLst>
+          </p:cNvPr>
+          <p:cNvSpPr txBox="1"/>
+          <p:nvPr/>
+        </p:nvSpPr>
+        <p:spPr>
+          <a:xfrm>
+            <a:off x="4077361" y="4728745"/>
+            <a:ext cx="303288" cy="400110"/>
+          </a:xfrm>
+          <a:prstGeom prst="rect">
+            <a:avLst/>
+          </a:prstGeom>
+          <a:noFill/>
+        </p:spPr>
+        <p:txBody>
+          <a:bodyPr wrap="none" rtlCol="0">
+            <a:spAutoFit/>
+          </a:bodyPr>
+          <a:lstStyle/>
+          <a:p>
+            <a:r>
+              <a:rPr lang="ca-ES" sz="2000" b="1" dirty="0">
+                <a:solidFill>
+                  <a:schemeClr val="accent1"/>
+                </a:solidFill>
+              </a:rPr>
+              <a:t>x</a:t>
+            </a:r>
+          </a:p>
+        </p:txBody>
+      </p:sp>
+      <p:sp>
+        <p:nvSpPr>
+          <p:cNvPr id="31" name="CuadroTexto 30">
+            <a:extLst>
+              <a:ext uri="{FF2B5EF4-FFF2-40B4-BE49-F238E27FC236}">
+                <a16:creationId xmlns:a16="http://schemas.microsoft.com/office/drawing/2014/main" id="{CD438832-4FFD-4A0E-AF0D-9FFD8A5BE3B6}"/>
+              </a:ext>
+            </a:extLst>
+          </p:cNvPr>
+          <p:cNvSpPr txBox="1"/>
+          <p:nvPr/>
+        </p:nvSpPr>
+        <p:spPr>
+          <a:xfrm>
+            <a:off x="797589" y="1767967"/>
+            <a:ext cx="306494" cy="400110"/>
+          </a:xfrm>
+          <a:prstGeom prst="rect">
+            <a:avLst/>
+          </a:prstGeom>
+          <a:noFill/>
+        </p:spPr>
+        <p:txBody>
+          <a:bodyPr wrap="none" rtlCol="0">
+            <a:spAutoFit/>
+          </a:bodyPr>
+          <a:lstStyle/>
+          <a:p>
+            <a:r>
+              <a:rPr lang="ca-ES" sz="2000" b="1" dirty="0">
+                <a:solidFill>
+                  <a:schemeClr val="accent1"/>
+                </a:solidFill>
+              </a:rPr>
+              <a:t>y</a:t>
+            </a:r>
+          </a:p>
+        </p:txBody>
+      </p:sp>
+      <p:cxnSp>
+        <p:nvCxnSpPr>
+          <p:cNvPr id="32" name="Conector recto de flecha 31">
+            <a:extLst>
+              <a:ext uri="{FF2B5EF4-FFF2-40B4-BE49-F238E27FC236}">
+                <a16:creationId xmlns:a16="http://schemas.microsoft.com/office/drawing/2014/main" id="{736260BA-7650-47B4-846B-A8CB23D4976C}"/>
+              </a:ext>
+            </a:extLst>
+          </p:cNvPr>
+          <p:cNvCxnSpPr>
+            <a:cxnSpLocks/>
+          </p:cNvCxnSpPr>
+          <p:nvPr/>
+        </p:nvCxnSpPr>
+        <p:spPr>
+          <a:xfrm flipV="1">
+            <a:off x="2862513" y="1463040"/>
+            <a:ext cx="0" cy="1405127"/>
+          </a:xfrm>
+          <a:prstGeom prst="straightConnector1">
+            <a:avLst/>
+          </a:prstGeom>
+          <a:ln w="19050">
+            <a:prstDash val="sysDash"/>
+            <a:headEnd type="none" w="med" len="med"/>
+            <a:tailEnd type="none" w="med" len="med"/>
+          </a:ln>
+        </p:spPr>
+        <p:style>
+          <a:lnRef idx="1">
+            <a:schemeClr val="accent1"/>
+          </a:lnRef>
+          <a:fillRef idx="0">
+            <a:schemeClr val="accent1"/>
+          </a:fillRef>
+          <a:effectRef idx="0">
+            <a:schemeClr val="accent1"/>
+          </a:effectRef>
+          <a:fontRef idx="minor">
+            <a:schemeClr val="tx1"/>
+          </a:fontRef>
+        </p:style>
+      </p:cxnSp>
+      <p:cxnSp>
+        <p:nvCxnSpPr>
+          <p:cNvPr id="33" name="Conector recto de flecha 32">
+            <a:extLst>
+              <a:ext uri="{FF2B5EF4-FFF2-40B4-BE49-F238E27FC236}">
+                <a16:creationId xmlns:a16="http://schemas.microsoft.com/office/drawing/2014/main" id="{47400499-5EE2-4AEE-8517-913F6AB6A452}"/>
+              </a:ext>
+            </a:extLst>
+          </p:cNvPr>
+          <p:cNvCxnSpPr>
+            <a:cxnSpLocks/>
+          </p:cNvCxnSpPr>
+          <p:nvPr/>
+        </p:nvCxnSpPr>
+        <p:spPr>
+          <a:xfrm flipV="1">
+            <a:off x="2858151" y="2803442"/>
+            <a:ext cx="1370854" cy="25545"/>
+          </a:xfrm>
+          <a:prstGeom prst="straightConnector1">
+            <a:avLst/>
+          </a:prstGeom>
+          <a:ln w="19050">
+            <a:prstDash val="sysDash"/>
+            <a:headEnd type="none" w="med" len="med"/>
+            <a:tailEnd type="none" w="med" len="med"/>
+          </a:ln>
+        </p:spPr>
+        <p:style>
+          <a:lnRef idx="1">
+            <a:schemeClr val="accent1"/>
+          </a:lnRef>
+          <a:fillRef idx="0">
+            <a:schemeClr val="accent1"/>
+          </a:fillRef>
+          <a:effectRef idx="0">
+            <a:schemeClr val="accent1"/>
+          </a:effectRef>
+          <a:fontRef idx="minor">
+            <a:schemeClr val="tx1"/>
+          </a:fontRef>
+        </p:style>
+      </p:cxnSp>
+      <p:sp>
+        <p:nvSpPr>
+          <p:cNvPr id="37" name="Arco 36">
+            <a:extLst>
+              <a:ext uri="{FF2B5EF4-FFF2-40B4-BE49-F238E27FC236}">
+                <a16:creationId xmlns:a16="http://schemas.microsoft.com/office/drawing/2014/main" id="{BFB1A040-DDDF-4259-B78B-53566BAE79CD}"/>
+              </a:ext>
+            </a:extLst>
+          </p:cNvPr>
+          <p:cNvSpPr/>
+          <p:nvPr/>
+        </p:nvSpPr>
+        <p:spPr>
+          <a:xfrm>
+            <a:off x="2509999" y="2473233"/>
+            <a:ext cx="711760" cy="700863"/>
+          </a:xfrm>
+          <a:prstGeom prst="arc">
+            <a:avLst>
+              <a:gd name="adj1" fmla="val 19156823"/>
+              <a:gd name="adj2" fmla="val 0"/>
+            </a:avLst>
+          </a:prstGeom>
+          <a:ln>
+            <a:headEnd type="triangle" w="med" len="med"/>
+            <a:tailEnd type="none" w="med" len="med"/>
+          </a:ln>
+        </p:spPr>
+        <p:style>
+          <a:lnRef idx="1">
+            <a:schemeClr val="accent1"/>
+          </a:lnRef>
+          <a:fillRef idx="0">
+            <a:schemeClr val="accent1"/>
+          </a:fillRef>
+          <a:effectRef idx="0">
+            <a:schemeClr val="accent1"/>
+          </a:effectRef>
+          <a:fontRef idx="minor">
+            <a:schemeClr val="tx1"/>
+          </a:fontRef>
+        </p:style>
+        <p:txBody>
+          <a:bodyPr rtlCol="0" anchor="ctr"/>
+          <a:lstStyle/>
+          <a:p>
+            <a:pPr algn="ctr"/>
+            <a:endParaRPr lang="ca-ES"/>
+          </a:p>
+        </p:txBody>
+      </p:sp>
+      <p:sp>
+        <p:nvSpPr>
+          <p:cNvPr id="38" name="Arco 37">
+            <a:extLst>
+              <a:ext uri="{FF2B5EF4-FFF2-40B4-BE49-F238E27FC236}">
+                <a16:creationId xmlns:a16="http://schemas.microsoft.com/office/drawing/2014/main" id="{8AFE94BC-44BD-4FA5-A135-34C6B5A4BE3F}"/>
+              </a:ext>
+            </a:extLst>
+          </p:cNvPr>
+          <p:cNvSpPr/>
+          <p:nvPr/>
+        </p:nvSpPr>
+        <p:spPr>
+          <a:xfrm>
+            <a:off x="2505643" y="2477580"/>
+            <a:ext cx="711760" cy="700863"/>
+          </a:xfrm>
+          <a:prstGeom prst="arc">
+            <a:avLst>
+              <a:gd name="adj1" fmla="val 13631727"/>
+              <a:gd name="adj2" fmla="val 16274370"/>
+            </a:avLst>
+          </a:prstGeom>
+          <a:ln>
+            <a:headEnd type="triangle" w="med" len="med"/>
+            <a:tailEnd type="none" w="med" len="med"/>
+          </a:ln>
+        </p:spPr>
+        <p:style>
+          <a:lnRef idx="1">
+            <a:schemeClr val="accent1"/>
+          </a:lnRef>
+          <a:fillRef idx="0">
+            <a:schemeClr val="accent1"/>
+          </a:fillRef>
+          <a:effectRef idx="0">
+            <a:schemeClr val="accent1"/>
+          </a:effectRef>
+          <a:fontRef idx="minor">
+            <a:schemeClr val="tx1"/>
+          </a:fontRef>
+        </p:style>
+        <p:txBody>
+          <a:bodyPr rtlCol="0" anchor="ctr"/>
+          <a:lstStyle/>
+          <a:p>
+            <a:pPr algn="ctr"/>
+            <a:endParaRPr lang="ca-ES"/>
+          </a:p>
+        </p:txBody>
+      </p:sp>
+      <p:sp>
+        <p:nvSpPr>
+          <p:cNvPr id="39" name="CuadroTexto 38">
+            <a:extLst>
+              <a:ext uri="{FF2B5EF4-FFF2-40B4-BE49-F238E27FC236}">
+                <a16:creationId xmlns:a16="http://schemas.microsoft.com/office/drawing/2014/main" id="{1521B3FB-423B-4072-860F-9BC231D28836}"/>
+              </a:ext>
+            </a:extLst>
+          </p:cNvPr>
+          <p:cNvSpPr txBox="1"/>
+          <p:nvPr/>
+        </p:nvSpPr>
+        <p:spPr>
+          <a:xfrm>
+            <a:off x="3181356" y="2461780"/>
+            <a:ext cx="304892" cy="369332"/>
+          </a:xfrm>
+          <a:prstGeom prst="rect">
+            <a:avLst/>
+          </a:prstGeom>
+          <a:noFill/>
+        </p:spPr>
+        <p:txBody>
+          <a:bodyPr wrap="none" rtlCol="0">
+            <a:spAutoFit/>
+          </a:bodyPr>
+          <a:lstStyle/>
+          <a:p>
+            <a:r>
+              <a:rPr lang="ca-ES" dirty="0">
+                <a:solidFill>
+                  <a:schemeClr val="accent1"/>
+                </a:solidFill>
+                <a:latin typeface="Symbol" panose="05050102010706020507" pitchFamily="18" charset="2"/>
+              </a:rPr>
+              <a:t>q</a:t>
+            </a:r>
+          </a:p>
+        </p:txBody>
+      </p:sp>
+      <p:sp>
+        <p:nvSpPr>
+          <p:cNvPr id="40" name="CuadroTexto 39">
+            <a:extLst>
+              <a:ext uri="{FF2B5EF4-FFF2-40B4-BE49-F238E27FC236}">
+                <a16:creationId xmlns:a16="http://schemas.microsoft.com/office/drawing/2014/main" id="{EE97361D-8846-49A3-9E62-C9EEC6E5E626}"/>
+              </a:ext>
+            </a:extLst>
+          </p:cNvPr>
+          <p:cNvSpPr txBox="1"/>
+          <p:nvPr/>
+        </p:nvSpPr>
+        <p:spPr>
+          <a:xfrm>
+            <a:off x="2601891" y="2189350"/>
+            <a:ext cx="304892" cy="369332"/>
+          </a:xfrm>
+          <a:prstGeom prst="rect">
+            <a:avLst/>
+          </a:prstGeom>
+          <a:noFill/>
+        </p:spPr>
+        <p:txBody>
+          <a:bodyPr wrap="none" rtlCol="0">
+            <a:spAutoFit/>
+          </a:bodyPr>
+          <a:lstStyle/>
+          <a:p>
+            <a:r>
+              <a:rPr lang="ca-ES" dirty="0">
+                <a:solidFill>
+                  <a:schemeClr val="accent1"/>
+                </a:solidFill>
+                <a:latin typeface="Symbol" panose="05050102010706020507" pitchFamily="18" charset="2"/>
+              </a:rPr>
+              <a:t>q</a:t>
+            </a:r>
+          </a:p>
+        </p:txBody>
+      </p:sp>
+      <mc:AlternateContent xmlns:mc="http://schemas.openxmlformats.org/markup-compatibility/2006">
+        <mc:Choice xmlns:a14="http://schemas.microsoft.com/office/drawing/2010/main" Requires="a14">
+          <p:sp>
+            <p:nvSpPr>
+              <p:cNvPr id="41" name="CuadroTexto 40">
+                <a:extLst>
+                  <a:ext uri="{FF2B5EF4-FFF2-40B4-BE49-F238E27FC236}">
+                    <a16:creationId xmlns:a16="http://schemas.microsoft.com/office/drawing/2014/main" id="{D79382C3-30E9-4FC2-AC8F-279492C0E8CE}"/>
+                  </a:ext>
+                </a:extLst>
+              </p:cNvPr>
+              <p:cNvSpPr txBox="1"/>
+              <p:nvPr/>
+            </p:nvSpPr>
+            <p:spPr>
+              <a:xfrm>
+                <a:off x="4668832" y="2706889"/>
+                <a:ext cx="2345386" cy="598497"/>
+              </a:xfrm>
+              <a:prstGeom prst="rect">
+                <a:avLst/>
+              </a:prstGeom>
+              <a:noFill/>
+            </p:spPr>
+            <p:txBody>
+              <a:bodyPr wrap="none" lIns="0" tIns="0" rIns="0" bIns="0" rtlCol="0">
+                <a:spAutoFit/>
+              </a:bodyPr>
+              <a:lstStyle/>
+              <a:p>
+                <a14:m>
+                  <m:oMathPara xmlns:m="http://schemas.openxmlformats.org/officeDocument/2006/math">
+                    <m:oMathParaPr>
+                      <m:jc m:val="centerGroup"/>
+                    </m:oMathParaPr>
+                    <m:oMath xmlns:m="http://schemas.openxmlformats.org/officeDocument/2006/math">
+                      <m:sSub>
+                        <m:sSubPr>
+                          <m:ctrlPr>
+                            <a:rPr lang="ca-ES" i="1" smtClean="0">
+                              <a:latin typeface="Cambria Math" panose="02040503050406030204" pitchFamily="18" charset="0"/>
+                            </a:rPr>
+                          </m:ctrlPr>
+                        </m:sSubPr>
+                        <m:e>
+                          <m:r>
+                            <a:rPr lang="es-ES" b="0" i="1" smtClean="0">
+                              <a:latin typeface="Cambria Math" panose="02040503050406030204" pitchFamily="18" charset="0"/>
+                            </a:rPr>
+                            <m:t>𝑣</m:t>
+                          </m:r>
+                        </m:e>
+                        <m:sub>
+                          <m:r>
+                            <a:rPr lang="es-ES" b="0" i="1" smtClean="0">
+                              <a:latin typeface="Cambria Math" panose="02040503050406030204" pitchFamily="18" charset="0"/>
+                            </a:rPr>
+                            <m:t>𝑥</m:t>
+                          </m:r>
+                        </m:sub>
+                      </m:sSub>
+                      <m:r>
+                        <a:rPr lang="es-ES" b="0" i="1" smtClean="0">
+                          <a:latin typeface="Cambria Math" panose="02040503050406030204" pitchFamily="18" charset="0"/>
+                        </a:rPr>
+                        <m:t>=</m:t>
+                      </m:r>
+                      <m:sSub>
+                        <m:sSubPr>
+                          <m:ctrlPr>
+                            <a:rPr lang="es-ES" b="0" i="1" smtClean="0">
+                              <a:latin typeface="Cambria Math" panose="02040503050406030204" pitchFamily="18" charset="0"/>
+                            </a:rPr>
+                          </m:ctrlPr>
+                        </m:sSubPr>
+                        <m:e>
+                          <m:r>
+                            <a:rPr lang="es-ES" b="0" i="1" smtClean="0">
+                              <a:latin typeface="Cambria Math" panose="02040503050406030204" pitchFamily="18" charset="0"/>
+                            </a:rPr>
+                            <m:t>𝑢</m:t>
+                          </m:r>
+                        </m:e>
+                        <m:sub>
+                          <m:r>
+                            <a:rPr lang="es-ES" b="0" i="1" smtClean="0">
+                              <a:latin typeface="Cambria Math" panose="02040503050406030204" pitchFamily="18" charset="0"/>
+                            </a:rPr>
+                            <m:t>𝑓</m:t>
+                          </m:r>
+                        </m:sub>
+                      </m:sSub>
+                      <m:func>
+                        <m:funcPr>
+                          <m:ctrlPr>
+                            <a:rPr lang="es-ES" b="0" i="1" smtClean="0">
+                              <a:latin typeface="Cambria Math" panose="02040503050406030204" pitchFamily="18" charset="0"/>
+                            </a:rPr>
+                          </m:ctrlPr>
+                        </m:funcPr>
+                        <m:fName>
+                          <m:r>
+                            <m:rPr>
+                              <m:sty m:val="p"/>
+                            </m:rPr>
+                            <a:rPr lang="es-ES" b="0" i="0" smtClean="0">
+                              <a:latin typeface="Cambria Math" panose="02040503050406030204" pitchFamily="18" charset="0"/>
+                            </a:rPr>
+                            <m:t>cos</m:t>
+                          </m:r>
+                        </m:fName>
+                        <m:e>
+                          <m:r>
+                            <a:rPr lang="es-ES" b="0" i="1" smtClean="0">
+                              <a:latin typeface="Cambria Math" panose="02040503050406030204" pitchFamily="18" charset="0"/>
+                              <a:ea typeface="Cambria Math" panose="02040503050406030204" pitchFamily="18" charset="0"/>
+                            </a:rPr>
+                            <m:t>𝜃</m:t>
+                          </m:r>
+                          <m:r>
+                            <a:rPr lang="es-ES" b="0" i="1" smtClean="0">
+                              <a:latin typeface="Cambria Math" panose="02040503050406030204" pitchFamily="18" charset="0"/>
+                              <a:ea typeface="Cambria Math" panose="02040503050406030204" pitchFamily="18" charset="0"/>
+                            </a:rPr>
+                            <m:t>−</m:t>
+                          </m:r>
+                          <m:sSub>
+                            <m:sSubPr>
+                              <m:ctrlPr>
+                                <a:rPr lang="es-ES" i="1">
+                                  <a:latin typeface="Cambria Math" panose="02040503050406030204" pitchFamily="18" charset="0"/>
+                                </a:rPr>
+                              </m:ctrlPr>
+                            </m:sSubPr>
+                            <m:e>
+                              <m:r>
+                                <a:rPr lang="es-ES" i="1">
+                                  <a:latin typeface="Cambria Math" panose="02040503050406030204" pitchFamily="18" charset="0"/>
+                                </a:rPr>
+                                <m:t>𝑢</m:t>
+                              </m:r>
+                            </m:e>
+                            <m:sub>
+                              <m:r>
+                                <a:rPr lang="es-ES" b="0" i="1" smtClean="0">
+                                  <a:latin typeface="Cambria Math" panose="02040503050406030204" pitchFamily="18" charset="0"/>
+                                </a:rPr>
+                                <m:t>𝑙</m:t>
+                              </m:r>
+                            </m:sub>
+                          </m:sSub>
+                          <m:func>
+                            <m:funcPr>
+                              <m:ctrlPr>
+                                <a:rPr lang="es-ES" i="1" smtClean="0">
+                                  <a:latin typeface="Cambria Math" panose="02040503050406030204" pitchFamily="18" charset="0"/>
+                                </a:rPr>
+                              </m:ctrlPr>
+                            </m:funcPr>
+                            <m:fName>
+                              <m:r>
+                                <m:rPr>
+                                  <m:sty m:val="p"/>
+                                </m:rPr>
+                                <a:rPr lang="es-ES" i="0" smtClean="0">
+                                  <a:latin typeface="Cambria Math" panose="02040503050406030204" pitchFamily="18" charset="0"/>
+                                </a:rPr>
+                                <m:t>sin</m:t>
+                              </m:r>
+                            </m:fName>
+                            <m:e>
+                              <m:r>
+                                <a:rPr lang="es-ES" i="1" smtClean="0">
+                                  <a:latin typeface="Cambria Math" panose="02040503050406030204" pitchFamily="18" charset="0"/>
+                                  <a:ea typeface="Cambria Math" panose="02040503050406030204" pitchFamily="18" charset="0"/>
+                                </a:rPr>
+                                <m:t>𝜃</m:t>
+                              </m:r>
+                            </m:e>
+                          </m:func>
+                        </m:e>
+                      </m:func>
+                    </m:oMath>
+                  </m:oMathPara>
+                </a14:m>
+                <a:endParaRPr lang="es-ES" b="0" dirty="0"/>
+              </a:p>
+              <a:p>
+                <a14:m>
+                  <m:oMathPara xmlns:m="http://schemas.openxmlformats.org/officeDocument/2006/math">
+                    <m:oMathParaPr>
+                      <m:jc m:val="centerGroup"/>
+                    </m:oMathParaPr>
+                    <m:oMath xmlns:m="http://schemas.openxmlformats.org/officeDocument/2006/math">
+                      <m:sSub>
+                        <m:sSubPr>
+                          <m:ctrlPr>
+                            <a:rPr lang="ca-ES" i="1" smtClean="0">
+                              <a:latin typeface="Cambria Math" panose="02040503050406030204" pitchFamily="18" charset="0"/>
+                            </a:rPr>
+                          </m:ctrlPr>
+                        </m:sSubPr>
+                        <m:e>
+                          <m:r>
+                            <a:rPr lang="es-ES" b="0" i="1" smtClean="0">
+                              <a:latin typeface="Cambria Math" panose="02040503050406030204" pitchFamily="18" charset="0"/>
+                            </a:rPr>
+                            <m:t>𝑣</m:t>
+                          </m:r>
+                        </m:e>
+                        <m:sub>
+                          <m:r>
+                            <a:rPr lang="es-ES" b="0" i="1" smtClean="0">
+                              <a:latin typeface="Cambria Math" panose="02040503050406030204" pitchFamily="18" charset="0"/>
+                            </a:rPr>
+                            <m:t>𝑦</m:t>
+                          </m:r>
+                        </m:sub>
+                      </m:sSub>
+                      <m:r>
+                        <a:rPr lang="es-ES" b="0" i="1" smtClean="0">
+                          <a:latin typeface="Cambria Math" panose="02040503050406030204" pitchFamily="18" charset="0"/>
+                        </a:rPr>
+                        <m:t>=</m:t>
+                      </m:r>
+                      <m:sSub>
+                        <m:sSubPr>
+                          <m:ctrlPr>
+                            <a:rPr lang="es-ES" b="0" i="1" smtClean="0">
+                              <a:latin typeface="Cambria Math" panose="02040503050406030204" pitchFamily="18" charset="0"/>
+                            </a:rPr>
+                          </m:ctrlPr>
+                        </m:sSubPr>
+                        <m:e>
+                          <m:r>
+                            <a:rPr lang="es-ES" b="0" i="1" smtClean="0">
+                              <a:latin typeface="Cambria Math" panose="02040503050406030204" pitchFamily="18" charset="0"/>
+                            </a:rPr>
+                            <m:t>𝑢</m:t>
+                          </m:r>
+                        </m:e>
+                        <m:sub>
+                          <m:r>
+                            <a:rPr lang="es-ES" b="0" i="1" smtClean="0">
+                              <a:latin typeface="Cambria Math" panose="02040503050406030204" pitchFamily="18" charset="0"/>
+                            </a:rPr>
+                            <m:t>𝑓</m:t>
+                          </m:r>
+                        </m:sub>
+                      </m:sSub>
+                      <m:func>
+                        <m:funcPr>
+                          <m:ctrlPr>
+                            <a:rPr lang="es-ES" b="0" i="1" smtClean="0">
+                              <a:latin typeface="Cambria Math" panose="02040503050406030204" pitchFamily="18" charset="0"/>
+                            </a:rPr>
+                          </m:ctrlPr>
+                        </m:funcPr>
+                        <m:fName>
+                          <m:r>
+                            <m:rPr>
+                              <m:sty m:val="p"/>
+                            </m:rPr>
+                            <a:rPr lang="es-ES" b="0" i="0" smtClean="0">
+                              <a:latin typeface="Cambria Math" panose="02040503050406030204" pitchFamily="18" charset="0"/>
+                            </a:rPr>
+                            <m:t>sin</m:t>
+                          </m:r>
+                        </m:fName>
+                        <m:e>
+                          <m:r>
+                            <a:rPr lang="es-ES" b="0" i="1" smtClean="0">
+                              <a:latin typeface="Cambria Math" panose="02040503050406030204" pitchFamily="18" charset="0"/>
+                              <a:ea typeface="Cambria Math" panose="02040503050406030204" pitchFamily="18" charset="0"/>
+                            </a:rPr>
+                            <m:t>𝜃</m:t>
+                          </m:r>
+                          <m:r>
+                            <a:rPr lang="es-ES" b="0" i="1" smtClean="0">
+                              <a:latin typeface="Cambria Math" panose="02040503050406030204" pitchFamily="18" charset="0"/>
+                              <a:ea typeface="Cambria Math" panose="02040503050406030204" pitchFamily="18" charset="0"/>
+                            </a:rPr>
+                            <m:t>+</m:t>
+                          </m:r>
+                          <m:sSub>
+                            <m:sSubPr>
+                              <m:ctrlPr>
+                                <a:rPr lang="es-ES" i="1">
+                                  <a:latin typeface="Cambria Math" panose="02040503050406030204" pitchFamily="18" charset="0"/>
+                                </a:rPr>
+                              </m:ctrlPr>
+                            </m:sSubPr>
+                            <m:e>
+                              <m:r>
+                                <a:rPr lang="es-ES" i="1">
+                                  <a:latin typeface="Cambria Math" panose="02040503050406030204" pitchFamily="18" charset="0"/>
+                                </a:rPr>
+                                <m:t>𝑢</m:t>
+                              </m:r>
+                            </m:e>
+                            <m:sub>
+                              <m:r>
+                                <a:rPr lang="es-ES" b="0" i="1" smtClean="0">
+                                  <a:latin typeface="Cambria Math" panose="02040503050406030204" pitchFamily="18" charset="0"/>
+                                </a:rPr>
+                                <m:t>𝑙</m:t>
+                              </m:r>
+                            </m:sub>
+                          </m:sSub>
+                          <m:func>
+                            <m:funcPr>
+                              <m:ctrlPr>
+                                <a:rPr lang="es-ES" i="1" smtClean="0">
+                                  <a:latin typeface="Cambria Math" panose="02040503050406030204" pitchFamily="18" charset="0"/>
+                                </a:rPr>
+                              </m:ctrlPr>
+                            </m:funcPr>
+                            <m:fName>
+                              <m:r>
+                                <m:rPr>
+                                  <m:sty m:val="p"/>
+                                </m:rPr>
+                                <a:rPr lang="es-ES" b="0" i="0" smtClean="0">
+                                  <a:latin typeface="Cambria Math" panose="02040503050406030204" pitchFamily="18" charset="0"/>
+                                </a:rPr>
+                                <m:t>cos</m:t>
+                              </m:r>
+                            </m:fName>
+                            <m:e>
+                              <m:r>
+                                <a:rPr lang="es-ES" i="1" smtClean="0">
+                                  <a:latin typeface="Cambria Math" panose="02040503050406030204" pitchFamily="18" charset="0"/>
+                                  <a:ea typeface="Cambria Math" panose="02040503050406030204" pitchFamily="18" charset="0"/>
+                                </a:rPr>
+                                <m:t>𝜃</m:t>
+                              </m:r>
+                            </m:e>
+                          </m:func>
+                        </m:e>
+                      </m:func>
+                    </m:oMath>
+                  </m:oMathPara>
+                </a14:m>
+                <a:endParaRPr lang="ca-ES" dirty="0"/>
+              </a:p>
+            </p:txBody>
+          </p:sp>
+        </mc:Choice>
+        <mc:Fallback>
+          <p:sp>
+            <p:nvSpPr>
+              <p:cNvPr id="41" name="CuadroTexto 40">
+                <a:extLst>
+                  <a:ext uri="{FF2B5EF4-FFF2-40B4-BE49-F238E27FC236}">
+                    <a16:creationId xmlns:a16="http://schemas.microsoft.com/office/drawing/2014/main" id="{D79382C3-30E9-4FC2-AC8F-279492C0E8CE}"/>
+                  </a:ext>
+                </a:extLst>
+              </p:cNvPr>
+              <p:cNvSpPr txBox="1">
+                <a:spLocks noRot="1" noChangeAspect="1" noMove="1" noResize="1" noEditPoints="1" noAdjustHandles="1" noChangeArrowheads="1" noChangeShapeType="1" noTextEdit="1"/>
+              </p:cNvSpPr>
+              <p:nvPr/>
+            </p:nvSpPr>
+            <p:spPr>
+              <a:xfrm>
+                <a:off x="4668832" y="2706889"/>
+                <a:ext cx="2345386" cy="598497"/>
+              </a:xfrm>
+              <a:prstGeom prst="rect">
+                <a:avLst/>
+              </a:prstGeom>
+              <a:blipFill>
+                <a:blip r:embed="rId6"/>
+                <a:stretch>
+                  <a:fillRect l="-1039" r="-1299" b="-13265"/>
+                </a:stretch>
+              </a:blipFill>
+            </p:spPr>
+            <p:txBody>
+              <a:bodyPr/>
+              <a:lstStyle/>
+              <a:p>
+                <a:r>
+                  <a:rPr lang="ca-ES">
+                    <a:noFill/>
+                  </a:rPr>
+                  <a:t> </a:t>
+                </a:r>
+              </a:p>
+            </p:txBody>
+          </p:sp>
+        </mc:Fallback>
+      </mc:AlternateContent>
+      <mc:AlternateContent xmlns:mc="http://schemas.openxmlformats.org/markup-compatibility/2006">
+        <mc:Choice xmlns:a14="http://schemas.microsoft.com/office/drawing/2010/main" Requires="a14">
+          <p:sp>
+            <p:nvSpPr>
+              <p:cNvPr id="42" name="CuadroTexto 41">
+                <a:extLst>
+                  <a:ext uri="{FF2B5EF4-FFF2-40B4-BE49-F238E27FC236}">
+                    <a16:creationId xmlns:a16="http://schemas.microsoft.com/office/drawing/2014/main" id="{688E28A2-108D-4D09-A706-5DFB3B722B7B}"/>
+                  </a:ext>
+                </a:extLst>
+              </p:cNvPr>
+              <p:cNvSpPr txBox="1"/>
+              <p:nvPr/>
+            </p:nvSpPr>
+            <p:spPr>
+              <a:xfrm>
+                <a:off x="4699129" y="1784027"/>
+                <a:ext cx="1173526" cy="726546"/>
+              </a:xfrm>
+              <a:prstGeom prst="rect">
+                <a:avLst/>
+              </a:prstGeom>
+              <a:noFill/>
+            </p:spPr>
+            <p:txBody>
+              <a:bodyPr wrap="none" lIns="0" tIns="0" rIns="0" bIns="0" rtlCol="0">
+                <a:spAutoFit/>
+              </a:bodyPr>
+              <a:lstStyle/>
+              <a:p>
+                <a14:m>
+                  <m:oMathPara xmlns:m="http://schemas.openxmlformats.org/officeDocument/2006/math">
+                    <m:oMathParaPr>
+                      <m:jc m:val="centerGroup"/>
+                    </m:oMathParaPr>
+                    <m:oMath xmlns:m="http://schemas.openxmlformats.org/officeDocument/2006/math">
+                      <m:r>
+                        <a:rPr lang="ca-ES" i="1" smtClean="0">
+                          <a:latin typeface="Cambria Math" panose="02040503050406030204" pitchFamily="18" charset="0"/>
+                          <a:ea typeface="Cambria Math" panose="02040503050406030204" pitchFamily="18" charset="0"/>
+                        </a:rPr>
+                        <m:t>𝜃</m:t>
+                      </m:r>
+                      <m:r>
+                        <a:rPr lang="es-ES" b="0" i="1" smtClean="0">
+                          <a:latin typeface="Cambria Math" panose="02040503050406030204" pitchFamily="18" charset="0"/>
+                          <a:ea typeface="Cambria Math" panose="02040503050406030204" pitchFamily="18" charset="0"/>
+                        </a:rPr>
+                        <m:t>=</m:t>
+                      </m:r>
+                      <m:nary>
+                        <m:naryPr>
+                          <m:limLoc m:val="undOvr"/>
+                          <m:subHide m:val="on"/>
+                          <m:supHide m:val="on"/>
+                          <m:ctrlPr>
+                            <a:rPr lang="es-ES" b="0" i="1" smtClean="0">
+                              <a:latin typeface="Cambria Math" panose="02040503050406030204" pitchFamily="18" charset="0"/>
+                              <a:ea typeface="Cambria Math" panose="02040503050406030204" pitchFamily="18" charset="0"/>
+                            </a:rPr>
+                          </m:ctrlPr>
+                        </m:naryPr>
+                        <m:sub/>
+                        <m:sup/>
+                        <m:e>
+                          <m:r>
+                            <a:rPr lang="es-ES" b="0" i="1" smtClean="0">
+                              <a:latin typeface="Cambria Math" panose="02040503050406030204" pitchFamily="18" charset="0"/>
+                              <a:ea typeface="Cambria Math" panose="02040503050406030204" pitchFamily="18" charset="0"/>
+                            </a:rPr>
+                            <m:t>𝜔</m:t>
+                          </m:r>
+                          <m:r>
+                            <a:rPr lang="es-ES" b="0" i="1" smtClean="0">
+                              <a:latin typeface="Cambria Math" panose="02040503050406030204" pitchFamily="18" charset="0"/>
+                              <a:ea typeface="Cambria Math" panose="02040503050406030204" pitchFamily="18" charset="0"/>
+                            </a:rPr>
+                            <m:t> </m:t>
+                          </m:r>
+                          <m:r>
+                            <a:rPr lang="es-ES" b="0" i="1" smtClean="0">
+                              <a:latin typeface="Cambria Math" panose="02040503050406030204" pitchFamily="18" charset="0"/>
+                              <a:ea typeface="Cambria Math" panose="02040503050406030204" pitchFamily="18" charset="0"/>
+                            </a:rPr>
+                            <m:t>𝑑𝑡</m:t>
+                          </m:r>
+                        </m:e>
+                      </m:nary>
+                    </m:oMath>
+                  </m:oMathPara>
+                </a14:m>
+                <a:endParaRPr lang="ca-ES" dirty="0"/>
+              </a:p>
+            </p:txBody>
+          </p:sp>
+        </mc:Choice>
+        <mc:Fallback>
+          <p:sp>
+            <p:nvSpPr>
+              <p:cNvPr id="42" name="CuadroTexto 41">
+                <a:extLst>
+                  <a:ext uri="{FF2B5EF4-FFF2-40B4-BE49-F238E27FC236}">
+                    <a16:creationId xmlns:a16="http://schemas.microsoft.com/office/drawing/2014/main" id="{688E28A2-108D-4D09-A706-5DFB3B722B7B}"/>
+                  </a:ext>
+                </a:extLst>
+              </p:cNvPr>
+              <p:cNvSpPr txBox="1">
+                <a:spLocks noRot="1" noChangeAspect="1" noMove="1" noResize="1" noEditPoints="1" noAdjustHandles="1" noChangeArrowheads="1" noChangeShapeType="1" noTextEdit="1"/>
+              </p:cNvSpPr>
+              <p:nvPr/>
+            </p:nvSpPr>
+            <p:spPr>
+              <a:xfrm>
+                <a:off x="4699129" y="1784027"/>
+                <a:ext cx="1173526" cy="726546"/>
+              </a:xfrm>
+              <a:prstGeom prst="rect">
+                <a:avLst/>
+              </a:prstGeom>
+              <a:blipFill>
+                <a:blip r:embed="rId7"/>
+                <a:stretch>
+                  <a:fillRect/>
+                </a:stretch>
+              </a:blipFill>
+            </p:spPr>
+            <p:txBody>
+              <a:bodyPr/>
+              <a:lstStyle/>
+              <a:p>
+                <a:r>
+                  <a:rPr lang="ca-ES">
+                    <a:noFill/>
+                  </a:rPr>
+                  <a:t> </a:t>
+                </a:r>
+              </a:p>
+            </p:txBody>
+          </p:sp>
+        </mc:Fallback>
+      </mc:AlternateContent>
+      <mc:AlternateContent xmlns:mc="http://schemas.openxmlformats.org/markup-compatibility/2006">
+        <mc:Choice xmlns:a14="http://schemas.microsoft.com/office/drawing/2010/main" Requires="a14">
+          <p:sp>
+            <p:nvSpPr>
+              <p:cNvPr id="43" name="CuadroTexto 42">
+                <a:extLst>
+                  <a:ext uri="{FF2B5EF4-FFF2-40B4-BE49-F238E27FC236}">
+                    <a16:creationId xmlns:a16="http://schemas.microsoft.com/office/drawing/2014/main" id="{14553056-A989-4F3D-9B4C-D90DCFF4E719}"/>
+                  </a:ext>
+                </a:extLst>
+              </p:cNvPr>
+              <p:cNvSpPr txBox="1"/>
+              <p:nvPr/>
+            </p:nvSpPr>
+            <p:spPr>
+              <a:xfrm>
+                <a:off x="4776270" y="3597454"/>
+                <a:ext cx="1069652" cy="319831"/>
+              </a:xfrm>
+              <a:prstGeom prst="rect">
+                <a:avLst/>
+              </a:prstGeom>
+              <a:noFill/>
+            </p:spPr>
+            <p:txBody>
+              <a:bodyPr wrap="none" lIns="0" tIns="0" rIns="0" bIns="0" rtlCol="0">
+                <a:spAutoFit/>
+              </a:bodyPr>
+              <a:lstStyle/>
+              <a:p>
+                <a:r>
+                  <a:rPr lang="es-ES" dirty="0">
+                    <a:ea typeface="Cambria Math" panose="02040503050406030204" pitchFamily="18" charset="0"/>
+                  </a:rPr>
+                  <a:t>x</a:t>
+                </a:r>
+                <a:r>
+                  <a:rPr lang="es-ES" b="0" dirty="0">
+                    <a:ea typeface="Cambria Math" panose="02040503050406030204" pitchFamily="18" charset="0"/>
+                  </a:rPr>
+                  <a:t> </a:t>
+                </a:r>
+                <a14:m>
+                  <m:oMath xmlns:m="http://schemas.openxmlformats.org/officeDocument/2006/math">
+                    <m:r>
+                      <a:rPr lang="es-ES" b="0" i="1" smtClean="0">
+                        <a:latin typeface="Cambria Math" panose="02040503050406030204" pitchFamily="18" charset="0"/>
+                        <a:ea typeface="Cambria Math" panose="02040503050406030204" pitchFamily="18" charset="0"/>
+                      </a:rPr>
+                      <m:t>=</m:t>
+                    </m:r>
+                    <m:nary>
+                      <m:naryPr>
+                        <m:limLoc m:val="undOvr"/>
+                        <m:subHide m:val="on"/>
+                        <m:supHide m:val="on"/>
+                        <m:ctrlPr>
+                          <a:rPr lang="es-ES" b="0" i="1" smtClean="0">
+                            <a:latin typeface="Cambria Math" panose="02040503050406030204" pitchFamily="18" charset="0"/>
+                            <a:ea typeface="Cambria Math" panose="02040503050406030204" pitchFamily="18" charset="0"/>
+                          </a:rPr>
+                        </m:ctrlPr>
+                      </m:naryPr>
+                      <m:sub/>
+                      <m:sup/>
+                      <m:e>
+                        <m:sSub>
+                          <m:sSubPr>
+                            <m:ctrlPr>
+                              <a:rPr lang="ca-ES" i="1">
+                                <a:latin typeface="Cambria Math" panose="02040503050406030204" pitchFamily="18" charset="0"/>
+                              </a:rPr>
+                            </m:ctrlPr>
+                          </m:sSubPr>
+                          <m:e>
+                            <m:r>
+                              <a:rPr lang="es-ES" i="1">
+                                <a:latin typeface="Cambria Math" panose="02040503050406030204" pitchFamily="18" charset="0"/>
+                              </a:rPr>
+                              <m:t>𝑣</m:t>
+                            </m:r>
+                          </m:e>
+                          <m:sub>
+                            <m:r>
+                              <a:rPr lang="es-ES" i="1">
+                                <a:latin typeface="Cambria Math" panose="02040503050406030204" pitchFamily="18" charset="0"/>
+                              </a:rPr>
+                              <m:t>𝑥</m:t>
+                            </m:r>
+                          </m:sub>
+                        </m:sSub>
+                        <m:r>
+                          <a:rPr lang="es-ES" b="0" i="1" smtClean="0">
+                            <a:latin typeface="Cambria Math" panose="02040503050406030204" pitchFamily="18" charset="0"/>
+                          </a:rPr>
+                          <m:t> </m:t>
+                        </m:r>
+                        <m:r>
+                          <a:rPr lang="es-ES" b="0" i="1" smtClean="0">
+                            <a:latin typeface="Cambria Math" panose="02040503050406030204" pitchFamily="18" charset="0"/>
+                            <a:ea typeface="Cambria Math" panose="02040503050406030204" pitchFamily="18" charset="0"/>
+                          </a:rPr>
+                          <m:t>𝑑𝑡</m:t>
+                        </m:r>
+                      </m:e>
+                    </m:nary>
+                  </m:oMath>
+                </a14:m>
+                <a:endParaRPr lang="ca-ES" dirty="0"/>
+              </a:p>
+            </p:txBody>
+          </p:sp>
+        </mc:Choice>
+        <mc:Fallback>
+          <p:sp>
+            <p:nvSpPr>
+              <p:cNvPr id="43" name="CuadroTexto 42">
+                <a:extLst>
+                  <a:ext uri="{FF2B5EF4-FFF2-40B4-BE49-F238E27FC236}">
+                    <a16:creationId xmlns:a16="http://schemas.microsoft.com/office/drawing/2014/main" id="{14553056-A989-4F3D-9B4C-D90DCFF4E719}"/>
+                  </a:ext>
+                </a:extLst>
+              </p:cNvPr>
+              <p:cNvSpPr txBox="1">
+                <a:spLocks noRot="1" noChangeAspect="1" noMove="1" noResize="1" noEditPoints="1" noAdjustHandles="1" noChangeArrowheads="1" noChangeShapeType="1" noTextEdit="1"/>
+              </p:cNvSpPr>
+              <p:nvPr/>
+            </p:nvSpPr>
+            <p:spPr>
+              <a:xfrm>
+                <a:off x="4776270" y="3597454"/>
+                <a:ext cx="1069652" cy="319831"/>
+              </a:xfrm>
+              <a:prstGeom prst="rect">
+                <a:avLst/>
+              </a:prstGeom>
+              <a:blipFill>
+                <a:blip r:embed="rId8"/>
+                <a:stretch>
+                  <a:fillRect l="-13714" t="-183019" r="-28571" b="-260377"/>
+                </a:stretch>
+              </a:blipFill>
+            </p:spPr>
+            <p:txBody>
+              <a:bodyPr/>
+              <a:lstStyle/>
+              <a:p>
+                <a:r>
+                  <a:rPr lang="ca-ES">
+                    <a:noFill/>
+                  </a:rPr>
+                  <a:t> </a:t>
+                </a:r>
+              </a:p>
+            </p:txBody>
+          </p:sp>
+        </mc:Fallback>
+      </mc:AlternateContent>
+      <mc:AlternateContent xmlns:mc="http://schemas.openxmlformats.org/markup-compatibility/2006">
+        <mc:Choice xmlns:a14="http://schemas.microsoft.com/office/drawing/2010/main" Requires="a14">
+          <p:sp>
+            <p:nvSpPr>
+              <p:cNvPr id="44" name="CuadroTexto 43">
+                <a:extLst>
+                  <a:ext uri="{FF2B5EF4-FFF2-40B4-BE49-F238E27FC236}">
+                    <a16:creationId xmlns:a16="http://schemas.microsoft.com/office/drawing/2014/main" id="{AA4B0A12-D121-4329-BCB1-7A5E4D64D6CC}"/>
+                  </a:ext>
+                </a:extLst>
+              </p:cNvPr>
+              <p:cNvSpPr txBox="1"/>
+              <p:nvPr/>
+            </p:nvSpPr>
+            <p:spPr>
+              <a:xfrm>
+                <a:off x="4768444" y="3958444"/>
+                <a:ext cx="1082091" cy="319831"/>
+              </a:xfrm>
+              <a:prstGeom prst="rect">
+                <a:avLst/>
+              </a:prstGeom>
+              <a:noFill/>
+            </p:spPr>
+            <p:txBody>
+              <a:bodyPr wrap="none" lIns="0" tIns="0" rIns="0" bIns="0" rtlCol="0">
+                <a:spAutoFit/>
+              </a:bodyPr>
+              <a:lstStyle/>
+              <a:p>
+                <a:r>
+                  <a:rPr lang="es-ES" dirty="0">
+                    <a:ea typeface="Cambria Math" panose="02040503050406030204" pitchFamily="18" charset="0"/>
+                  </a:rPr>
+                  <a:t>y</a:t>
+                </a:r>
+                <a:r>
+                  <a:rPr lang="es-ES" b="0" dirty="0">
+                    <a:ea typeface="Cambria Math" panose="02040503050406030204" pitchFamily="18" charset="0"/>
+                  </a:rPr>
+                  <a:t> </a:t>
+                </a:r>
+                <a14:m>
+                  <m:oMath xmlns:m="http://schemas.openxmlformats.org/officeDocument/2006/math">
+                    <m:r>
+                      <a:rPr lang="es-ES" b="0" i="1" smtClean="0">
+                        <a:latin typeface="Cambria Math" panose="02040503050406030204" pitchFamily="18" charset="0"/>
+                        <a:ea typeface="Cambria Math" panose="02040503050406030204" pitchFamily="18" charset="0"/>
+                      </a:rPr>
+                      <m:t>=</m:t>
+                    </m:r>
+                    <m:nary>
+                      <m:naryPr>
+                        <m:limLoc m:val="undOvr"/>
+                        <m:subHide m:val="on"/>
+                        <m:supHide m:val="on"/>
+                        <m:ctrlPr>
+                          <a:rPr lang="es-ES" b="0" i="1" smtClean="0">
+                            <a:latin typeface="Cambria Math" panose="02040503050406030204" pitchFamily="18" charset="0"/>
+                            <a:ea typeface="Cambria Math" panose="02040503050406030204" pitchFamily="18" charset="0"/>
+                          </a:rPr>
+                        </m:ctrlPr>
+                      </m:naryPr>
+                      <m:sub/>
+                      <m:sup/>
+                      <m:e>
+                        <m:sSub>
+                          <m:sSubPr>
+                            <m:ctrlPr>
+                              <a:rPr lang="ca-ES" i="1">
+                                <a:latin typeface="Cambria Math" panose="02040503050406030204" pitchFamily="18" charset="0"/>
+                              </a:rPr>
+                            </m:ctrlPr>
+                          </m:sSubPr>
+                          <m:e>
+                            <m:r>
+                              <a:rPr lang="es-ES" i="1">
+                                <a:latin typeface="Cambria Math" panose="02040503050406030204" pitchFamily="18" charset="0"/>
+                              </a:rPr>
+                              <m:t>𝑣</m:t>
+                            </m:r>
+                          </m:e>
+                          <m:sub>
+                            <m:r>
+                              <a:rPr lang="es-ES" b="0" i="1" smtClean="0">
+                                <a:latin typeface="Cambria Math" panose="02040503050406030204" pitchFamily="18" charset="0"/>
+                              </a:rPr>
+                              <m:t>𝑦</m:t>
+                            </m:r>
+                          </m:sub>
+                        </m:sSub>
+                        <m:r>
+                          <a:rPr lang="es-ES" b="0" i="1" smtClean="0">
+                            <a:latin typeface="Cambria Math" panose="02040503050406030204" pitchFamily="18" charset="0"/>
+                          </a:rPr>
+                          <m:t> </m:t>
+                        </m:r>
+                        <m:r>
+                          <a:rPr lang="es-ES" b="0" i="1" smtClean="0">
+                            <a:latin typeface="Cambria Math" panose="02040503050406030204" pitchFamily="18" charset="0"/>
+                            <a:ea typeface="Cambria Math" panose="02040503050406030204" pitchFamily="18" charset="0"/>
+                          </a:rPr>
+                          <m:t>𝑑𝑡</m:t>
+                        </m:r>
+                      </m:e>
+                    </m:nary>
+                  </m:oMath>
+                </a14:m>
+                <a:endParaRPr lang="ca-ES" dirty="0"/>
+              </a:p>
+            </p:txBody>
+          </p:sp>
+        </mc:Choice>
+        <mc:Fallback>
+          <p:sp>
+            <p:nvSpPr>
+              <p:cNvPr id="44" name="CuadroTexto 43">
+                <a:extLst>
+                  <a:ext uri="{FF2B5EF4-FFF2-40B4-BE49-F238E27FC236}">
+                    <a16:creationId xmlns:a16="http://schemas.microsoft.com/office/drawing/2014/main" id="{AA4B0A12-D121-4329-BCB1-7A5E4D64D6CC}"/>
+                  </a:ext>
+                </a:extLst>
+              </p:cNvPr>
+              <p:cNvSpPr txBox="1">
+                <a:spLocks noRot="1" noChangeAspect="1" noMove="1" noResize="1" noEditPoints="1" noAdjustHandles="1" noChangeArrowheads="1" noChangeShapeType="1" noTextEdit="1"/>
+              </p:cNvSpPr>
+              <p:nvPr/>
+            </p:nvSpPr>
+            <p:spPr>
+              <a:xfrm>
+                <a:off x="4768444" y="3958444"/>
+                <a:ext cx="1082091" cy="319831"/>
+              </a:xfrm>
+              <a:prstGeom prst="rect">
+                <a:avLst/>
+              </a:prstGeom>
+              <a:blipFill>
+                <a:blip r:embed="rId9"/>
+                <a:stretch>
+                  <a:fillRect l="-12921" t="-183019" r="-27528" b="-260377"/>
+                </a:stretch>
+              </a:blipFill>
+            </p:spPr>
+            <p:txBody>
+              <a:bodyPr/>
+              <a:lstStyle/>
+              <a:p>
+                <a:r>
+                  <a:rPr lang="ca-ES">
+                    <a:noFill/>
+                  </a:rPr>
+                  <a:t> </a:t>
+                </a:r>
+              </a:p>
+            </p:txBody>
+          </p:sp>
+        </mc:Fallback>
+      </mc:AlternateContent>
     </p:spTree>
     <p:extLst>
       <p:ext uri="{BB962C8B-B14F-4D97-AF65-F5344CB8AC3E}">

--- a/Documentation/Images/Mecanum_Images.pptx
+++ b/Documentation/Images/Mecanum_Images.pptx
@@ -120,8 +120,7 @@
 <file path=ppt/revisionInfo.xml><?xml version="1.0" encoding="utf-8"?>
 <p1510:revInfo xmlns:a="http://schemas.openxmlformats.org/drawingml/2006/main" xmlns:r="http://schemas.openxmlformats.org/officeDocument/2006/relationships" xmlns:p1510="http://schemas.microsoft.com/office/powerpoint/2015/10/main">
   <p1510:revLst>
-    <p1510:client id="{0805A078-7DA3-4EFD-9B65-C85F29BB91F1}" v="93" dt="2022-03-18T12:17:59.190"/>
-    <p1510:client id="{F9C99AA7-39A0-4FA7-BDB9-58E93BB78F39}" v="4" dt="2022-03-17T13:26:15.600"/>
+    <p1510:client id="{0805A078-7DA3-4EFD-9B65-C85F29BB91F1}" v="274" dt="2022-03-29T09:38:43.557"/>
   </p1510:revLst>
 </p1510:revInfo>
 </file>
@@ -241,10 +240,73 @@
   <pc:docChgLst>
     <pc:chgData name="Dr. Manel Puig i Vidal" userId="0d549d0e-cb25-4ad8-b3a5-db046c349dfe" providerId="ADAL" clId="{0805A078-7DA3-4EFD-9B65-C85F29BB91F1}"/>
     <pc:docChg chg="undo custSel modSld">
-      <pc:chgData name="Dr. Manel Puig i Vidal" userId="0d549d0e-cb25-4ad8-b3a5-db046c349dfe" providerId="ADAL" clId="{0805A078-7DA3-4EFD-9B65-C85F29BB91F1}" dt="2022-03-18T12:17:59.190" v="582" actId="20577"/>
+      <pc:chgData name="Dr. Manel Puig i Vidal" userId="0d549d0e-cb25-4ad8-b3a5-db046c349dfe" providerId="ADAL" clId="{0805A078-7DA3-4EFD-9B65-C85F29BB91F1}" dt="2022-03-29T09:38:53.155" v="780" actId="1076"/>
       <pc:docMkLst>
         <pc:docMk/>
       </pc:docMkLst>
+      <pc:sldChg chg="addSp modSp mod">
+        <pc:chgData name="Dr. Manel Puig i Vidal" userId="0d549d0e-cb25-4ad8-b3a5-db046c349dfe" providerId="ADAL" clId="{0805A078-7DA3-4EFD-9B65-C85F29BB91F1}" dt="2022-03-29T09:38:53.155" v="780" actId="1076"/>
+        <pc:sldMkLst>
+          <pc:docMk/>
+          <pc:sldMk cId="2329590683" sldId="263"/>
+        </pc:sldMkLst>
+        <pc:spChg chg="mod">
+          <ac:chgData name="Dr. Manel Puig i Vidal" userId="0d549d0e-cb25-4ad8-b3a5-db046c349dfe" providerId="ADAL" clId="{0805A078-7DA3-4EFD-9B65-C85F29BB91F1}" dt="2022-03-29T09:17:12.678" v="602" actId="1035"/>
+          <ac:spMkLst>
+            <pc:docMk/>
+            <pc:sldMk cId="2329590683" sldId="263"/>
+            <ac:spMk id="2" creationId="{1ED916FD-A6A2-4CC1-B267-E6D20E5B9C53}"/>
+          </ac:spMkLst>
+        </pc:spChg>
+        <pc:spChg chg="add mod">
+          <ac:chgData name="Dr. Manel Puig i Vidal" userId="0d549d0e-cb25-4ad8-b3a5-db046c349dfe" providerId="ADAL" clId="{0805A078-7DA3-4EFD-9B65-C85F29BB91F1}" dt="2022-03-29T09:38:53.155" v="780" actId="1076"/>
+          <ac:spMkLst>
+            <pc:docMk/>
+            <pc:sldMk cId="2329590683" sldId="263"/>
+            <ac:spMk id="4" creationId="{82187D25-4AB8-4B22-8B6E-2BB901FADDEB}"/>
+          </ac:spMkLst>
+        </pc:spChg>
+        <pc:spChg chg="mod">
+          <ac:chgData name="Dr. Manel Puig i Vidal" userId="0d549d0e-cb25-4ad8-b3a5-db046c349dfe" providerId="ADAL" clId="{0805A078-7DA3-4EFD-9B65-C85F29BB91F1}" dt="2022-03-29T09:17:12.678" v="602" actId="1035"/>
+          <ac:spMkLst>
+            <pc:docMk/>
+            <pc:sldMk cId="2329590683" sldId="263"/>
+            <ac:spMk id="6" creationId="{A3A9FB9D-1E16-4D1C-AAD3-A4354B6E5904}"/>
+          </ac:spMkLst>
+        </pc:spChg>
+        <pc:spChg chg="mod">
+          <ac:chgData name="Dr. Manel Puig i Vidal" userId="0d549d0e-cb25-4ad8-b3a5-db046c349dfe" providerId="ADAL" clId="{0805A078-7DA3-4EFD-9B65-C85F29BB91F1}" dt="2022-03-29T09:17:12.678" v="602" actId="1035"/>
+          <ac:spMkLst>
+            <pc:docMk/>
+            <pc:sldMk cId="2329590683" sldId="263"/>
+            <ac:spMk id="7" creationId="{5223A30E-3AC4-4D27-933A-7F5FDFEFE23B}"/>
+          </ac:spMkLst>
+        </pc:spChg>
+        <pc:spChg chg="mod">
+          <ac:chgData name="Dr. Manel Puig i Vidal" userId="0d549d0e-cb25-4ad8-b3a5-db046c349dfe" providerId="ADAL" clId="{0805A078-7DA3-4EFD-9B65-C85F29BB91F1}" dt="2022-03-29T09:17:12.678" v="602" actId="1035"/>
+          <ac:spMkLst>
+            <pc:docMk/>
+            <pc:sldMk cId="2329590683" sldId="263"/>
+            <ac:spMk id="8" creationId="{D4CAE3A1-2391-4F9D-A564-BCF73591CAC8}"/>
+          </ac:spMkLst>
+        </pc:spChg>
+        <pc:picChg chg="mod">
+          <ac:chgData name="Dr. Manel Puig i Vidal" userId="0d549d0e-cb25-4ad8-b3a5-db046c349dfe" providerId="ADAL" clId="{0805A078-7DA3-4EFD-9B65-C85F29BB91F1}" dt="2022-03-29T09:17:12.678" v="602" actId="1035"/>
+          <ac:picMkLst>
+            <pc:docMk/>
+            <pc:sldMk cId="2329590683" sldId="263"/>
+            <ac:picMk id="3" creationId="{354A659A-08A3-43A5-9847-BD37EC81DFDE}"/>
+          </ac:picMkLst>
+        </pc:picChg>
+        <pc:picChg chg="mod">
+          <ac:chgData name="Dr. Manel Puig i Vidal" userId="0d549d0e-cb25-4ad8-b3a5-db046c349dfe" providerId="ADAL" clId="{0805A078-7DA3-4EFD-9B65-C85F29BB91F1}" dt="2022-03-29T09:38:49.234" v="779" actId="1076"/>
+          <ac:picMkLst>
+            <pc:docMk/>
+            <pc:sldMk cId="2329590683" sldId="263"/>
+            <ac:picMk id="5" creationId="{D75C9759-8C04-4BDA-AA54-582352963965}"/>
+          </ac:picMkLst>
+        </pc:picChg>
+      </pc:sldChg>
       <pc:sldChg chg="addSp delSp modSp mod">
         <pc:chgData name="Dr. Manel Puig i Vidal" userId="0d549d0e-cb25-4ad8-b3a5-db046c349dfe" providerId="ADAL" clId="{0805A078-7DA3-4EFD-9B65-C85F29BB91F1}" dt="2022-03-18T12:17:59.190" v="582" actId="20577"/>
         <pc:sldMkLst>
@@ -836,7 +898,7 @@
           <a:p>
             <a:fld id="{1C047EFF-C005-42C2-96C9-4E7CFE047116}" type="datetimeFigureOut">
               <a:rPr lang="es-ES" smtClean="0"/>
-              <a:t>18/03/2022</a:t>
+              <a:t>29/03/2022</a:t>
             </a:fld>
             <a:endParaRPr lang="es-ES"/>
           </a:p>
@@ -1034,7 +1096,7 @@
           <a:p>
             <a:fld id="{1C047EFF-C005-42C2-96C9-4E7CFE047116}" type="datetimeFigureOut">
               <a:rPr lang="es-ES" smtClean="0"/>
-              <a:t>18/03/2022</a:t>
+              <a:t>29/03/2022</a:t>
             </a:fld>
             <a:endParaRPr lang="es-ES"/>
           </a:p>
@@ -1242,7 +1304,7 @@
           <a:p>
             <a:fld id="{1C047EFF-C005-42C2-96C9-4E7CFE047116}" type="datetimeFigureOut">
               <a:rPr lang="es-ES" smtClean="0"/>
-              <a:t>18/03/2022</a:t>
+              <a:t>29/03/2022</a:t>
             </a:fld>
             <a:endParaRPr lang="es-ES"/>
           </a:p>
@@ -1440,7 +1502,7 @@
           <a:p>
             <a:fld id="{1C047EFF-C005-42C2-96C9-4E7CFE047116}" type="datetimeFigureOut">
               <a:rPr lang="es-ES" smtClean="0"/>
-              <a:t>18/03/2022</a:t>
+              <a:t>29/03/2022</a:t>
             </a:fld>
             <a:endParaRPr lang="es-ES"/>
           </a:p>
@@ -1715,7 +1777,7 @@
           <a:p>
             <a:fld id="{1C047EFF-C005-42C2-96C9-4E7CFE047116}" type="datetimeFigureOut">
               <a:rPr lang="es-ES" smtClean="0"/>
-              <a:t>18/03/2022</a:t>
+              <a:t>29/03/2022</a:t>
             </a:fld>
             <a:endParaRPr lang="es-ES"/>
           </a:p>
@@ -1980,7 +2042,7 @@
           <a:p>
             <a:fld id="{1C047EFF-C005-42C2-96C9-4E7CFE047116}" type="datetimeFigureOut">
               <a:rPr lang="es-ES" smtClean="0"/>
-              <a:t>18/03/2022</a:t>
+              <a:t>29/03/2022</a:t>
             </a:fld>
             <a:endParaRPr lang="es-ES"/>
           </a:p>
@@ -2392,7 +2454,7 @@
           <a:p>
             <a:fld id="{1C047EFF-C005-42C2-96C9-4E7CFE047116}" type="datetimeFigureOut">
               <a:rPr lang="es-ES" smtClean="0"/>
-              <a:t>18/03/2022</a:t>
+              <a:t>29/03/2022</a:t>
             </a:fld>
             <a:endParaRPr lang="es-ES"/>
           </a:p>
@@ -2533,7 +2595,7 @@
           <a:p>
             <a:fld id="{1C047EFF-C005-42C2-96C9-4E7CFE047116}" type="datetimeFigureOut">
               <a:rPr lang="es-ES" smtClean="0"/>
-              <a:t>18/03/2022</a:t>
+              <a:t>29/03/2022</a:t>
             </a:fld>
             <a:endParaRPr lang="es-ES"/>
           </a:p>
@@ -2646,7 +2708,7 @@
           <a:p>
             <a:fld id="{1C047EFF-C005-42C2-96C9-4E7CFE047116}" type="datetimeFigureOut">
               <a:rPr lang="es-ES" smtClean="0"/>
-              <a:t>18/03/2022</a:t>
+              <a:t>29/03/2022</a:t>
             </a:fld>
             <a:endParaRPr lang="es-ES"/>
           </a:p>
@@ -2957,7 +3019,7 @@
           <a:p>
             <a:fld id="{1C047EFF-C005-42C2-96C9-4E7CFE047116}" type="datetimeFigureOut">
               <a:rPr lang="es-ES" smtClean="0"/>
-              <a:t>18/03/2022</a:t>
+              <a:t>29/03/2022</a:t>
             </a:fld>
             <a:endParaRPr lang="es-ES"/>
           </a:p>
@@ -3245,7 +3307,7 @@
           <a:p>
             <a:fld id="{1C047EFF-C005-42C2-96C9-4E7CFE047116}" type="datetimeFigureOut">
               <a:rPr lang="es-ES" smtClean="0"/>
-              <a:t>18/03/2022</a:t>
+              <a:t>29/03/2022</a:t>
             </a:fld>
             <a:endParaRPr lang="es-ES"/>
           </a:p>
@@ -3486,7 +3548,7 @@
           <a:p>
             <a:fld id="{1C047EFF-C005-42C2-96C9-4E7CFE047116}" type="datetimeFigureOut">
               <a:rPr lang="es-ES" smtClean="0"/>
-              <a:t>18/03/2022</a:t>
+              <a:t>29/03/2022</a:t>
             </a:fld>
             <a:endParaRPr lang="es-ES"/>
           </a:p>
@@ -4195,7 +4257,7 @@
         </p:blipFill>
         <p:spPr>
           <a:xfrm>
-            <a:off x="282059" y="1556491"/>
+            <a:off x="282059" y="437135"/>
             <a:ext cx="5544324" cy="4344006"/>
           </a:xfrm>
           <a:prstGeom prst="rect">
@@ -4225,7 +4287,7 @@
         </p:blipFill>
         <p:spPr>
           <a:xfrm>
-            <a:off x="5826383" y="1761307"/>
+            <a:off x="6535684" y="522784"/>
             <a:ext cx="5468113" cy="3934374"/>
           </a:xfrm>
           <a:prstGeom prst="rect">
@@ -4247,7 +4309,7 @@
         </p:nvSpPr>
         <p:spPr>
           <a:xfrm>
-            <a:off x="674557" y="1371825"/>
+            <a:off x="674557" y="252469"/>
             <a:ext cx="772969" cy="400110"/>
           </a:xfrm>
           <a:prstGeom prst="rect">
@@ -4286,7 +4348,7 @@
         </p:nvSpPr>
         <p:spPr>
           <a:xfrm>
-            <a:off x="4664439" y="1418672"/>
+            <a:off x="4664439" y="299316"/>
             <a:ext cx="761747" cy="400110"/>
           </a:xfrm>
           <a:prstGeom prst="rect">
@@ -4325,7 +4387,7 @@
         </p:nvSpPr>
         <p:spPr>
           <a:xfrm>
-            <a:off x="546610" y="5376459"/>
+            <a:off x="546610" y="4257103"/>
             <a:ext cx="753732" cy="400110"/>
           </a:xfrm>
           <a:prstGeom prst="rect">
@@ -4364,7 +4426,7 @@
         </p:nvSpPr>
         <p:spPr>
           <a:xfrm>
-            <a:off x="4649195" y="5376459"/>
+            <a:off x="4649195" y="4257103"/>
             <a:ext cx="779381" cy="400110"/>
           </a:xfrm>
           <a:prstGeom prst="rect">
@@ -4389,6 +4451,823 @@
           </a:p>
         </p:txBody>
       </p:sp>
+      <mc:AlternateContent xmlns:mc="http://schemas.openxmlformats.org/markup-compatibility/2006">
+        <mc:Choice xmlns:a14="http://schemas.microsoft.com/office/drawing/2010/main" Requires="a14">
+          <p:sp>
+            <p:nvSpPr>
+              <p:cNvPr id="4" name="CuadroTexto 3">
+                <a:extLst>
+                  <a:ext uri="{FF2B5EF4-FFF2-40B4-BE49-F238E27FC236}">
+                    <a16:creationId xmlns:a16="http://schemas.microsoft.com/office/drawing/2014/main" id="{82187D25-4AB8-4B22-8B6E-2BB901FADDEB}"/>
+                  </a:ext>
+                </a:extLst>
+              </p:cNvPr>
+              <p:cNvSpPr txBox="1"/>
+              <p:nvPr/>
+            </p:nvSpPr>
+            <p:spPr>
+              <a:xfrm>
+                <a:off x="0" y="4965807"/>
+                <a:ext cx="6392712" cy="1073179"/>
+              </a:xfrm>
+              <a:prstGeom prst="rect">
+                <a:avLst/>
+              </a:prstGeom>
+              <a:noFill/>
+            </p:spPr>
+            <p:txBody>
+              <a:bodyPr wrap="none" lIns="0" tIns="0" rIns="0" bIns="0" rtlCol="0">
+                <a:spAutoFit/>
+              </a:bodyPr>
+              <a:lstStyle/>
+              <a:p>
+                <a:pPr/>
+                <a14:m>
+                  <m:oMathPara xmlns:m="http://schemas.openxmlformats.org/officeDocument/2006/math">
+                    <m:oMathParaPr>
+                      <m:jc m:val="centerGroup"/>
+                    </m:oMathParaPr>
+                    <m:oMath xmlns:m="http://schemas.openxmlformats.org/officeDocument/2006/math">
+                      <m:d>
+                        <m:dPr>
+                          <m:ctrlPr>
+                            <a:rPr lang="ca-ES" i="1" smtClean="0">
+                              <a:latin typeface="Cambria Math" panose="02040503050406030204" pitchFamily="18" charset="0"/>
+                            </a:rPr>
+                          </m:ctrlPr>
+                        </m:dPr>
+                        <m:e>
+                          <m:m>
+                            <m:mPr>
+                              <m:mcs>
+                                <m:mc>
+                                  <m:mcPr>
+                                    <m:count m:val="1"/>
+                                    <m:mcJc m:val="center"/>
+                                  </m:mcPr>
+                                </m:mc>
+                              </m:mcs>
+                              <m:ctrlPr>
+                                <a:rPr lang="ca-ES" i="1" smtClean="0">
+                                  <a:latin typeface="Cambria Math" panose="02040503050406030204" pitchFamily="18" charset="0"/>
+                                </a:rPr>
+                              </m:ctrlPr>
+                            </m:mPr>
+                            <m:mr>
+                              <m:e>
+                                <m:sSub>
+                                  <m:sSubPr>
+                                    <m:ctrlPr>
+                                      <a:rPr lang="ca-ES" i="1" smtClean="0">
+                                        <a:latin typeface="Cambria Math" panose="02040503050406030204" pitchFamily="18" charset="0"/>
+                                      </a:rPr>
+                                    </m:ctrlPr>
+                                  </m:sSubPr>
+                                  <m:e>
+                                    <m:r>
+                                      <a:rPr lang="es-ES" b="0" i="1" smtClean="0">
+                                        <a:latin typeface="Cambria Math" panose="02040503050406030204" pitchFamily="18" charset="0"/>
+                                      </a:rPr>
+                                      <m:t>𝑢</m:t>
+                                    </m:r>
+                                  </m:e>
+                                  <m:sub>
+                                    <m:r>
+                                      <a:rPr lang="es-ES" b="0" i="1" smtClean="0">
+                                        <a:latin typeface="Cambria Math" panose="02040503050406030204" pitchFamily="18" charset="0"/>
+                                      </a:rPr>
+                                      <m:t>𝑓</m:t>
+                                    </m:r>
+                                  </m:sub>
+                                </m:sSub>
+                              </m:e>
+                            </m:mr>
+                            <m:mr>
+                              <m:e>
+                                <m:sSub>
+                                  <m:sSubPr>
+                                    <m:ctrlPr>
+                                      <a:rPr lang="ca-ES" i="1">
+                                        <a:latin typeface="Cambria Math" panose="02040503050406030204" pitchFamily="18" charset="0"/>
+                                      </a:rPr>
+                                    </m:ctrlPr>
+                                  </m:sSubPr>
+                                  <m:e>
+                                    <m:r>
+                                      <a:rPr lang="es-ES" i="1">
+                                        <a:latin typeface="Cambria Math" panose="02040503050406030204" pitchFamily="18" charset="0"/>
+                                      </a:rPr>
+                                      <m:t>𝑢</m:t>
+                                    </m:r>
+                                  </m:e>
+                                  <m:sub>
+                                    <m:r>
+                                      <a:rPr lang="es-ES" b="0" i="1" smtClean="0">
+                                        <a:latin typeface="Cambria Math" panose="02040503050406030204" pitchFamily="18" charset="0"/>
+                                      </a:rPr>
+                                      <m:t>𝑙</m:t>
+                                    </m:r>
+                                  </m:sub>
+                                </m:sSub>
+                              </m:e>
+                            </m:mr>
+                            <m:mr>
+                              <m:e>
+                                <m:r>
+                                  <a:rPr lang="ca-ES" i="1" smtClean="0">
+                                    <a:latin typeface="Cambria Math" panose="02040503050406030204" pitchFamily="18" charset="0"/>
+                                    <a:ea typeface="Cambria Math" panose="02040503050406030204" pitchFamily="18" charset="0"/>
+                                  </a:rPr>
+                                  <m:t>𝜔</m:t>
+                                </m:r>
+                              </m:e>
+                            </m:mr>
+                          </m:m>
+                        </m:e>
+                      </m:d>
+                      <m:r>
+                        <a:rPr lang="es-ES" b="0" i="1" smtClean="0">
+                          <a:latin typeface="Cambria Math" panose="02040503050406030204" pitchFamily="18" charset="0"/>
+                        </a:rPr>
+                        <m:t>=</m:t>
+                      </m:r>
+                      <m:f>
+                        <m:fPr>
+                          <m:ctrlPr>
+                            <a:rPr lang="es-ES" b="0" i="1" smtClean="0">
+                              <a:latin typeface="Cambria Math" panose="02040503050406030204" pitchFamily="18" charset="0"/>
+                            </a:rPr>
+                          </m:ctrlPr>
+                        </m:fPr>
+                        <m:num>
+                          <m:r>
+                            <a:rPr lang="es-ES" b="0" i="1" smtClean="0">
+                              <a:latin typeface="Cambria Math" panose="02040503050406030204" pitchFamily="18" charset="0"/>
+                            </a:rPr>
+                            <m:t>𝑅</m:t>
+                          </m:r>
+                        </m:num>
+                        <m:den>
+                          <m:r>
+                            <a:rPr lang="es-ES" b="0" i="1" smtClean="0">
+                              <a:latin typeface="Cambria Math" panose="02040503050406030204" pitchFamily="18" charset="0"/>
+                            </a:rPr>
+                            <m:t>4</m:t>
+                          </m:r>
+                        </m:den>
+                      </m:f>
+                      <m:d>
+                        <m:dPr>
+                          <m:ctrlPr>
+                            <a:rPr lang="es-ES" b="0" i="1" smtClean="0">
+                              <a:latin typeface="Cambria Math" panose="02040503050406030204" pitchFamily="18" charset="0"/>
+                            </a:rPr>
+                          </m:ctrlPr>
+                        </m:dPr>
+                        <m:e>
+                          <m:m>
+                            <m:mPr>
+                              <m:mcs>
+                                <m:mc>
+                                  <m:mcPr>
+                                    <m:count m:val="3"/>
+                                    <m:mcJc m:val="center"/>
+                                  </m:mcPr>
+                                </m:mc>
+                              </m:mcs>
+                              <m:ctrlPr>
+                                <a:rPr lang="es-ES" b="0" i="1" smtClean="0">
+                                  <a:latin typeface="Cambria Math" panose="02040503050406030204" pitchFamily="18" charset="0"/>
+                                </a:rPr>
+                              </m:ctrlPr>
+                            </m:mPr>
+                            <m:mr>
+                              <m:e>
+                                <m:r>
+                                  <m:rPr>
+                                    <m:brk m:alnAt="7"/>
+                                  </m:rPr>
+                                  <a:rPr lang="es-ES" b="0" i="1" smtClean="0">
+                                    <a:latin typeface="Cambria Math" panose="02040503050406030204" pitchFamily="18" charset="0"/>
+                                  </a:rPr>
+                                  <m:t>1</m:t>
+                                </m:r>
+                              </m:e>
+                              <m:e>
+                                <m:r>
+                                  <a:rPr lang="es-ES" b="0" i="1" smtClean="0">
+                                    <a:latin typeface="Cambria Math" panose="02040503050406030204" pitchFamily="18" charset="0"/>
+                                  </a:rPr>
+                                  <m:t>1</m:t>
+                                </m:r>
+                              </m:e>
+                              <m:e>
+                                <m:m>
+                                  <m:mPr>
+                                    <m:mcs>
+                                      <m:mc>
+                                        <m:mcPr>
+                                          <m:count m:val="2"/>
+                                          <m:mcJc m:val="center"/>
+                                        </m:mcPr>
+                                      </m:mc>
+                                    </m:mcs>
+                                    <m:ctrlPr>
+                                      <a:rPr lang="es-ES" b="0" i="1" smtClean="0">
+                                        <a:latin typeface="Cambria Math" panose="02040503050406030204" pitchFamily="18" charset="0"/>
+                                      </a:rPr>
+                                    </m:ctrlPr>
+                                  </m:mPr>
+                                  <m:mr>
+                                    <m:e>
+                                      <m:r>
+                                        <m:rPr>
+                                          <m:brk m:alnAt="7"/>
+                                        </m:rPr>
+                                        <a:rPr lang="es-ES" b="0" i="1" smtClean="0">
+                                          <a:latin typeface="Cambria Math" panose="02040503050406030204" pitchFamily="18" charset="0"/>
+                                        </a:rPr>
+                                        <m:t>1</m:t>
+                                      </m:r>
+                                      <m:r>
+                                        <a:rPr lang="es-ES" b="0" i="1" smtClean="0">
+                                          <a:latin typeface="Cambria Math" panose="02040503050406030204" pitchFamily="18" charset="0"/>
+                                        </a:rPr>
+                                        <m:t>             </m:t>
+                                      </m:r>
+                                    </m:e>
+                                    <m:e>
+                                      <m:r>
+                                        <a:rPr lang="es-ES" b="0" i="1" smtClean="0">
+                                          <a:latin typeface="Cambria Math" panose="02040503050406030204" pitchFamily="18" charset="0"/>
+                                        </a:rPr>
+                                        <m:t>1</m:t>
+                                      </m:r>
+                                    </m:e>
+                                  </m:mr>
+                                </m:m>
+                              </m:e>
+                            </m:mr>
+                            <m:mr>
+                              <m:e>
+                                <m:r>
+                                  <a:rPr lang="es-ES" b="0" i="1" smtClean="0">
+                                    <a:latin typeface="Cambria Math" panose="02040503050406030204" pitchFamily="18" charset="0"/>
+                                  </a:rPr>
+                                  <m:t>−1</m:t>
+                                </m:r>
+                              </m:e>
+                              <m:e>
+                                <m:r>
+                                  <a:rPr lang="es-ES" b="0" i="1" smtClean="0">
+                                    <a:latin typeface="Cambria Math" panose="02040503050406030204" pitchFamily="18" charset="0"/>
+                                  </a:rPr>
+                                  <m:t>1</m:t>
+                                </m:r>
+                              </m:e>
+                              <m:e>
+                                <m:m>
+                                  <m:mPr>
+                                    <m:mcs>
+                                      <m:mc>
+                                        <m:mcPr>
+                                          <m:count m:val="2"/>
+                                          <m:mcJc m:val="center"/>
+                                        </m:mcPr>
+                                      </m:mc>
+                                    </m:mcs>
+                                    <m:ctrlPr>
+                                      <a:rPr lang="es-ES" b="0" i="1" smtClean="0">
+                                        <a:latin typeface="Cambria Math" panose="02040503050406030204" pitchFamily="18" charset="0"/>
+                                      </a:rPr>
+                                    </m:ctrlPr>
+                                  </m:mPr>
+                                  <m:mr>
+                                    <m:e>
+                                      <m:r>
+                                        <m:rPr>
+                                          <m:brk m:alnAt="7"/>
+                                        </m:rPr>
+                                        <a:rPr lang="es-ES" b="0" i="1" smtClean="0">
+                                          <a:latin typeface="Cambria Math" panose="02040503050406030204" pitchFamily="18" charset="0"/>
+                                        </a:rPr>
+                                        <m:t>1</m:t>
+                                      </m:r>
+                                      <m:r>
+                                        <a:rPr lang="es-ES" b="0" i="1" smtClean="0">
+                                          <a:latin typeface="Cambria Math" panose="02040503050406030204" pitchFamily="18" charset="0"/>
+                                        </a:rPr>
+                                        <m:t>          </m:t>
+                                      </m:r>
+                                    </m:e>
+                                    <m:e>
+                                      <m:r>
+                                        <a:rPr lang="es-ES" b="0" i="1" smtClean="0">
+                                          <a:latin typeface="Cambria Math" panose="02040503050406030204" pitchFamily="18" charset="0"/>
+                                        </a:rPr>
+                                        <m:t>−1</m:t>
+                                      </m:r>
+                                    </m:e>
+                                  </m:mr>
+                                </m:m>
+                              </m:e>
+                            </m:mr>
+                            <m:mr>
+                              <m:e>
+                                <m:f>
+                                  <m:fPr>
+                                    <m:ctrlPr>
+                                      <a:rPr lang="es-ES" b="0" i="1" smtClean="0">
+                                        <a:latin typeface="Cambria Math" panose="02040503050406030204" pitchFamily="18" charset="0"/>
+                                      </a:rPr>
+                                    </m:ctrlPr>
+                                  </m:fPr>
+                                  <m:num>
+                                    <m:r>
+                                      <a:rPr lang="es-ES" b="0" i="1" smtClean="0">
+                                        <a:latin typeface="Cambria Math" panose="02040503050406030204" pitchFamily="18" charset="0"/>
+                                      </a:rPr>
+                                      <m:t>−1</m:t>
+                                    </m:r>
+                                  </m:num>
+                                  <m:den>
+                                    <m:r>
+                                      <a:rPr lang="es-ES" b="0" i="1" smtClean="0">
+                                        <a:latin typeface="Cambria Math" panose="02040503050406030204" pitchFamily="18" charset="0"/>
+                                      </a:rPr>
+                                      <m:t>2</m:t>
+                                    </m:r>
+                                    <m:d>
+                                      <m:dPr>
+                                        <m:ctrlPr>
+                                          <a:rPr lang="es-ES" b="0" i="1" smtClean="0">
+                                            <a:latin typeface="Cambria Math" panose="02040503050406030204" pitchFamily="18" charset="0"/>
+                                          </a:rPr>
+                                        </m:ctrlPr>
+                                      </m:dPr>
+                                      <m:e>
+                                        <m:r>
+                                          <a:rPr lang="es-ES" b="0" i="1" smtClean="0">
+                                            <a:latin typeface="Cambria Math" panose="02040503050406030204" pitchFamily="18" charset="0"/>
+                                          </a:rPr>
+                                          <m:t>𝑎</m:t>
+                                        </m:r>
+                                        <m:r>
+                                          <a:rPr lang="es-ES" b="0" i="1" smtClean="0">
+                                            <a:latin typeface="Cambria Math" panose="02040503050406030204" pitchFamily="18" charset="0"/>
+                                          </a:rPr>
+                                          <m:t>+</m:t>
+                                        </m:r>
+                                        <m:r>
+                                          <a:rPr lang="es-ES" b="0" i="1" smtClean="0">
+                                            <a:latin typeface="Cambria Math" panose="02040503050406030204" pitchFamily="18" charset="0"/>
+                                          </a:rPr>
+                                          <m:t>𝑏</m:t>
+                                        </m:r>
+                                      </m:e>
+                                    </m:d>
+                                  </m:den>
+                                </m:f>
+                              </m:e>
+                              <m:e>
+                                <m:f>
+                                  <m:fPr>
+                                    <m:ctrlPr>
+                                      <a:rPr lang="es-ES" i="1">
+                                        <a:latin typeface="Cambria Math" panose="02040503050406030204" pitchFamily="18" charset="0"/>
+                                      </a:rPr>
+                                    </m:ctrlPr>
+                                  </m:fPr>
+                                  <m:num>
+                                    <m:r>
+                                      <a:rPr lang="es-ES" i="1">
+                                        <a:latin typeface="Cambria Math" panose="02040503050406030204" pitchFamily="18" charset="0"/>
+                                      </a:rPr>
+                                      <m:t>1</m:t>
+                                    </m:r>
+                                  </m:num>
+                                  <m:den>
+                                    <m:r>
+                                      <a:rPr lang="es-ES" i="1">
+                                        <a:latin typeface="Cambria Math" panose="02040503050406030204" pitchFamily="18" charset="0"/>
+                                      </a:rPr>
+                                      <m:t>2</m:t>
+                                    </m:r>
+                                    <m:d>
+                                      <m:dPr>
+                                        <m:ctrlPr>
+                                          <a:rPr lang="es-ES" i="1">
+                                            <a:latin typeface="Cambria Math" panose="02040503050406030204" pitchFamily="18" charset="0"/>
+                                          </a:rPr>
+                                        </m:ctrlPr>
+                                      </m:dPr>
+                                      <m:e>
+                                        <m:r>
+                                          <a:rPr lang="es-ES" i="1">
+                                            <a:latin typeface="Cambria Math" panose="02040503050406030204" pitchFamily="18" charset="0"/>
+                                          </a:rPr>
+                                          <m:t>𝑎</m:t>
+                                        </m:r>
+                                        <m:r>
+                                          <a:rPr lang="es-ES" i="1">
+                                            <a:latin typeface="Cambria Math" panose="02040503050406030204" pitchFamily="18" charset="0"/>
+                                          </a:rPr>
+                                          <m:t>+</m:t>
+                                        </m:r>
+                                        <m:r>
+                                          <a:rPr lang="es-ES" i="1">
+                                            <a:latin typeface="Cambria Math" panose="02040503050406030204" pitchFamily="18" charset="0"/>
+                                          </a:rPr>
+                                          <m:t>𝑏</m:t>
+                                        </m:r>
+                                      </m:e>
+                                    </m:d>
+                                  </m:den>
+                                </m:f>
+                              </m:e>
+                              <m:e>
+                                <m:m>
+                                  <m:mPr>
+                                    <m:mcs>
+                                      <m:mc>
+                                        <m:mcPr>
+                                          <m:count m:val="2"/>
+                                          <m:mcJc m:val="center"/>
+                                        </m:mcPr>
+                                      </m:mc>
+                                    </m:mcs>
+                                    <m:ctrlPr>
+                                      <a:rPr lang="es-ES" b="0" i="1" smtClean="0">
+                                        <a:latin typeface="Cambria Math" panose="02040503050406030204" pitchFamily="18" charset="0"/>
+                                      </a:rPr>
+                                    </m:ctrlPr>
+                                  </m:mPr>
+                                  <m:mr>
+                                    <m:e>
+                                      <m:f>
+                                        <m:fPr>
+                                          <m:ctrlPr>
+                                            <a:rPr lang="es-ES" i="1">
+                                              <a:latin typeface="Cambria Math" panose="02040503050406030204" pitchFamily="18" charset="0"/>
+                                            </a:rPr>
+                                          </m:ctrlPr>
+                                        </m:fPr>
+                                        <m:num>
+                                          <m:r>
+                                            <a:rPr lang="es-ES" i="1">
+                                              <a:latin typeface="Cambria Math" panose="02040503050406030204" pitchFamily="18" charset="0"/>
+                                            </a:rPr>
+                                            <m:t>−1</m:t>
+                                          </m:r>
+                                        </m:num>
+                                        <m:den>
+                                          <m:r>
+                                            <a:rPr lang="es-ES" i="1">
+                                              <a:latin typeface="Cambria Math" panose="02040503050406030204" pitchFamily="18" charset="0"/>
+                                            </a:rPr>
+                                            <m:t>2</m:t>
+                                          </m:r>
+                                          <m:d>
+                                            <m:dPr>
+                                              <m:ctrlPr>
+                                                <a:rPr lang="es-ES" i="1">
+                                                  <a:latin typeface="Cambria Math" panose="02040503050406030204" pitchFamily="18" charset="0"/>
+                                                </a:rPr>
+                                              </m:ctrlPr>
+                                            </m:dPr>
+                                            <m:e>
+                                              <m:r>
+                                                <a:rPr lang="es-ES" i="1">
+                                                  <a:latin typeface="Cambria Math" panose="02040503050406030204" pitchFamily="18" charset="0"/>
+                                                </a:rPr>
+                                                <m:t>𝑎</m:t>
+                                              </m:r>
+                                              <m:r>
+                                                <a:rPr lang="es-ES" i="1">
+                                                  <a:latin typeface="Cambria Math" panose="02040503050406030204" pitchFamily="18" charset="0"/>
+                                                </a:rPr>
+                                                <m:t>+</m:t>
+                                              </m:r>
+                                              <m:r>
+                                                <a:rPr lang="es-ES" i="1">
+                                                  <a:latin typeface="Cambria Math" panose="02040503050406030204" pitchFamily="18" charset="0"/>
+                                                </a:rPr>
+                                                <m:t>𝑏</m:t>
+                                              </m:r>
+                                            </m:e>
+                                          </m:d>
+                                        </m:den>
+                                      </m:f>
+                                    </m:e>
+                                    <m:e>
+                                      <m:f>
+                                        <m:fPr>
+                                          <m:ctrlPr>
+                                            <a:rPr lang="es-ES" i="1">
+                                              <a:latin typeface="Cambria Math" panose="02040503050406030204" pitchFamily="18" charset="0"/>
+                                            </a:rPr>
+                                          </m:ctrlPr>
+                                        </m:fPr>
+                                        <m:num>
+                                          <m:r>
+                                            <a:rPr lang="es-ES" i="1">
+                                              <a:latin typeface="Cambria Math" panose="02040503050406030204" pitchFamily="18" charset="0"/>
+                                            </a:rPr>
+                                            <m:t>1</m:t>
+                                          </m:r>
+                                        </m:num>
+                                        <m:den>
+                                          <m:r>
+                                            <a:rPr lang="es-ES" i="1">
+                                              <a:latin typeface="Cambria Math" panose="02040503050406030204" pitchFamily="18" charset="0"/>
+                                            </a:rPr>
+                                            <m:t>2</m:t>
+                                          </m:r>
+                                          <m:d>
+                                            <m:dPr>
+                                              <m:ctrlPr>
+                                                <a:rPr lang="es-ES" i="1">
+                                                  <a:latin typeface="Cambria Math" panose="02040503050406030204" pitchFamily="18" charset="0"/>
+                                                </a:rPr>
+                                              </m:ctrlPr>
+                                            </m:dPr>
+                                            <m:e>
+                                              <m:r>
+                                                <a:rPr lang="es-ES" i="1">
+                                                  <a:latin typeface="Cambria Math" panose="02040503050406030204" pitchFamily="18" charset="0"/>
+                                                </a:rPr>
+                                                <m:t>𝑎</m:t>
+                                              </m:r>
+                                              <m:r>
+                                                <a:rPr lang="es-ES" i="1">
+                                                  <a:latin typeface="Cambria Math" panose="02040503050406030204" pitchFamily="18" charset="0"/>
+                                                </a:rPr>
+                                                <m:t>+</m:t>
+                                              </m:r>
+                                              <m:r>
+                                                <a:rPr lang="es-ES" i="1">
+                                                  <a:latin typeface="Cambria Math" panose="02040503050406030204" pitchFamily="18" charset="0"/>
+                                                </a:rPr>
+                                                <m:t>𝑏</m:t>
+                                              </m:r>
+                                            </m:e>
+                                          </m:d>
+                                        </m:den>
+                                      </m:f>
+                                    </m:e>
+                                  </m:mr>
+                                </m:m>
+                              </m:e>
+                            </m:mr>
+                          </m:m>
+                        </m:e>
+                      </m:d>
+                      <m:d>
+                        <m:dPr>
+                          <m:ctrlPr>
+                            <a:rPr lang="es-ES" i="1" smtClean="0">
+                              <a:latin typeface="Cambria Math" panose="02040503050406030204" pitchFamily="18" charset="0"/>
+                            </a:rPr>
+                          </m:ctrlPr>
+                        </m:dPr>
+                        <m:e>
+                          <m:m>
+                            <m:mPr>
+                              <m:mcs>
+                                <m:mc>
+                                  <m:mcPr>
+                                    <m:count m:val="1"/>
+                                    <m:mcJc m:val="center"/>
+                                  </m:mcPr>
+                                </m:mc>
+                              </m:mcs>
+                              <m:ctrlPr>
+                                <a:rPr lang="es-ES" i="1" smtClean="0">
+                                  <a:latin typeface="Cambria Math" panose="02040503050406030204" pitchFamily="18" charset="0"/>
+                                </a:rPr>
+                              </m:ctrlPr>
+                            </m:mPr>
+                            <m:mr>
+                              <m:e>
+                                <m:sSub>
+                                  <m:sSubPr>
+                                    <m:ctrlPr>
+                                      <a:rPr lang="es-ES" i="1" smtClean="0">
+                                        <a:latin typeface="Cambria Math" panose="02040503050406030204" pitchFamily="18" charset="0"/>
+                                      </a:rPr>
+                                    </m:ctrlPr>
+                                  </m:sSubPr>
+                                  <m:e>
+                                    <m:r>
+                                      <a:rPr lang="es-ES" i="1" smtClean="0">
+                                        <a:latin typeface="Cambria Math" panose="02040503050406030204" pitchFamily="18" charset="0"/>
+                                        <a:ea typeface="Cambria Math" panose="02040503050406030204" pitchFamily="18" charset="0"/>
+                                      </a:rPr>
+                                      <m:t>𝜔</m:t>
+                                    </m:r>
+                                  </m:e>
+                                  <m:sub>
+                                    <m:r>
+                                      <a:rPr lang="es-ES" b="0" i="1" smtClean="0">
+                                        <a:latin typeface="Cambria Math" panose="02040503050406030204" pitchFamily="18" charset="0"/>
+                                      </a:rPr>
+                                      <m:t>𝑑</m:t>
+                                    </m:r>
+                                    <m:r>
+                                      <a:rPr lang="es-ES" b="0" i="1" smtClean="0">
+                                        <a:latin typeface="Cambria Math" panose="02040503050406030204" pitchFamily="18" charset="0"/>
+                                      </a:rPr>
+                                      <m:t>1</m:t>
+                                    </m:r>
+                                  </m:sub>
+                                </m:sSub>
+                              </m:e>
+                            </m:mr>
+                            <m:mr>
+                              <m:e>
+                                <m:sSub>
+                                  <m:sSubPr>
+                                    <m:ctrlPr>
+                                      <a:rPr lang="es-ES" i="1">
+                                        <a:latin typeface="Cambria Math" panose="02040503050406030204" pitchFamily="18" charset="0"/>
+                                      </a:rPr>
+                                    </m:ctrlPr>
+                                  </m:sSubPr>
+                                  <m:e>
+                                    <m:r>
+                                      <a:rPr lang="es-ES" i="1">
+                                        <a:latin typeface="Cambria Math" panose="02040503050406030204" pitchFamily="18" charset="0"/>
+                                        <a:ea typeface="Cambria Math" panose="02040503050406030204" pitchFamily="18" charset="0"/>
+                                      </a:rPr>
+                                      <m:t>𝜔</m:t>
+                                    </m:r>
+                                  </m:e>
+                                  <m:sub>
+                                    <m:r>
+                                      <a:rPr lang="es-ES" i="1">
+                                        <a:latin typeface="Cambria Math" panose="02040503050406030204" pitchFamily="18" charset="0"/>
+                                      </a:rPr>
+                                      <m:t>𝑑</m:t>
+                                    </m:r>
+                                    <m:r>
+                                      <a:rPr lang="es-ES" b="0" i="1" smtClean="0">
+                                        <a:latin typeface="Cambria Math" panose="02040503050406030204" pitchFamily="18" charset="0"/>
+                                      </a:rPr>
+                                      <m:t>2</m:t>
+                                    </m:r>
+                                  </m:sub>
+                                </m:sSub>
+                              </m:e>
+                            </m:mr>
+                            <m:mr>
+                              <m:e>
+                                <m:m>
+                                  <m:mPr>
+                                    <m:mcs>
+                                      <m:mc>
+                                        <m:mcPr>
+                                          <m:count m:val="1"/>
+                                          <m:mcJc m:val="center"/>
+                                        </m:mcPr>
+                                      </m:mc>
+                                    </m:mcs>
+                                    <m:ctrlPr>
+                                      <a:rPr lang="es-ES" i="1" smtClean="0">
+                                        <a:latin typeface="Cambria Math" panose="02040503050406030204" pitchFamily="18" charset="0"/>
+                                      </a:rPr>
+                                    </m:ctrlPr>
+                                  </m:mPr>
+                                  <m:mr>
+                                    <m:e>
+                                      <m:sSub>
+                                        <m:sSubPr>
+                                          <m:ctrlPr>
+                                            <a:rPr lang="es-ES" i="1">
+                                              <a:latin typeface="Cambria Math" panose="02040503050406030204" pitchFamily="18" charset="0"/>
+                                            </a:rPr>
+                                          </m:ctrlPr>
+                                        </m:sSubPr>
+                                        <m:e>
+                                          <m:r>
+                                            <a:rPr lang="es-ES" i="1">
+                                              <a:latin typeface="Cambria Math" panose="02040503050406030204" pitchFamily="18" charset="0"/>
+                                              <a:ea typeface="Cambria Math" panose="02040503050406030204" pitchFamily="18" charset="0"/>
+                                            </a:rPr>
+                                            <m:t>𝜔</m:t>
+                                          </m:r>
+                                        </m:e>
+                                        <m:sub>
+                                          <m:r>
+                                            <a:rPr lang="es-ES" i="1">
+                                              <a:latin typeface="Cambria Math" panose="02040503050406030204" pitchFamily="18" charset="0"/>
+                                            </a:rPr>
+                                            <m:t>𝑑</m:t>
+                                          </m:r>
+                                          <m:r>
+                                            <a:rPr lang="es-ES" b="0" i="1" smtClean="0">
+                                              <a:latin typeface="Cambria Math" panose="02040503050406030204" pitchFamily="18" charset="0"/>
+                                            </a:rPr>
+                                            <m:t>3</m:t>
+                                          </m:r>
+                                        </m:sub>
+                                      </m:sSub>
+                                    </m:e>
+                                  </m:mr>
+                                  <m:mr>
+                                    <m:e>
+                                      <m:sSub>
+                                        <m:sSubPr>
+                                          <m:ctrlPr>
+                                            <a:rPr lang="es-ES" i="1">
+                                              <a:latin typeface="Cambria Math" panose="02040503050406030204" pitchFamily="18" charset="0"/>
+                                            </a:rPr>
+                                          </m:ctrlPr>
+                                        </m:sSubPr>
+                                        <m:e>
+                                          <m:r>
+                                            <a:rPr lang="es-ES" i="1">
+                                              <a:latin typeface="Cambria Math" panose="02040503050406030204" pitchFamily="18" charset="0"/>
+                                              <a:ea typeface="Cambria Math" panose="02040503050406030204" pitchFamily="18" charset="0"/>
+                                            </a:rPr>
+                                            <m:t>𝜔</m:t>
+                                          </m:r>
+                                        </m:e>
+                                        <m:sub>
+                                          <m:r>
+                                            <a:rPr lang="es-ES" i="1">
+                                              <a:latin typeface="Cambria Math" panose="02040503050406030204" pitchFamily="18" charset="0"/>
+                                            </a:rPr>
+                                            <m:t>𝑑</m:t>
+                                          </m:r>
+                                          <m:r>
+                                            <a:rPr lang="es-ES" b="0" i="1" smtClean="0">
+                                              <a:latin typeface="Cambria Math" panose="02040503050406030204" pitchFamily="18" charset="0"/>
+                                            </a:rPr>
+                                            <m:t>4</m:t>
+                                          </m:r>
+                                        </m:sub>
+                                      </m:sSub>
+                                    </m:e>
+                                  </m:mr>
+                                </m:m>
+                              </m:e>
+                            </m:mr>
+                          </m:m>
+                        </m:e>
+                      </m:d>
+                    </m:oMath>
+                  </m:oMathPara>
+                </a14:m>
+                <a:endParaRPr lang="ca-ES" dirty="0"/>
+              </a:p>
+            </p:txBody>
+          </p:sp>
+        </mc:Choice>
+        <mc:Fallback>
+          <p:sp>
+            <p:nvSpPr>
+              <p:cNvPr id="4" name="CuadroTexto 3">
+                <a:extLst>
+                  <a:ext uri="{FF2B5EF4-FFF2-40B4-BE49-F238E27FC236}">
+                    <a16:creationId xmlns:a16="http://schemas.microsoft.com/office/drawing/2014/main" id="{82187D25-4AB8-4B22-8B6E-2BB901FADDEB}"/>
+                  </a:ext>
+                </a:extLst>
+              </p:cNvPr>
+              <p:cNvSpPr txBox="1">
+                <a:spLocks noRot="1" noChangeAspect="1" noMove="1" noResize="1" noEditPoints="1" noAdjustHandles="1" noChangeArrowheads="1" noChangeShapeType="1" noTextEdit="1"/>
+              </p:cNvSpPr>
+              <p:nvPr/>
+            </p:nvSpPr>
+            <p:spPr>
+              <a:xfrm>
+                <a:off x="0" y="4965807"/>
+                <a:ext cx="6392712" cy="1073179"/>
+              </a:xfrm>
+              <a:prstGeom prst="rect">
+                <a:avLst/>
+              </a:prstGeom>
+              <a:blipFill>
+                <a:blip r:embed="rId4"/>
+                <a:stretch>
+                  <a:fillRect/>
+                </a:stretch>
+              </a:blipFill>
+            </p:spPr>
+            <p:txBody>
+              <a:bodyPr/>
+              <a:lstStyle/>
+              <a:p>
+                <a:r>
+                  <a:rPr lang="ca-ES">
+                    <a:noFill/>
+                  </a:rPr>
+                  <a:t> </a:t>
+                </a:r>
+              </a:p>
+            </p:txBody>
+          </p:sp>
+        </mc:Fallback>
+      </mc:AlternateContent>
     </p:spTree>
     <p:extLst>
       <p:ext uri="{BB962C8B-B14F-4D97-AF65-F5344CB8AC3E}">
@@ -5674,8 +6553,8 @@
           </a:p>
         </p:txBody>
       </p:sp>
-      <mc:AlternateContent xmlns:mc="http://schemas.openxmlformats.org/markup-compatibility/2006">
-        <mc:Choice xmlns:a14="http://schemas.microsoft.com/office/drawing/2010/main" Requires="a14">
+      <mc:AlternateContent xmlns:mc="http://schemas.openxmlformats.org/markup-compatibility/2006" xmlns:a14="http://schemas.microsoft.com/office/drawing/2010/main">
+        <mc:Choice Requires="a14">
           <p:sp>
             <p:nvSpPr>
               <p:cNvPr id="41" name="CuadroTexto 40">
@@ -5704,6 +6583,7 @@
               </a:bodyPr>
               <a:lstStyle/>
               <a:p>
+                <a:pPr/>
                 <a14:m>
                   <m:oMathPara xmlns:m="http://schemas.openxmlformats.org/officeDocument/2006/math">
                     <m:oMathParaPr>
@@ -5862,6 +6742,7 @@
                 <a:endParaRPr lang="es-ES" b="0" dirty="0"/>
               </a:p>
               <a:p>
+                <a:pPr/>
                 <a14:m>
                   <m:oMathPara xmlns:m="http://schemas.openxmlformats.org/officeDocument/2006/math">
                     <m:oMathParaPr>
@@ -6022,7 +6903,7 @@
             </p:txBody>
           </p:sp>
         </mc:Choice>
-        <mc:Fallback>
+        <mc:Fallback xmlns="">
           <p:sp>
             <p:nvSpPr>
               <p:cNvPr id="41" name="CuadroTexto 40">
@@ -6067,8 +6948,8 @@
           </p:sp>
         </mc:Fallback>
       </mc:AlternateContent>
-      <mc:AlternateContent xmlns:mc="http://schemas.openxmlformats.org/markup-compatibility/2006">
-        <mc:Choice xmlns:a14="http://schemas.microsoft.com/office/drawing/2010/main" Requires="a14">
+      <mc:AlternateContent xmlns:mc="http://schemas.openxmlformats.org/markup-compatibility/2006" xmlns:a14="http://schemas.microsoft.com/office/drawing/2010/main">
+        <mc:Choice Requires="a14">
           <p:sp>
             <p:nvSpPr>
               <p:cNvPr id="42" name="CuadroTexto 41">
@@ -6097,6 +6978,7 @@
               </a:bodyPr>
               <a:lstStyle/>
               <a:p>
+                <a:pPr/>
                 <a14:m>
                   <m:oMathPara xmlns:m="http://schemas.openxmlformats.org/officeDocument/2006/math">
                     <m:oMathParaPr>
@@ -6163,7 +7045,7 @@
             </p:txBody>
           </p:sp>
         </mc:Choice>
-        <mc:Fallback>
+        <mc:Fallback xmlns="">
           <p:sp>
             <p:nvSpPr>
               <p:cNvPr id="42" name="CuadroTexto 41">
@@ -6208,8 +7090,8 @@
           </p:sp>
         </mc:Fallback>
       </mc:AlternateContent>
-      <mc:AlternateContent xmlns:mc="http://schemas.openxmlformats.org/markup-compatibility/2006">
-        <mc:Choice xmlns:a14="http://schemas.microsoft.com/office/drawing/2010/main" Requires="a14">
+      <mc:AlternateContent xmlns:mc="http://schemas.openxmlformats.org/markup-compatibility/2006" xmlns:a14="http://schemas.microsoft.com/office/drawing/2010/main">
+        <mc:Choice Requires="a14">
           <p:sp>
             <p:nvSpPr>
               <p:cNvPr id="43" name="CuadroTexto 42">
@@ -6321,7 +7203,7 @@
             </p:txBody>
           </p:sp>
         </mc:Choice>
-        <mc:Fallback>
+        <mc:Fallback xmlns="">
           <p:sp>
             <p:nvSpPr>
               <p:cNvPr id="43" name="CuadroTexto 42">
@@ -6366,8 +7248,8 @@
           </p:sp>
         </mc:Fallback>
       </mc:AlternateContent>
-      <mc:AlternateContent xmlns:mc="http://schemas.openxmlformats.org/markup-compatibility/2006">
-        <mc:Choice xmlns:a14="http://schemas.microsoft.com/office/drawing/2010/main" Requires="a14">
+      <mc:AlternateContent xmlns:mc="http://schemas.openxmlformats.org/markup-compatibility/2006" xmlns:a14="http://schemas.microsoft.com/office/drawing/2010/main">
+        <mc:Choice Requires="a14">
           <p:sp>
             <p:nvSpPr>
               <p:cNvPr id="44" name="CuadroTexto 43">
@@ -6479,7 +7361,7 @@
             </p:txBody>
           </p:sp>
         </mc:Choice>
-        <mc:Fallback>
+        <mc:Fallback xmlns="">
           <p:sp>
             <p:nvSpPr>
               <p:cNvPr id="44" name="CuadroTexto 43">

--- a/Documentation/Images/Mecanum_Images.pptx
+++ b/Documentation/Images/Mecanum_Images.pptx
@@ -10,7 +10,8 @@
     <p:sldId id="263" r:id="rId4"/>
     <p:sldId id="264" r:id="rId5"/>
     <p:sldId id="258" r:id="rId6"/>
-    <p:sldId id="262" r:id="rId7"/>
+    <p:sldId id="265" r:id="rId7"/>
+    <p:sldId id="262" r:id="rId8"/>
   </p:sldIdLst>
   <p:sldSz cx="12192000" cy="6858000"/>
   <p:notesSz cx="6858000" cy="9144000"/>
@@ -120,7 +121,7 @@
 <file path=ppt/revisionInfo.xml><?xml version="1.0" encoding="utf-8"?>
 <p1510:revInfo xmlns:a="http://schemas.openxmlformats.org/drawingml/2006/main" xmlns:r="http://schemas.openxmlformats.org/officeDocument/2006/relationships" xmlns:p1510="http://schemas.microsoft.com/office/powerpoint/2015/10/main">
   <p1510:revLst>
-    <p1510:client id="{0805A078-7DA3-4EFD-9B65-C85F29BB91F1}" v="274" dt="2022-03-29T09:38:43.557"/>
+    <p1510:client id="{F5ACA060-5617-4C2B-9B9E-0FDF112D5DD6}" v="6" dt="2023-07-17T12:18:00.505"/>
   </p1510:revLst>
 </p1510:revInfo>
 </file>
@@ -748,6 +749,77 @@
       </pc:sldChg>
     </pc:docChg>
   </pc:docChgLst>
+  <pc:docChgLst>
+    <pc:chgData name="Dr. Manel Puig i Vidal" userId="0d549d0e-cb25-4ad8-b3a5-db046c349dfe" providerId="ADAL" clId="{F5ACA060-5617-4C2B-9B9E-0FDF112D5DD6}"/>
+    <pc:docChg chg="addSld modSld">
+      <pc:chgData name="Dr. Manel Puig i Vidal" userId="0d549d0e-cb25-4ad8-b3a5-db046c349dfe" providerId="ADAL" clId="{F5ACA060-5617-4C2B-9B9E-0FDF112D5DD6}" dt="2023-07-17T12:17:17.614" v="28" actId="1076"/>
+      <pc:docMkLst>
+        <pc:docMk/>
+      </pc:docMkLst>
+      <pc:sldChg chg="addSp modSp mod">
+        <pc:chgData name="Dr. Manel Puig i Vidal" userId="0d549d0e-cb25-4ad8-b3a5-db046c349dfe" providerId="ADAL" clId="{F5ACA060-5617-4C2B-9B9E-0FDF112D5DD6}" dt="2023-07-17T12:17:17.614" v="28" actId="1076"/>
+        <pc:sldMkLst>
+          <pc:docMk/>
+          <pc:sldMk cId="2967436431" sldId="262"/>
+        </pc:sldMkLst>
+        <pc:spChg chg="mod">
+          <ac:chgData name="Dr. Manel Puig i Vidal" userId="0d549d0e-cb25-4ad8-b3a5-db046c349dfe" providerId="ADAL" clId="{F5ACA060-5617-4C2B-9B9E-0FDF112D5DD6}" dt="2023-07-17T12:15:39.929" v="18" actId="20577"/>
+          <ac:spMkLst>
+            <pc:docMk/>
+            <pc:sldMk cId="2967436431" sldId="262"/>
+            <ac:spMk id="2" creationId="{AB3A1AF0-3ED5-442C-8DF2-A8AD170DB81F}"/>
+          </ac:spMkLst>
+        </pc:spChg>
+        <pc:spChg chg="mod">
+          <ac:chgData name="Dr. Manel Puig i Vidal" userId="0d549d0e-cb25-4ad8-b3a5-db046c349dfe" providerId="ADAL" clId="{F5ACA060-5617-4C2B-9B9E-0FDF112D5DD6}" dt="2023-07-17T12:16:24.302" v="26" actId="1076"/>
+          <ac:spMkLst>
+            <pc:docMk/>
+            <pc:sldMk cId="2967436431" sldId="262"/>
+            <ac:spMk id="28" creationId="{C7B3A669-0D52-43CF-BFD3-9E36671C979A}"/>
+          </ac:spMkLst>
+        </pc:spChg>
+        <pc:spChg chg="mod">
+          <ac:chgData name="Dr. Manel Puig i Vidal" userId="0d549d0e-cb25-4ad8-b3a5-db046c349dfe" providerId="ADAL" clId="{F5ACA060-5617-4C2B-9B9E-0FDF112D5DD6}" dt="2023-07-17T12:17:17.614" v="28" actId="1076"/>
+          <ac:spMkLst>
+            <pc:docMk/>
+            <pc:sldMk cId="2967436431" sldId="262"/>
+            <ac:spMk id="30" creationId="{E0806900-E02C-4F19-9DF4-14F27003E0A9}"/>
+          </ac:spMkLst>
+        </pc:spChg>
+        <pc:picChg chg="add mod ord">
+          <ac:chgData name="Dr. Manel Puig i Vidal" userId="0d549d0e-cb25-4ad8-b3a5-db046c349dfe" providerId="ADAL" clId="{F5ACA060-5617-4C2B-9B9E-0FDF112D5DD6}" dt="2023-07-17T12:13:25.926" v="13" actId="1076"/>
+          <ac:picMkLst>
+            <pc:docMk/>
+            <pc:sldMk cId="2967436431" sldId="262"/>
+            <ac:picMk id="3" creationId="{0578D19B-E215-BAE6-5AB5-A674798648E2}"/>
+          </ac:picMkLst>
+        </pc:picChg>
+      </pc:sldChg>
+      <pc:sldChg chg="addSp modSp new mod">
+        <pc:chgData name="Dr. Manel Puig i Vidal" userId="0d549d0e-cb25-4ad8-b3a5-db046c349dfe" providerId="ADAL" clId="{F5ACA060-5617-4C2B-9B9E-0FDF112D5DD6}" dt="2023-07-17T12:12:42.367" v="7" actId="732"/>
+        <pc:sldMkLst>
+          <pc:docMk/>
+          <pc:sldMk cId="2816021084" sldId="265"/>
+        </pc:sldMkLst>
+        <pc:picChg chg="add mod">
+          <ac:chgData name="Dr. Manel Puig i Vidal" userId="0d549d0e-cb25-4ad8-b3a5-db046c349dfe" providerId="ADAL" clId="{F5ACA060-5617-4C2B-9B9E-0FDF112D5DD6}" dt="2023-07-17T12:12:09.908" v="2" actId="1076"/>
+          <ac:picMkLst>
+            <pc:docMk/>
+            <pc:sldMk cId="2816021084" sldId="265"/>
+            <ac:picMk id="2" creationId="{D5C28000-9400-D594-1C16-C516F0A4E7B6}"/>
+          </ac:picMkLst>
+        </pc:picChg>
+        <pc:picChg chg="add mod modCrop">
+          <ac:chgData name="Dr. Manel Puig i Vidal" userId="0d549d0e-cb25-4ad8-b3a5-db046c349dfe" providerId="ADAL" clId="{F5ACA060-5617-4C2B-9B9E-0FDF112D5DD6}" dt="2023-07-17T12:12:42.367" v="7" actId="732"/>
+          <ac:picMkLst>
+            <pc:docMk/>
+            <pc:sldMk cId="2816021084" sldId="265"/>
+            <ac:picMk id="3" creationId="{BAE887E4-4F3A-65A2-6BB4-D797AD40644A}"/>
+          </ac:picMkLst>
+        </pc:picChg>
+      </pc:sldChg>
+    </pc:docChg>
+  </pc:docChgLst>
 </pc:chgInfo>
 </file>
 
@@ -898,7 +970,7 @@
           <a:p>
             <a:fld id="{1C047EFF-C005-42C2-96C9-4E7CFE047116}" type="datetimeFigureOut">
               <a:rPr lang="es-ES" smtClean="0"/>
-              <a:t>29/03/2022</a:t>
+              <a:t>17/07/2023</a:t>
             </a:fld>
             <a:endParaRPr lang="es-ES"/>
           </a:p>
@@ -952,7 +1024,7 @@
           <a:p>
             <a:fld id="{A4D22831-E02E-4D02-9CB9-6EB6AFEAADDE}" type="slidenum">
               <a:rPr lang="es-ES" smtClean="0"/>
-              <a:t>‹Nº›</a:t>
+              <a:t>‹#›</a:t>
             </a:fld>
             <a:endParaRPr lang="es-ES"/>
           </a:p>
@@ -1096,7 +1168,7 @@
           <a:p>
             <a:fld id="{1C047EFF-C005-42C2-96C9-4E7CFE047116}" type="datetimeFigureOut">
               <a:rPr lang="es-ES" smtClean="0"/>
-              <a:t>29/03/2022</a:t>
+              <a:t>17/07/2023</a:t>
             </a:fld>
             <a:endParaRPr lang="es-ES"/>
           </a:p>
@@ -1150,7 +1222,7 @@
           <a:p>
             <a:fld id="{A4D22831-E02E-4D02-9CB9-6EB6AFEAADDE}" type="slidenum">
               <a:rPr lang="es-ES" smtClean="0"/>
-              <a:t>‹Nº›</a:t>
+              <a:t>‹#›</a:t>
             </a:fld>
             <a:endParaRPr lang="es-ES"/>
           </a:p>
@@ -1304,7 +1376,7 @@
           <a:p>
             <a:fld id="{1C047EFF-C005-42C2-96C9-4E7CFE047116}" type="datetimeFigureOut">
               <a:rPr lang="es-ES" smtClean="0"/>
-              <a:t>29/03/2022</a:t>
+              <a:t>17/07/2023</a:t>
             </a:fld>
             <a:endParaRPr lang="es-ES"/>
           </a:p>
@@ -1358,7 +1430,7 @@
           <a:p>
             <a:fld id="{A4D22831-E02E-4D02-9CB9-6EB6AFEAADDE}" type="slidenum">
               <a:rPr lang="es-ES" smtClean="0"/>
-              <a:t>‹Nº›</a:t>
+              <a:t>‹#›</a:t>
             </a:fld>
             <a:endParaRPr lang="es-ES"/>
           </a:p>
@@ -1502,7 +1574,7 @@
           <a:p>
             <a:fld id="{1C047EFF-C005-42C2-96C9-4E7CFE047116}" type="datetimeFigureOut">
               <a:rPr lang="es-ES" smtClean="0"/>
-              <a:t>29/03/2022</a:t>
+              <a:t>17/07/2023</a:t>
             </a:fld>
             <a:endParaRPr lang="es-ES"/>
           </a:p>
@@ -1556,7 +1628,7 @@
           <a:p>
             <a:fld id="{A4D22831-E02E-4D02-9CB9-6EB6AFEAADDE}" type="slidenum">
               <a:rPr lang="es-ES" smtClean="0"/>
-              <a:t>‹Nº›</a:t>
+              <a:t>‹#›</a:t>
             </a:fld>
             <a:endParaRPr lang="es-ES"/>
           </a:p>
@@ -1777,7 +1849,7 @@
           <a:p>
             <a:fld id="{1C047EFF-C005-42C2-96C9-4E7CFE047116}" type="datetimeFigureOut">
               <a:rPr lang="es-ES" smtClean="0"/>
-              <a:t>29/03/2022</a:t>
+              <a:t>17/07/2023</a:t>
             </a:fld>
             <a:endParaRPr lang="es-ES"/>
           </a:p>
@@ -1831,7 +1903,7 @@
           <a:p>
             <a:fld id="{A4D22831-E02E-4D02-9CB9-6EB6AFEAADDE}" type="slidenum">
               <a:rPr lang="es-ES" smtClean="0"/>
-              <a:t>‹Nº›</a:t>
+              <a:t>‹#›</a:t>
             </a:fld>
             <a:endParaRPr lang="es-ES"/>
           </a:p>
@@ -2042,7 +2114,7 @@
           <a:p>
             <a:fld id="{1C047EFF-C005-42C2-96C9-4E7CFE047116}" type="datetimeFigureOut">
               <a:rPr lang="es-ES" smtClean="0"/>
-              <a:t>29/03/2022</a:t>
+              <a:t>17/07/2023</a:t>
             </a:fld>
             <a:endParaRPr lang="es-ES"/>
           </a:p>
@@ -2096,7 +2168,7 @@
           <a:p>
             <a:fld id="{A4D22831-E02E-4D02-9CB9-6EB6AFEAADDE}" type="slidenum">
               <a:rPr lang="es-ES" smtClean="0"/>
-              <a:t>‹Nº›</a:t>
+              <a:t>‹#›</a:t>
             </a:fld>
             <a:endParaRPr lang="es-ES"/>
           </a:p>
@@ -2454,7 +2526,7 @@
           <a:p>
             <a:fld id="{1C047EFF-C005-42C2-96C9-4E7CFE047116}" type="datetimeFigureOut">
               <a:rPr lang="es-ES" smtClean="0"/>
-              <a:t>29/03/2022</a:t>
+              <a:t>17/07/2023</a:t>
             </a:fld>
             <a:endParaRPr lang="es-ES"/>
           </a:p>
@@ -2508,7 +2580,7 @@
           <a:p>
             <a:fld id="{A4D22831-E02E-4D02-9CB9-6EB6AFEAADDE}" type="slidenum">
               <a:rPr lang="es-ES" smtClean="0"/>
-              <a:t>‹Nº›</a:t>
+              <a:t>‹#›</a:t>
             </a:fld>
             <a:endParaRPr lang="es-ES"/>
           </a:p>
@@ -2595,7 +2667,7 @@
           <a:p>
             <a:fld id="{1C047EFF-C005-42C2-96C9-4E7CFE047116}" type="datetimeFigureOut">
               <a:rPr lang="es-ES" smtClean="0"/>
-              <a:t>29/03/2022</a:t>
+              <a:t>17/07/2023</a:t>
             </a:fld>
             <a:endParaRPr lang="es-ES"/>
           </a:p>
@@ -2649,7 +2721,7 @@
           <a:p>
             <a:fld id="{A4D22831-E02E-4D02-9CB9-6EB6AFEAADDE}" type="slidenum">
               <a:rPr lang="es-ES" smtClean="0"/>
-              <a:t>‹Nº›</a:t>
+              <a:t>‹#›</a:t>
             </a:fld>
             <a:endParaRPr lang="es-ES"/>
           </a:p>
@@ -2708,7 +2780,7 @@
           <a:p>
             <a:fld id="{1C047EFF-C005-42C2-96C9-4E7CFE047116}" type="datetimeFigureOut">
               <a:rPr lang="es-ES" smtClean="0"/>
-              <a:t>29/03/2022</a:t>
+              <a:t>17/07/2023</a:t>
             </a:fld>
             <a:endParaRPr lang="es-ES"/>
           </a:p>
@@ -2762,7 +2834,7 @@
           <a:p>
             <a:fld id="{A4D22831-E02E-4D02-9CB9-6EB6AFEAADDE}" type="slidenum">
               <a:rPr lang="es-ES" smtClean="0"/>
-              <a:t>‹Nº›</a:t>
+              <a:t>‹#›</a:t>
             </a:fld>
             <a:endParaRPr lang="es-ES"/>
           </a:p>
@@ -3019,7 +3091,7 @@
           <a:p>
             <a:fld id="{1C047EFF-C005-42C2-96C9-4E7CFE047116}" type="datetimeFigureOut">
               <a:rPr lang="es-ES" smtClean="0"/>
-              <a:t>29/03/2022</a:t>
+              <a:t>17/07/2023</a:t>
             </a:fld>
             <a:endParaRPr lang="es-ES"/>
           </a:p>
@@ -3073,7 +3145,7 @@
           <a:p>
             <a:fld id="{A4D22831-E02E-4D02-9CB9-6EB6AFEAADDE}" type="slidenum">
               <a:rPr lang="es-ES" smtClean="0"/>
-              <a:t>‹Nº›</a:t>
+              <a:t>‹#›</a:t>
             </a:fld>
             <a:endParaRPr lang="es-ES"/>
           </a:p>
@@ -3307,7 +3379,7 @@
           <a:p>
             <a:fld id="{1C047EFF-C005-42C2-96C9-4E7CFE047116}" type="datetimeFigureOut">
               <a:rPr lang="es-ES" smtClean="0"/>
-              <a:t>29/03/2022</a:t>
+              <a:t>17/07/2023</a:t>
             </a:fld>
             <a:endParaRPr lang="es-ES"/>
           </a:p>
@@ -3361,7 +3433,7 @@
           <a:p>
             <a:fld id="{A4D22831-E02E-4D02-9CB9-6EB6AFEAADDE}" type="slidenum">
               <a:rPr lang="es-ES" smtClean="0"/>
-              <a:t>‹Nº›</a:t>
+              <a:t>‹#›</a:t>
             </a:fld>
             <a:endParaRPr lang="es-ES"/>
           </a:p>
@@ -3548,7 +3620,7 @@
           <a:p>
             <a:fld id="{1C047EFF-C005-42C2-96C9-4E7CFE047116}" type="datetimeFigureOut">
               <a:rPr lang="es-ES" smtClean="0"/>
-              <a:t>29/03/2022</a:t>
+              <a:t>17/07/2023</a:t>
             </a:fld>
             <a:endParaRPr lang="es-ES"/>
           </a:p>
@@ -3638,7 +3710,7 @@
           <a:p>
             <a:fld id="{A4D22831-E02E-4D02-9CB9-6EB6AFEAADDE}" type="slidenum">
               <a:rPr lang="es-ES" smtClean="0"/>
-              <a:t>‹Nº›</a:t>
+              <a:t>‹#›</a:t>
             </a:fld>
             <a:endParaRPr lang="es-ES"/>
           </a:p>
@@ -4451,8 +4523,8 @@
           </a:p>
         </p:txBody>
       </p:sp>
-      <mc:AlternateContent xmlns:mc="http://schemas.openxmlformats.org/markup-compatibility/2006">
-        <mc:Choice xmlns:a14="http://schemas.microsoft.com/office/drawing/2010/main" Requires="a14">
+      <mc:AlternateContent xmlns:mc="http://schemas.openxmlformats.org/markup-compatibility/2006" xmlns:a14="http://schemas.microsoft.com/office/drawing/2010/main">
+        <mc:Choice Requires="a14">
           <p:sp>
             <p:nvSpPr>
               <p:cNvPr id="4" name="CuadroTexto 3">
@@ -5223,7 +5295,7 @@
             </p:txBody>
           </p:sp>
         </mc:Choice>
-        <mc:Fallback>
+        <mc:Fallback xmlns="">
           <p:sp>
             <p:nvSpPr>
               <p:cNvPr id="4" name="CuadroTexto 3">
@@ -8012,6 +8084,124 @@
           <a:chExt cx="0" cy="0"/>
         </a:xfrm>
       </p:grpSpPr>
+      <p:pic>
+        <p:nvPicPr>
+          <p:cNvPr id="2" name="Picture 1">
+            <a:extLst>
+              <a:ext uri="{FF2B5EF4-FFF2-40B4-BE49-F238E27FC236}">
+                <a16:creationId xmlns:a16="http://schemas.microsoft.com/office/drawing/2014/main" id="{D5C28000-9400-D594-1C16-C516F0A4E7B6}"/>
+              </a:ext>
+            </a:extLst>
+          </p:cNvPr>
+          <p:cNvPicPr>
+            <a:picLocks noChangeAspect="1"/>
+          </p:cNvPicPr>
+          <p:nvPr/>
+        </p:nvPicPr>
+        <p:blipFill>
+          <a:blip r:embed="rId2"/>
+          <a:stretch>
+            <a:fillRect/>
+          </a:stretch>
+        </p:blipFill>
+        <p:spPr>
+          <a:xfrm>
+            <a:off x="812800" y="618067"/>
+            <a:ext cx="4572000" cy="4572000"/>
+          </a:xfrm>
+          <a:prstGeom prst="rect">
+            <a:avLst/>
+          </a:prstGeom>
+        </p:spPr>
+      </p:pic>
+      <p:pic>
+        <p:nvPicPr>
+          <p:cNvPr id="3" name="Picture 2">
+            <a:extLst>
+              <a:ext uri="{FF2B5EF4-FFF2-40B4-BE49-F238E27FC236}">
+                <a16:creationId xmlns:a16="http://schemas.microsoft.com/office/drawing/2014/main" id="{BAE887E4-4F3A-65A2-6BB4-D797AD40644A}"/>
+              </a:ext>
+            </a:extLst>
+          </p:cNvPr>
+          <p:cNvPicPr>
+            <a:picLocks noChangeAspect="1"/>
+          </p:cNvPicPr>
+          <p:nvPr/>
+        </p:nvPicPr>
+        <p:blipFill rotWithShape="1">
+          <a:blip r:embed="rId2"/>
+          <a:srcRect l="11637" t="54557" r="7573" b="2977"/>
+          <a:stretch/>
+        </p:blipFill>
+        <p:spPr>
+          <a:xfrm>
+            <a:off x="7339263" y="3248526"/>
+            <a:ext cx="3693696" cy="1941541"/>
+          </a:xfrm>
+          <a:prstGeom prst="rect">
+            <a:avLst/>
+          </a:prstGeom>
+        </p:spPr>
+      </p:pic>
+    </p:spTree>
+    <p:extLst>
+      <p:ext uri="{BB962C8B-B14F-4D97-AF65-F5344CB8AC3E}">
+        <p14:creationId xmlns:p14="http://schemas.microsoft.com/office/powerpoint/2010/main" val="2816021084"/>
+      </p:ext>
+    </p:extLst>
+  </p:cSld>
+  <p:clrMapOvr>
+    <a:masterClrMapping/>
+  </p:clrMapOvr>
+</p:sld>
+</file>
+
+<file path=ppt/slides/slide7.xml><?xml version="1.0" encoding="utf-8"?>
+<p:sld xmlns:a="http://schemas.openxmlformats.org/drawingml/2006/main" xmlns:r="http://schemas.openxmlformats.org/officeDocument/2006/relationships" xmlns:p="http://schemas.openxmlformats.org/presentationml/2006/main">
+  <p:cSld>
+    <p:spTree>
+      <p:nvGrpSpPr>
+        <p:cNvPr id="1" name=""/>
+        <p:cNvGrpSpPr/>
+        <p:nvPr/>
+      </p:nvGrpSpPr>
+      <p:grpSpPr>
+        <a:xfrm>
+          <a:off x="0" y="0"/>
+          <a:ext cx="0" cy="0"/>
+          <a:chOff x="0" y="0"/>
+          <a:chExt cx="0" cy="0"/>
+        </a:xfrm>
+      </p:grpSpPr>
+      <p:pic>
+        <p:nvPicPr>
+          <p:cNvPr id="3" name="Picture 2">
+            <a:extLst>
+              <a:ext uri="{FF2B5EF4-FFF2-40B4-BE49-F238E27FC236}">
+                <a16:creationId xmlns:a16="http://schemas.microsoft.com/office/drawing/2014/main" id="{0578D19B-E215-BAE6-5AB5-A674798648E2}"/>
+              </a:ext>
+            </a:extLst>
+          </p:cNvPr>
+          <p:cNvPicPr>
+            <a:picLocks noChangeAspect="1"/>
+          </p:cNvPicPr>
+          <p:nvPr/>
+        </p:nvPicPr>
+        <p:blipFill rotWithShape="1">
+          <a:blip r:embed="rId2"/>
+          <a:srcRect l="11637" t="54557" r="7573" b="2977"/>
+          <a:stretch/>
+        </p:blipFill>
+        <p:spPr>
+          <a:xfrm>
+            <a:off x="1414653" y="5259866"/>
+            <a:ext cx="2023652" cy="1063705"/>
+          </a:xfrm>
+          <a:prstGeom prst="rect">
+            <a:avLst/>
+          </a:prstGeom>
+        </p:spPr>
+      </p:pic>
       <p:cxnSp>
         <p:nvCxnSpPr>
           <p:cNvPr id="7" name="Conector recto de flecha 6">
@@ -8697,7 +8887,7 @@
         <p:spPr>
           <a:xfrm>
             <a:off x="6893317" y="2172683"/>
-            <a:ext cx="2007024" cy="461665"/>
+            <a:ext cx="1856598" cy="461665"/>
           </a:xfrm>
           <a:prstGeom prst="rect">
             <a:avLst/>
@@ -8712,7 +8902,7 @@
           <a:p>
             <a:r>
               <a:rPr lang="ca-ES" sz="2400" b="1" dirty="0"/>
-              <a:t>/ydlidar_node</a:t>
+              <a:t>/rplidarNode</a:t>
             </a:r>
             <a:endParaRPr lang="es-ES" sz="2400" b="1" dirty="0"/>
           </a:p>
@@ -8816,8 +9006,8 @@
         </p:nvSpPr>
         <p:spPr>
           <a:xfrm>
-            <a:off x="6722374" y="544301"/>
-            <a:ext cx="2269660" cy="461665"/>
+            <a:off x="7131662" y="494379"/>
+            <a:ext cx="1454052" cy="461665"/>
           </a:xfrm>
           <a:prstGeom prst="rect">
             <a:avLst/>
@@ -8832,7 +9022,7 @@
           <a:p>
             <a:r>
               <a:rPr lang="ca-ES" sz="2400" b="1" dirty="0"/>
-              <a:t>/raspicam_node</a:t>
+              <a:t>/usb_cam</a:t>
             </a:r>
             <a:endParaRPr lang="es-ES" sz="2400" b="1" dirty="0"/>
           </a:p>
@@ -8888,8 +9078,8 @@
         </p:nvSpPr>
         <p:spPr>
           <a:xfrm>
-            <a:off x="5108845" y="213897"/>
-            <a:ext cx="876715" cy="461665"/>
+            <a:off x="3612426" y="186848"/>
+            <a:ext cx="2998065" cy="461665"/>
           </a:xfrm>
           <a:prstGeom prst="rect">
             <a:avLst/>
@@ -8908,7 +9098,7 @@
                   <a:srgbClr val="FF0000"/>
                 </a:solidFill>
               </a:rPr>
-              <a:t>/scan</a:t>
+              <a:t>/usb_cam/image_raw</a:t>
             </a:r>
             <a:endParaRPr lang="es-ES" sz="2400" b="1" dirty="0">
               <a:solidFill>
@@ -9024,7 +9214,7 @@
           <p:nvPr/>
         </p:nvPicPr>
         <p:blipFill>
-          <a:blip r:embed="rId2"/>
+          <a:blip r:embed="rId3"/>
           <a:stretch>
             <a:fillRect/>
           </a:stretch>

--- a/Documentation/Images/Mecanum_Images.pptx
+++ b/Documentation/Images/Mecanum_Images.pptx
@@ -9,9 +9,10 @@
     <p:sldId id="257" r:id="rId3"/>
     <p:sldId id="263" r:id="rId4"/>
     <p:sldId id="264" r:id="rId5"/>
-    <p:sldId id="258" r:id="rId6"/>
-    <p:sldId id="265" r:id="rId7"/>
-    <p:sldId id="262" r:id="rId8"/>
+    <p:sldId id="265" r:id="rId6"/>
+    <p:sldId id="262" r:id="rId7"/>
+    <p:sldId id="267" r:id="rId8"/>
+    <p:sldId id="266" r:id="rId9"/>
   </p:sldIdLst>
   <p:sldSz cx="12192000" cy="6858000"/>
   <p:notesSz cx="6858000" cy="9144000"/>
@@ -129,110 +130,119 @@
 <file path=ppt/changesInfos/changesInfo1.xml><?xml version="1.0" encoding="utf-8"?>
 <pc:chgInfo xmlns:a="http://schemas.openxmlformats.org/drawingml/2006/main" xmlns:r="http://schemas.openxmlformats.org/officeDocument/2006/relationships" xmlns:ac="http://schemas.microsoft.com/office/drawing/2013/main/command" xmlns:pc="http://schemas.microsoft.com/office/powerpoint/2013/main/command">
   <pc:docChgLst>
-    <pc:chgData name="Dr. Manel Puig i Vidal" userId="0d549d0e-cb25-4ad8-b3a5-db046c349dfe" providerId="ADAL" clId="{A32D92DA-AB7E-402E-AFA7-3BA5519375E5}"/>
-    <pc:docChg chg="custSel addSld modSld">
-      <pc:chgData name="Dr. Manel Puig i Vidal" userId="0d549d0e-cb25-4ad8-b3a5-db046c349dfe" providerId="ADAL" clId="{A32D92DA-AB7E-402E-AFA7-3BA5519375E5}" dt="2021-08-03T11:19:44.683" v="44" actId="1036"/>
+    <pc:chgData name="Dr. Manel Puig i Vidal" userId="0d549d0e-cb25-4ad8-b3a5-db046c349dfe" providerId="ADAL" clId="{F9C99AA7-39A0-4FA7-BDB9-58E93BB78F39}"/>
+    <pc:docChg chg="modSld">
+      <pc:chgData name="Dr. Manel Puig i Vidal" userId="0d549d0e-cb25-4ad8-b3a5-db046c349dfe" providerId="ADAL" clId="{F9C99AA7-39A0-4FA7-BDB9-58E93BB78F39}" dt="2022-03-17T13:26:38.836" v="33" actId="1036"/>
       <pc:docMkLst>
         <pc:docMk/>
       </pc:docMkLst>
-      <pc:sldChg chg="addSp delSp modSp mod">
-        <pc:chgData name="Dr. Manel Puig i Vidal" userId="0d549d0e-cb25-4ad8-b3a5-db046c349dfe" providerId="ADAL" clId="{A32D92DA-AB7E-402E-AFA7-3BA5519375E5}" dt="2021-08-03T11:19:44.683" v="44" actId="1036"/>
+      <pc:sldChg chg="addSp modSp mod">
+        <pc:chgData name="Dr. Manel Puig i Vidal" userId="0d549d0e-cb25-4ad8-b3a5-db046c349dfe" providerId="ADAL" clId="{F9C99AA7-39A0-4FA7-BDB9-58E93BB78F39}" dt="2022-03-17T13:26:38.836" v="33" actId="1036"/>
         <pc:sldMkLst>
           <pc:docMk/>
-          <pc:sldMk cId="3288817590" sldId="257"/>
+          <pc:sldMk cId="2329590683" sldId="263"/>
         </pc:sldMkLst>
-        <pc:picChg chg="del mod">
-          <ac:chgData name="Dr. Manel Puig i Vidal" userId="0d549d0e-cb25-4ad8-b3a5-db046c349dfe" providerId="ADAL" clId="{A32D92DA-AB7E-402E-AFA7-3BA5519375E5}" dt="2021-08-03T11:17:24.558" v="14" actId="21"/>
+        <pc:spChg chg="add mod">
+          <ac:chgData name="Dr. Manel Puig i Vidal" userId="0d549d0e-cb25-4ad8-b3a5-db046c349dfe" providerId="ADAL" clId="{F9C99AA7-39A0-4FA7-BDB9-58E93BB78F39}" dt="2022-03-17T13:25:33.305" v="8" actId="113"/>
+          <ac:spMkLst>
+            <pc:docMk/>
+            <pc:sldMk cId="2329590683" sldId="263"/>
+            <ac:spMk id="2" creationId="{1ED916FD-A6A2-4CC1-B267-E6D20E5B9C53}"/>
+          </ac:spMkLst>
+        </pc:spChg>
+        <pc:spChg chg="add mod">
+          <ac:chgData name="Dr. Manel Puig i Vidal" userId="0d549d0e-cb25-4ad8-b3a5-db046c349dfe" providerId="ADAL" clId="{F9C99AA7-39A0-4FA7-BDB9-58E93BB78F39}" dt="2022-03-17T13:25:50.385" v="14" actId="20577"/>
+          <ac:spMkLst>
+            <pc:docMk/>
+            <pc:sldMk cId="2329590683" sldId="263"/>
+            <ac:spMk id="6" creationId="{A3A9FB9D-1E16-4D1C-AAD3-A4354B6E5904}"/>
+          </ac:spMkLst>
+        </pc:spChg>
+        <pc:spChg chg="add mod">
+          <ac:chgData name="Dr. Manel Puig i Vidal" userId="0d549d0e-cb25-4ad8-b3a5-db046c349dfe" providerId="ADAL" clId="{F9C99AA7-39A0-4FA7-BDB9-58E93BB78F39}" dt="2022-03-17T13:26:38.836" v="33" actId="1036"/>
+          <ac:spMkLst>
+            <pc:docMk/>
+            <pc:sldMk cId="2329590683" sldId="263"/>
+            <ac:spMk id="7" creationId="{5223A30E-3AC4-4D27-933A-7F5FDFEFE23B}"/>
+          </ac:spMkLst>
+        </pc:spChg>
+        <pc:spChg chg="add mod">
+          <ac:chgData name="Dr. Manel Puig i Vidal" userId="0d549d0e-cb25-4ad8-b3a5-db046c349dfe" providerId="ADAL" clId="{F9C99AA7-39A0-4FA7-BDB9-58E93BB78F39}" dt="2022-03-17T13:26:38.836" v="33" actId="1036"/>
+          <ac:spMkLst>
+            <pc:docMk/>
+            <pc:sldMk cId="2329590683" sldId="263"/>
+            <ac:spMk id="8" creationId="{D4CAE3A1-2391-4F9D-A564-BCF73591CAC8}"/>
+          </ac:spMkLst>
+        </pc:spChg>
+      </pc:sldChg>
+    </pc:docChg>
+  </pc:docChgLst>
+  <pc:docChgLst>
+    <pc:chgData name="Dr. Manel Puig i Vidal" userId="0d549d0e-cb25-4ad8-b3a5-db046c349dfe" providerId="ADAL" clId="{F5ACA060-5617-4C2B-9B9E-0FDF112D5DD6}"/>
+    <pc:docChg chg="addSld modSld">
+      <pc:chgData name="Dr. Manel Puig i Vidal" userId="0d549d0e-cb25-4ad8-b3a5-db046c349dfe" providerId="ADAL" clId="{F5ACA060-5617-4C2B-9B9E-0FDF112D5DD6}" dt="2023-07-17T12:17:17.614" v="28" actId="1076"/>
+      <pc:docMkLst>
+        <pc:docMk/>
+      </pc:docMkLst>
+      <pc:sldChg chg="addSp modSp mod">
+        <pc:chgData name="Dr. Manel Puig i Vidal" userId="0d549d0e-cb25-4ad8-b3a5-db046c349dfe" providerId="ADAL" clId="{F5ACA060-5617-4C2B-9B9E-0FDF112D5DD6}" dt="2023-07-17T12:17:17.614" v="28" actId="1076"/>
+        <pc:sldMkLst>
+          <pc:docMk/>
+          <pc:sldMk cId="2967436431" sldId="262"/>
+        </pc:sldMkLst>
+        <pc:spChg chg="mod">
+          <ac:chgData name="Dr. Manel Puig i Vidal" userId="0d549d0e-cb25-4ad8-b3a5-db046c349dfe" providerId="ADAL" clId="{F5ACA060-5617-4C2B-9B9E-0FDF112D5DD6}" dt="2023-07-17T12:15:39.929" v="18" actId="20577"/>
+          <ac:spMkLst>
+            <pc:docMk/>
+            <pc:sldMk cId="2967436431" sldId="262"/>
+            <ac:spMk id="2" creationId="{AB3A1AF0-3ED5-442C-8DF2-A8AD170DB81F}"/>
+          </ac:spMkLst>
+        </pc:spChg>
+        <pc:spChg chg="mod">
+          <ac:chgData name="Dr. Manel Puig i Vidal" userId="0d549d0e-cb25-4ad8-b3a5-db046c349dfe" providerId="ADAL" clId="{F5ACA060-5617-4C2B-9B9E-0FDF112D5DD6}" dt="2023-07-17T12:16:24.302" v="26" actId="1076"/>
+          <ac:spMkLst>
+            <pc:docMk/>
+            <pc:sldMk cId="2967436431" sldId="262"/>
+            <ac:spMk id="28" creationId="{C7B3A669-0D52-43CF-BFD3-9E36671C979A}"/>
+          </ac:spMkLst>
+        </pc:spChg>
+        <pc:spChg chg="mod">
+          <ac:chgData name="Dr. Manel Puig i Vidal" userId="0d549d0e-cb25-4ad8-b3a5-db046c349dfe" providerId="ADAL" clId="{F5ACA060-5617-4C2B-9B9E-0FDF112D5DD6}" dt="2023-07-17T12:17:17.614" v="28" actId="1076"/>
+          <ac:spMkLst>
+            <pc:docMk/>
+            <pc:sldMk cId="2967436431" sldId="262"/>
+            <ac:spMk id="30" creationId="{E0806900-E02C-4F19-9DF4-14F27003E0A9}"/>
+          </ac:spMkLst>
+        </pc:spChg>
+        <pc:picChg chg="add mod ord">
+          <ac:chgData name="Dr. Manel Puig i Vidal" userId="0d549d0e-cb25-4ad8-b3a5-db046c349dfe" providerId="ADAL" clId="{F5ACA060-5617-4C2B-9B9E-0FDF112D5DD6}" dt="2023-07-17T12:13:25.926" v="13" actId="1076"/>
           <ac:picMkLst>
             <pc:docMk/>
-            <pc:sldMk cId="3288817590" sldId="257"/>
-            <ac:picMk id="3" creationId="{D927769E-DCF3-4F9A-8075-F590AA04FA64}"/>
-          </ac:picMkLst>
-        </pc:picChg>
-        <pc:picChg chg="add mod">
-          <ac:chgData name="Dr. Manel Puig i Vidal" userId="0d549d0e-cb25-4ad8-b3a5-db046c349dfe" providerId="ADAL" clId="{A32D92DA-AB7E-402E-AFA7-3BA5519375E5}" dt="2021-08-03T11:19:44.683" v="44" actId="1036"/>
-          <ac:picMkLst>
-            <pc:docMk/>
-            <pc:sldMk cId="3288817590" sldId="257"/>
-            <ac:picMk id="4" creationId="{BD5A579D-632A-486C-88FB-4C7B9BB66756}"/>
-          </ac:picMkLst>
-        </pc:picChg>
-        <pc:picChg chg="del mod">
-          <ac:chgData name="Dr. Manel Puig i Vidal" userId="0d549d0e-cb25-4ad8-b3a5-db046c349dfe" providerId="ADAL" clId="{A32D92DA-AB7E-402E-AFA7-3BA5519375E5}" dt="2021-08-03T11:17:24.558" v="14" actId="21"/>
-          <ac:picMkLst>
-            <pc:docMk/>
-            <pc:sldMk cId="3288817590" sldId="257"/>
-            <ac:picMk id="5" creationId="{B75DBB8B-3B78-49A5-9F6D-95478A41D8C3}"/>
-          </ac:picMkLst>
-        </pc:picChg>
-        <pc:picChg chg="del mod">
-          <ac:chgData name="Dr. Manel Puig i Vidal" userId="0d549d0e-cb25-4ad8-b3a5-db046c349dfe" providerId="ADAL" clId="{A32D92DA-AB7E-402E-AFA7-3BA5519375E5}" dt="2021-08-03T11:17:24.558" v="14" actId="21"/>
-          <ac:picMkLst>
-            <pc:docMk/>
-            <pc:sldMk cId="3288817590" sldId="257"/>
-            <ac:picMk id="7" creationId="{537CBAE9-E2B3-4FA3-B3E5-7867D6406295}"/>
-          </ac:picMkLst>
-        </pc:picChg>
-        <pc:picChg chg="add mod">
-          <ac:chgData name="Dr. Manel Puig i Vidal" userId="0d549d0e-cb25-4ad8-b3a5-db046c349dfe" providerId="ADAL" clId="{A32D92DA-AB7E-402E-AFA7-3BA5519375E5}" dt="2021-08-03T11:19:44.683" v="44" actId="1036"/>
-          <ac:picMkLst>
-            <pc:docMk/>
-            <pc:sldMk cId="3288817590" sldId="257"/>
-            <ac:picMk id="8" creationId="{593E3BDD-5ED6-422E-B4B9-1EF88DF10C94}"/>
+            <pc:sldMk cId="2967436431" sldId="262"/>
+            <ac:picMk id="3" creationId="{0578D19B-E215-BAE6-5AB5-A674798648E2}"/>
           </ac:picMkLst>
         </pc:picChg>
       </pc:sldChg>
       <pc:sldChg chg="addSp modSp new mod">
-        <pc:chgData name="Dr. Manel Puig i Vidal" userId="0d549d0e-cb25-4ad8-b3a5-db046c349dfe" providerId="ADAL" clId="{A32D92DA-AB7E-402E-AFA7-3BA5519375E5}" dt="2021-08-03T11:18:25.885" v="22" actId="1076"/>
+        <pc:chgData name="Dr. Manel Puig i Vidal" userId="0d549d0e-cb25-4ad8-b3a5-db046c349dfe" providerId="ADAL" clId="{F5ACA060-5617-4C2B-9B9E-0FDF112D5DD6}" dt="2023-07-17T12:12:42.367" v="7" actId="732"/>
         <pc:sldMkLst>
           <pc:docMk/>
-          <pc:sldMk cId="2329590683" sldId="263"/>
+          <pc:sldMk cId="2816021084" sldId="265"/>
         </pc:sldMkLst>
         <pc:picChg chg="add mod">
-          <ac:chgData name="Dr. Manel Puig i Vidal" userId="0d549d0e-cb25-4ad8-b3a5-db046c349dfe" providerId="ADAL" clId="{A32D92DA-AB7E-402E-AFA7-3BA5519375E5}" dt="2021-08-03T11:18:21.428" v="21" actId="1076"/>
+          <ac:chgData name="Dr. Manel Puig i Vidal" userId="0d549d0e-cb25-4ad8-b3a5-db046c349dfe" providerId="ADAL" clId="{F5ACA060-5617-4C2B-9B9E-0FDF112D5DD6}" dt="2023-07-17T12:12:09.908" v="2" actId="1076"/>
           <ac:picMkLst>
             <pc:docMk/>
-            <pc:sldMk cId="2329590683" sldId="263"/>
-            <ac:picMk id="3" creationId="{354A659A-08A3-43A5-9847-BD37EC81DFDE}"/>
+            <pc:sldMk cId="2816021084" sldId="265"/>
+            <ac:picMk id="2" creationId="{D5C28000-9400-D594-1C16-C516F0A4E7B6}"/>
           </ac:picMkLst>
         </pc:picChg>
-        <pc:picChg chg="add mod">
-          <ac:chgData name="Dr. Manel Puig i Vidal" userId="0d549d0e-cb25-4ad8-b3a5-db046c349dfe" providerId="ADAL" clId="{A32D92DA-AB7E-402E-AFA7-3BA5519375E5}" dt="2021-08-03T11:18:25.885" v="22" actId="1076"/>
+        <pc:picChg chg="add mod modCrop">
+          <ac:chgData name="Dr. Manel Puig i Vidal" userId="0d549d0e-cb25-4ad8-b3a5-db046c349dfe" providerId="ADAL" clId="{F5ACA060-5617-4C2B-9B9E-0FDF112D5DD6}" dt="2023-07-17T12:12:42.367" v="7" actId="732"/>
           <ac:picMkLst>
             <pc:docMk/>
-            <pc:sldMk cId="2329590683" sldId="263"/>
-            <ac:picMk id="5" creationId="{D75C9759-8C04-4BDA-AA54-582352963965}"/>
-          </ac:picMkLst>
-        </pc:picChg>
-      </pc:sldChg>
-      <pc:sldChg chg="addSp modSp new">
-        <pc:chgData name="Dr. Manel Puig i Vidal" userId="0d549d0e-cb25-4ad8-b3a5-db046c349dfe" providerId="ADAL" clId="{A32D92DA-AB7E-402E-AFA7-3BA5519375E5}" dt="2021-08-03T11:17:31.302" v="16"/>
-        <pc:sldMkLst>
-          <pc:docMk/>
-          <pc:sldMk cId="4011816797" sldId="264"/>
-        </pc:sldMkLst>
-        <pc:picChg chg="add mod">
-          <ac:chgData name="Dr. Manel Puig i Vidal" userId="0d549d0e-cb25-4ad8-b3a5-db046c349dfe" providerId="ADAL" clId="{A32D92DA-AB7E-402E-AFA7-3BA5519375E5}" dt="2021-08-03T11:17:31.302" v="16"/>
-          <ac:picMkLst>
-            <pc:docMk/>
-            <pc:sldMk cId="4011816797" sldId="264"/>
-            <ac:picMk id="2" creationId="{54008698-7B82-4808-B06A-1C1A72A08D76}"/>
-          </ac:picMkLst>
-        </pc:picChg>
-        <pc:picChg chg="add mod">
-          <ac:chgData name="Dr. Manel Puig i Vidal" userId="0d549d0e-cb25-4ad8-b3a5-db046c349dfe" providerId="ADAL" clId="{A32D92DA-AB7E-402E-AFA7-3BA5519375E5}" dt="2021-08-03T11:17:31.302" v="16"/>
-          <ac:picMkLst>
-            <pc:docMk/>
-            <pc:sldMk cId="4011816797" sldId="264"/>
-            <ac:picMk id="3" creationId="{0D083199-F003-41EB-9D24-CD4325EB2844}"/>
-          </ac:picMkLst>
-        </pc:picChg>
-        <pc:picChg chg="add mod">
-          <ac:chgData name="Dr. Manel Puig i Vidal" userId="0d549d0e-cb25-4ad8-b3a5-db046c349dfe" providerId="ADAL" clId="{A32D92DA-AB7E-402E-AFA7-3BA5519375E5}" dt="2021-08-03T11:17:31.302" v="16"/>
-          <ac:picMkLst>
-            <pc:docMk/>
-            <pc:sldMk cId="4011816797" sldId="264"/>
-            <ac:picMk id="4" creationId="{6A29C0F2-8F38-447E-A623-B80CDBAF2702}"/>
+            <pc:sldMk cId="2816021084" sldId="265"/>
+            <ac:picMk id="3" creationId="{BAE887E4-4F3A-65A2-6BB4-D797AD40644A}"/>
           </ac:picMkLst>
         </pc:picChg>
       </pc:sldChg>
@@ -702,119 +712,110 @@
     </pc:docChg>
   </pc:docChgLst>
   <pc:docChgLst>
-    <pc:chgData name="Dr. Manel Puig i Vidal" userId="0d549d0e-cb25-4ad8-b3a5-db046c349dfe" providerId="ADAL" clId="{F9C99AA7-39A0-4FA7-BDB9-58E93BB78F39}"/>
-    <pc:docChg chg="modSld">
-      <pc:chgData name="Dr. Manel Puig i Vidal" userId="0d549d0e-cb25-4ad8-b3a5-db046c349dfe" providerId="ADAL" clId="{F9C99AA7-39A0-4FA7-BDB9-58E93BB78F39}" dt="2022-03-17T13:26:38.836" v="33" actId="1036"/>
+    <pc:chgData name="Dr. Manel Puig i Vidal" userId="0d549d0e-cb25-4ad8-b3a5-db046c349dfe" providerId="ADAL" clId="{A32D92DA-AB7E-402E-AFA7-3BA5519375E5}"/>
+    <pc:docChg chg="custSel addSld modSld">
+      <pc:chgData name="Dr. Manel Puig i Vidal" userId="0d549d0e-cb25-4ad8-b3a5-db046c349dfe" providerId="ADAL" clId="{A32D92DA-AB7E-402E-AFA7-3BA5519375E5}" dt="2021-08-03T11:19:44.683" v="44" actId="1036"/>
       <pc:docMkLst>
         <pc:docMk/>
       </pc:docMkLst>
-      <pc:sldChg chg="addSp modSp mod">
-        <pc:chgData name="Dr. Manel Puig i Vidal" userId="0d549d0e-cb25-4ad8-b3a5-db046c349dfe" providerId="ADAL" clId="{F9C99AA7-39A0-4FA7-BDB9-58E93BB78F39}" dt="2022-03-17T13:26:38.836" v="33" actId="1036"/>
+      <pc:sldChg chg="addSp delSp modSp mod">
+        <pc:chgData name="Dr. Manel Puig i Vidal" userId="0d549d0e-cb25-4ad8-b3a5-db046c349dfe" providerId="ADAL" clId="{A32D92DA-AB7E-402E-AFA7-3BA5519375E5}" dt="2021-08-03T11:19:44.683" v="44" actId="1036"/>
+        <pc:sldMkLst>
+          <pc:docMk/>
+          <pc:sldMk cId="3288817590" sldId="257"/>
+        </pc:sldMkLst>
+        <pc:picChg chg="del mod">
+          <ac:chgData name="Dr. Manel Puig i Vidal" userId="0d549d0e-cb25-4ad8-b3a5-db046c349dfe" providerId="ADAL" clId="{A32D92DA-AB7E-402E-AFA7-3BA5519375E5}" dt="2021-08-03T11:17:24.558" v="14" actId="21"/>
+          <ac:picMkLst>
+            <pc:docMk/>
+            <pc:sldMk cId="3288817590" sldId="257"/>
+            <ac:picMk id="3" creationId="{D927769E-DCF3-4F9A-8075-F590AA04FA64}"/>
+          </ac:picMkLst>
+        </pc:picChg>
+        <pc:picChg chg="add mod">
+          <ac:chgData name="Dr. Manel Puig i Vidal" userId="0d549d0e-cb25-4ad8-b3a5-db046c349dfe" providerId="ADAL" clId="{A32D92DA-AB7E-402E-AFA7-3BA5519375E5}" dt="2021-08-03T11:19:44.683" v="44" actId="1036"/>
+          <ac:picMkLst>
+            <pc:docMk/>
+            <pc:sldMk cId="3288817590" sldId="257"/>
+            <ac:picMk id="4" creationId="{BD5A579D-632A-486C-88FB-4C7B9BB66756}"/>
+          </ac:picMkLst>
+        </pc:picChg>
+        <pc:picChg chg="del mod">
+          <ac:chgData name="Dr. Manel Puig i Vidal" userId="0d549d0e-cb25-4ad8-b3a5-db046c349dfe" providerId="ADAL" clId="{A32D92DA-AB7E-402E-AFA7-3BA5519375E5}" dt="2021-08-03T11:17:24.558" v="14" actId="21"/>
+          <ac:picMkLst>
+            <pc:docMk/>
+            <pc:sldMk cId="3288817590" sldId="257"/>
+            <ac:picMk id="5" creationId="{B75DBB8B-3B78-49A5-9F6D-95478A41D8C3}"/>
+          </ac:picMkLst>
+        </pc:picChg>
+        <pc:picChg chg="del mod">
+          <ac:chgData name="Dr. Manel Puig i Vidal" userId="0d549d0e-cb25-4ad8-b3a5-db046c349dfe" providerId="ADAL" clId="{A32D92DA-AB7E-402E-AFA7-3BA5519375E5}" dt="2021-08-03T11:17:24.558" v="14" actId="21"/>
+          <ac:picMkLst>
+            <pc:docMk/>
+            <pc:sldMk cId="3288817590" sldId="257"/>
+            <ac:picMk id="7" creationId="{537CBAE9-E2B3-4FA3-B3E5-7867D6406295}"/>
+          </ac:picMkLst>
+        </pc:picChg>
+        <pc:picChg chg="add mod">
+          <ac:chgData name="Dr. Manel Puig i Vidal" userId="0d549d0e-cb25-4ad8-b3a5-db046c349dfe" providerId="ADAL" clId="{A32D92DA-AB7E-402E-AFA7-3BA5519375E5}" dt="2021-08-03T11:19:44.683" v="44" actId="1036"/>
+          <ac:picMkLst>
+            <pc:docMk/>
+            <pc:sldMk cId="3288817590" sldId="257"/>
+            <ac:picMk id="8" creationId="{593E3BDD-5ED6-422E-B4B9-1EF88DF10C94}"/>
+          </ac:picMkLst>
+        </pc:picChg>
+      </pc:sldChg>
+      <pc:sldChg chg="addSp modSp new mod">
+        <pc:chgData name="Dr. Manel Puig i Vidal" userId="0d549d0e-cb25-4ad8-b3a5-db046c349dfe" providerId="ADAL" clId="{A32D92DA-AB7E-402E-AFA7-3BA5519375E5}" dt="2021-08-03T11:18:25.885" v="22" actId="1076"/>
         <pc:sldMkLst>
           <pc:docMk/>
           <pc:sldMk cId="2329590683" sldId="263"/>
         </pc:sldMkLst>
-        <pc:spChg chg="add mod">
-          <ac:chgData name="Dr. Manel Puig i Vidal" userId="0d549d0e-cb25-4ad8-b3a5-db046c349dfe" providerId="ADAL" clId="{F9C99AA7-39A0-4FA7-BDB9-58E93BB78F39}" dt="2022-03-17T13:25:33.305" v="8" actId="113"/>
-          <ac:spMkLst>
+        <pc:picChg chg="add mod">
+          <ac:chgData name="Dr. Manel Puig i Vidal" userId="0d549d0e-cb25-4ad8-b3a5-db046c349dfe" providerId="ADAL" clId="{A32D92DA-AB7E-402E-AFA7-3BA5519375E5}" dt="2021-08-03T11:18:21.428" v="21" actId="1076"/>
+          <ac:picMkLst>
             <pc:docMk/>
             <pc:sldMk cId="2329590683" sldId="263"/>
-            <ac:spMk id="2" creationId="{1ED916FD-A6A2-4CC1-B267-E6D20E5B9C53}"/>
-          </ac:spMkLst>
-        </pc:spChg>
-        <pc:spChg chg="add mod">
-          <ac:chgData name="Dr. Manel Puig i Vidal" userId="0d549d0e-cb25-4ad8-b3a5-db046c349dfe" providerId="ADAL" clId="{F9C99AA7-39A0-4FA7-BDB9-58E93BB78F39}" dt="2022-03-17T13:25:50.385" v="14" actId="20577"/>
-          <ac:spMkLst>
+            <ac:picMk id="3" creationId="{354A659A-08A3-43A5-9847-BD37EC81DFDE}"/>
+          </ac:picMkLst>
+        </pc:picChg>
+        <pc:picChg chg="add mod">
+          <ac:chgData name="Dr. Manel Puig i Vidal" userId="0d549d0e-cb25-4ad8-b3a5-db046c349dfe" providerId="ADAL" clId="{A32D92DA-AB7E-402E-AFA7-3BA5519375E5}" dt="2021-08-03T11:18:25.885" v="22" actId="1076"/>
+          <ac:picMkLst>
             <pc:docMk/>
             <pc:sldMk cId="2329590683" sldId="263"/>
-            <ac:spMk id="6" creationId="{A3A9FB9D-1E16-4D1C-AAD3-A4354B6E5904}"/>
-          </ac:spMkLst>
-        </pc:spChg>
-        <pc:spChg chg="add mod">
-          <ac:chgData name="Dr. Manel Puig i Vidal" userId="0d549d0e-cb25-4ad8-b3a5-db046c349dfe" providerId="ADAL" clId="{F9C99AA7-39A0-4FA7-BDB9-58E93BB78F39}" dt="2022-03-17T13:26:38.836" v="33" actId="1036"/>
-          <ac:spMkLst>
-            <pc:docMk/>
-            <pc:sldMk cId="2329590683" sldId="263"/>
-            <ac:spMk id="7" creationId="{5223A30E-3AC4-4D27-933A-7F5FDFEFE23B}"/>
-          </ac:spMkLst>
-        </pc:spChg>
-        <pc:spChg chg="add mod">
-          <ac:chgData name="Dr. Manel Puig i Vidal" userId="0d549d0e-cb25-4ad8-b3a5-db046c349dfe" providerId="ADAL" clId="{F9C99AA7-39A0-4FA7-BDB9-58E93BB78F39}" dt="2022-03-17T13:26:38.836" v="33" actId="1036"/>
-          <ac:spMkLst>
-            <pc:docMk/>
-            <pc:sldMk cId="2329590683" sldId="263"/>
-            <ac:spMk id="8" creationId="{D4CAE3A1-2391-4F9D-A564-BCF73591CAC8}"/>
-          </ac:spMkLst>
-        </pc:spChg>
-      </pc:sldChg>
-    </pc:docChg>
-  </pc:docChgLst>
-  <pc:docChgLst>
-    <pc:chgData name="Dr. Manel Puig i Vidal" userId="0d549d0e-cb25-4ad8-b3a5-db046c349dfe" providerId="ADAL" clId="{F5ACA060-5617-4C2B-9B9E-0FDF112D5DD6}"/>
-    <pc:docChg chg="addSld modSld">
-      <pc:chgData name="Dr. Manel Puig i Vidal" userId="0d549d0e-cb25-4ad8-b3a5-db046c349dfe" providerId="ADAL" clId="{F5ACA060-5617-4C2B-9B9E-0FDF112D5DD6}" dt="2023-07-17T12:17:17.614" v="28" actId="1076"/>
-      <pc:docMkLst>
-        <pc:docMk/>
-      </pc:docMkLst>
-      <pc:sldChg chg="addSp modSp mod">
-        <pc:chgData name="Dr. Manel Puig i Vidal" userId="0d549d0e-cb25-4ad8-b3a5-db046c349dfe" providerId="ADAL" clId="{F5ACA060-5617-4C2B-9B9E-0FDF112D5DD6}" dt="2023-07-17T12:17:17.614" v="28" actId="1076"/>
-        <pc:sldMkLst>
-          <pc:docMk/>
-          <pc:sldMk cId="2967436431" sldId="262"/>
-        </pc:sldMkLst>
-        <pc:spChg chg="mod">
-          <ac:chgData name="Dr. Manel Puig i Vidal" userId="0d549d0e-cb25-4ad8-b3a5-db046c349dfe" providerId="ADAL" clId="{F5ACA060-5617-4C2B-9B9E-0FDF112D5DD6}" dt="2023-07-17T12:15:39.929" v="18" actId="20577"/>
-          <ac:spMkLst>
-            <pc:docMk/>
-            <pc:sldMk cId="2967436431" sldId="262"/>
-            <ac:spMk id="2" creationId="{AB3A1AF0-3ED5-442C-8DF2-A8AD170DB81F}"/>
-          </ac:spMkLst>
-        </pc:spChg>
-        <pc:spChg chg="mod">
-          <ac:chgData name="Dr. Manel Puig i Vidal" userId="0d549d0e-cb25-4ad8-b3a5-db046c349dfe" providerId="ADAL" clId="{F5ACA060-5617-4C2B-9B9E-0FDF112D5DD6}" dt="2023-07-17T12:16:24.302" v="26" actId="1076"/>
-          <ac:spMkLst>
-            <pc:docMk/>
-            <pc:sldMk cId="2967436431" sldId="262"/>
-            <ac:spMk id="28" creationId="{C7B3A669-0D52-43CF-BFD3-9E36671C979A}"/>
-          </ac:spMkLst>
-        </pc:spChg>
-        <pc:spChg chg="mod">
-          <ac:chgData name="Dr. Manel Puig i Vidal" userId="0d549d0e-cb25-4ad8-b3a5-db046c349dfe" providerId="ADAL" clId="{F5ACA060-5617-4C2B-9B9E-0FDF112D5DD6}" dt="2023-07-17T12:17:17.614" v="28" actId="1076"/>
-          <ac:spMkLst>
-            <pc:docMk/>
-            <pc:sldMk cId="2967436431" sldId="262"/>
-            <ac:spMk id="30" creationId="{E0806900-E02C-4F19-9DF4-14F27003E0A9}"/>
-          </ac:spMkLst>
-        </pc:spChg>
-        <pc:picChg chg="add mod ord">
-          <ac:chgData name="Dr. Manel Puig i Vidal" userId="0d549d0e-cb25-4ad8-b3a5-db046c349dfe" providerId="ADAL" clId="{F5ACA060-5617-4C2B-9B9E-0FDF112D5DD6}" dt="2023-07-17T12:13:25.926" v="13" actId="1076"/>
-          <ac:picMkLst>
-            <pc:docMk/>
-            <pc:sldMk cId="2967436431" sldId="262"/>
-            <ac:picMk id="3" creationId="{0578D19B-E215-BAE6-5AB5-A674798648E2}"/>
+            <ac:picMk id="5" creationId="{D75C9759-8C04-4BDA-AA54-582352963965}"/>
           </ac:picMkLst>
         </pc:picChg>
       </pc:sldChg>
-      <pc:sldChg chg="addSp modSp new mod">
-        <pc:chgData name="Dr. Manel Puig i Vidal" userId="0d549d0e-cb25-4ad8-b3a5-db046c349dfe" providerId="ADAL" clId="{F5ACA060-5617-4C2B-9B9E-0FDF112D5DD6}" dt="2023-07-17T12:12:42.367" v="7" actId="732"/>
+      <pc:sldChg chg="addSp modSp new">
+        <pc:chgData name="Dr. Manel Puig i Vidal" userId="0d549d0e-cb25-4ad8-b3a5-db046c349dfe" providerId="ADAL" clId="{A32D92DA-AB7E-402E-AFA7-3BA5519375E5}" dt="2021-08-03T11:17:31.302" v="16"/>
         <pc:sldMkLst>
           <pc:docMk/>
-          <pc:sldMk cId="2816021084" sldId="265"/>
+          <pc:sldMk cId="4011816797" sldId="264"/>
         </pc:sldMkLst>
         <pc:picChg chg="add mod">
-          <ac:chgData name="Dr. Manel Puig i Vidal" userId="0d549d0e-cb25-4ad8-b3a5-db046c349dfe" providerId="ADAL" clId="{F5ACA060-5617-4C2B-9B9E-0FDF112D5DD6}" dt="2023-07-17T12:12:09.908" v="2" actId="1076"/>
+          <ac:chgData name="Dr. Manel Puig i Vidal" userId="0d549d0e-cb25-4ad8-b3a5-db046c349dfe" providerId="ADAL" clId="{A32D92DA-AB7E-402E-AFA7-3BA5519375E5}" dt="2021-08-03T11:17:31.302" v="16"/>
           <ac:picMkLst>
             <pc:docMk/>
-            <pc:sldMk cId="2816021084" sldId="265"/>
-            <ac:picMk id="2" creationId="{D5C28000-9400-D594-1C16-C516F0A4E7B6}"/>
+            <pc:sldMk cId="4011816797" sldId="264"/>
+            <ac:picMk id="2" creationId="{54008698-7B82-4808-B06A-1C1A72A08D76}"/>
           </ac:picMkLst>
         </pc:picChg>
-        <pc:picChg chg="add mod modCrop">
-          <ac:chgData name="Dr. Manel Puig i Vidal" userId="0d549d0e-cb25-4ad8-b3a5-db046c349dfe" providerId="ADAL" clId="{F5ACA060-5617-4C2B-9B9E-0FDF112D5DD6}" dt="2023-07-17T12:12:42.367" v="7" actId="732"/>
+        <pc:picChg chg="add mod">
+          <ac:chgData name="Dr. Manel Puig i Vidal" userId="0d549d0e-cb25-4ad8-b3a5-db046c349dfe" providerId="ADAL" clId="{A32D92DA-AB7E-402E-AFA7-3BA5519375E5}" dt="2021-08-03T11:17:31.302" v="16"/>
           <ac:picMkLst>
             <pc:docMk/>
-            <pc:sldMk cId="2816021084" sldId="265"/>
-            <ac:picMk id="3" creationId="{BAE887E4-4F3A-65A2-6BB4-D797AD40644A}"/>
+            <pc:sldMk cId="4011816797" sldId="264"/>
+            <ac:picMk id="3" creationId="{0D083199-F003-41EB-9D24-CD4325EB2844}"/>
+          </ac:picMkLst>
+        </pc:picChg>
+        <pc:picChg chg="add mod">
+          <ac:chgData name="Dr. Manel Puig i Vidal" userId="0d549d0e-cb25-4ad8-b3a5-db046c349dfe" providerId="ADAL" clId="{A32D92DA-AB7E-402E-AFA7-3BA5519375E5}" dt="2021-08-03T11:17:31.302" v="16"/>
+          <ac:picMkLst>
+            <pc:docMk/>
+            <pc:sldMk cId="4011816797" sldId="264"/>
+            <ac:picMk id="4" creationId="{6A29C0F2-8F38-447E-A623-B80CDBAF2702}"/>
           </ac:picMkLst>
         </pc:picChg>
       </pc:sldChg>
@@ -970,7 +971,7 @@
           <a:p>
             <a:fld id="{1C047EFF-C005-42C2-96C9-4E7CFE047116}" type="datetimeFigureOut">
               <a:rPr lang="es-ES" smtClean="0"/>
-              <a:t>17/07/2023</a:t>
+              <a:t>26/07/2024</a:t>
             </a:fld>
             <a:endParaRPr lang="es-ES"/>
           </a:p>
@@ -1168,7 +1169,7 @@
           <a:p>
             <a:fld id="{1C047EFF-C005-42C2-96C9-4E7CFE047116}" type="datetimeFigureOut">
               <a:rPr lang="es-ES" smtClean="0"/>
-              <a:t>17/07/2023</a:t>
+              <a:t>26/07/2024</a:t>
             </a:fld>
             <a:endParaRPr lang="es-ES"/>
           </a:p>
@@ -1376,7 +1377,7 @@
           <a:p>
             <a:fld id="{1C047EFF-C005-42C2-96C9-4E7CFE047116}" type="datetimeFigureOut">
               <a:rPr lang="es-ES" smtClean="0"/>
-              <a:t>17/07/2023</a:t>
+              <a:t>26/07/2024</a:t>
             </a:fld>
             <a:endParaRPr lang="es-ES"/>
           </a:p>
@@ -1574,7 +1575,7 @@
           <a:p>
             <a:fld id="{1C047EFF-C005-42C2-96C9-4E7CFE047116}" type="datetimeFigureOut">
               <a:rPr lang="es-ES" smtClean="0"/>
-              <a:t>17/07/2023</a:t>
+              <a:t>26/07/2024</a:t>
             </a:fld>
             <a:endParaRPr lang="es-ES"/>
           </a:p>
@@ -1849,7 +1850,7 @@
           <a:p>
             <a:fld id="{1C047EFF-C005-42C2-96C9-4E7CFE047116}" type="datetimeFigureOut">
               <a:rPr lang="es-ES" smtClean="0"/>
-              <a:t>17/07/2023</a:t>
+              <a:t>26/07/2024</a:t>
             </a:fld>
             <a:endParaRPr lang="es-ES"/>
           </a:p>
@@ -2114,7 +2115,7 @@
           <a:p>
             <a:fld id="{1C047EFF-C005-42C2-96C9-4E7CFE047116}" type="datetimeFigureOut">
               <a:rPr lang="es-ES" smtClean="0"/>
-              <a:t>17/07/2023</a:t>
+              <a:t>26/07/2024</a:t>
             </a:fld>
             <a:endParaRPr lang="es-ES"/>
           </a:p>
@@ -2526,7 +2527,7 @@
           <a:p>
             <a:fld id="{1C047EFF-C005-42C2-96C9-4E7CFE047116}" type="datetimeFigureOut">
               <a:rPr lang="es-ES" smtClean="0"/>
-              <a:t>17/07/2023</a:t>
+              <a:t>26/07/2024</a:t>
             </a:fld>
             <a:endParaRPr lang="es-ES"/>
           </a:p>
@@ -2667,7 +2668,7 @@
           <a:p>
             <a:fld id="{1C047EFF-C005-42C2-96C9-4E7CFE047116}" type="datetimeFigureOut">
               <a:rPr lang="es-ES" smtClean="0"/>
-              <a:t>17/07/2023</a:t>
+              <a:t>26/07/2024</a:t>
             </a:fld>
             <a:endParaRPr lang="es-ES"/>
           </a:p>
@@ -2780,7 +2781,7 @@
           <a:p>
             <a:fld id="{1C047EFF-C005-42C2-96C9-4E7CFE047116}" type="datetimeFigureOut">
               <a:rPr lang="es-ES" smtClean="0"/>
-              <a:t>17/07/2023</a:t>
+              <a:t>26/07/2024</a:t>
             </a:fld>
             <a:endParaRPr lang="es-ES"/>
           </a:p>
@@ -3091,7 +3092,7 @@
           <a:p>
             <a:fld id="{1C047EFF-C005-42C2-96C9-4E7CFE047116}" type="datetimeFigureOut">
               <a:rPr lang="es-ES" smtClean="0"/>
-              <a:t>17/07/2023</a:t>
+              <a:t>26/07/2024</a:t>
             </a:fld>
             <a:endParaRPr lang="es-ES"/>
           </a:p>
@@ -3379,7 +3380,7 @@
           <a:p>
             <a:fld id="{1C047EFF-C005-42C2-96C9-4E7CFE047116}" type="datetimeFigureOut">
               <a:rPr lang="es-ES" smtClean="0"/>
-              <a:t>17/07/2023</a:t>
+              <a:t>26/07/2024</a:t>
             </a:fld>
             <a:endParaRPr lang="es-ES"/>
           </a:p>
@@ -3620,7 +3621,7 @@
           <a:p>
             <a:fld id="{1C047EFF-C005-42C2-96C9-4E7CFE047116}" type="datetimeFigureOut">
               <a:rPr lang="es-ES" smtClean="0"/>
-              <a:t>17/07/2023</a:t>
+              <a:t>26/07/2024</a:t>
             </a:fld>
             <a:endParaRPr lang="es-ES"/>
           </a:p>
@@ -7508,528 +7509,12 @@
           <a:chExt cx="0" cy="0"/>
         </a:xfrm>
       </p:grpSpPr>
-      <p:sp>
-        <p:nvSpPr>
-          <p:cNvPr id="2" name="Elipse 1">
-            <a:extLst>
-              <a:ext uri="{FF2B5EF4-FFF2-40B4-BE49-F238E27FC236}">
-                <a16:creationId xmlns:a16="http://schemas.microsoft.com/office/drawing/2014/main" id="{082D705F-B680-40D4-86A6-5834E21B310B}"/>
-              </a:ext>
-            </a:extLst>
-          </p:cNvPr>
-          <p:cNvSpPr/>
-          <p:nvPr/>
-        </p:nvSpPr>
-        <p:spPr>
-          <a:xfrm>
-            <a:off x="136523" y="663073"/>
-            <a:ext cx="2490132" cy="1609046"/>
-          </a:xfrm>
-          <a:prstGeom prst="ellipse">
-            <a:avLst/>
-          </a:prstGeom>
-          <a:noFill/>
-          <a:ln w="38100"/>
-        </p:spPr>
-        <p:style>
-          <a:lnRef idx="2">
-            <a:schemeClr val="accent1">
-              <a:shade val="50000"/>
-            </a:schemeClr>
-          </a:lnRef>
-          <a:fillRef idx="1">
-            <a:schemeClr val="accent1"/>
-          </a:fillRef>
-          <a:effectRef idx="0">
-            <a:schemeClr val="accent1"/>
-          </a:effectRef>
-          <a:fontRef idx="minor">
-            <a:schemeClr val="lt1"/>
-          </a:fontRef>
-        </p:style>
-        <p:txBody>
-          <a:bodyPr rtlCol="0" anchor="ctr"/>
-          <a:lstStyle/>
-          <a:p>
-            <a:pPr algn="ctr"/>
-            <a:endParaRPr lang="es-ES" dirty="0"/>
-          </a:p>
-        </p:txBody>
-      </p:sp>
-      <p:sp>
-        <p:nvSpPr>
-          <p:cNvPr id="3" name="CuadroTexto 2">
-            <a:extLst>
-              <a:ext uri="{FF2B5EF4-FFF2-40B4-BE49-F238E27FC236}">
-                <a16:creationId xmlns:a16="http://schemas.microsoft.com/office/drawing/2014/main" id="{BCB67200-2B31-4932-AD48-4CCDC87F647B}"/>
-              </a:ext>
-            </a:extLst>
-          </p:cNvPr>
-          <p:cNvSpPr txBox="1"/>
-          <p:nvPr/>
-        </p:nvSpPr>
-        <p:spPr>
-          <a:xfrm>
-            <a:off x="511164" y="1202891"/>
-            <a:ext cx="1805046" cy="461665"/>
-          </a:xfrm>
-          <a:prstGeom prst="rect">
-            <a:avLst/>
-          </a:prstGeom>
-          <a:noFill/>
-        </p:spPr>
-        <p:txBody>
-          <a:bodyPr wrap="none" rtlCol="0">
-            <a:spAutoFit/>
-          </a:bodyPr>
-          <a:lstStyle/>
-          <a:p>
-            <a:r>
-              <a:rPr lang="ca-ES" sz="2400" b="1" dirty="0">
-                <a:solidFill>
-                  <a:schemeClr val="accent1">
-                    <a:lumMod val="50000"/>
-                  </a:schemeClr>
-                </a:solidFill>
-              </a:rPr>
-              <a:t>/serial_node</a:t>
-            </a:r>
-            <a:endParaRPr lang="es-ES" sz="2400" b="1" dirty="0">
-              <a:solidFill>
-                <a:schemeClr val="accent1">
-                  <a:lumMod val="50000"/>
-                </a:schemeClr>
-              </a:solidFill>
-            </a:endParaRPr>
-          </a:p>
-        </p:txBody>
-      </p:sp>
-      <p:sp>
-        <p:nvSpPr>
-          <p:cNvPr id="4" name="Arco 3">
-            <a:extLst>
-              <a:ext uri="{FF2B5EF4-FFF2-40B4-BE49-F238E27FC236}">
-                <a16:creationId xmlns:a16="http://schemas.microsoft.com/office/drawing/2014/main" id="{107760A7-7D18-40EE-8EE2-54563CD92C8E}"/>
-              </a:ext>
-            </a:extLst>
-          </p:cNvPr>
-          <p:cNvSpPr/>
-          <p:nvPr/>
-        </p:nvSpPr>
-        <p:spPr>
-          <a:xfrm>
-            <a:off x="1499317" y="1509697"/>
-            <a:ext cx="2192785" cy="1743268"/>
-          </a:xfrm>
-          <a:prstGeom prst="arc">
-            <a:avLst>
-              <a:gd name="adj1" fmla="val 16328987"/>
-              <a:gd name="adj2" fmla="val 21441347"/>
-            </a:avLst>
-          </a:prstGeom>
-          <a:noFill/>
-          <a:ln w="38100">
-            <a:solidFill>
-              <a:srgbClr val="FF0000"/>
-            </a:solidFill>
-            <a:headEnd type="none" w="med" len="med"/>
-            <a:tailEnd type="triangle" w="med" len="med"/>
-          </a:ln>
-        </p:spPr>
-        <p:style>
-          <a:lnRef idx="1">
-            <a:schemeClr val="accent1"/>
-          </a:lnRef>
-          <a:fillRef idx="0">
-            <a:schemeClr val="accent1"/>
-          </a:fillRef>
-          <a:effectRef idx="0">
-            <a:schemeClr val="accent1"/>
-          </a:effectRef>
-          <a:fontRef idx="minor">
-            <a:schemeClr val="tx1"/>
-          </a:fontRef>
-        </p:style>
-        <p:txBody>
-          <a:bodyPr rtlCol="0" anchor="ctr"/>
-          <a:lstStyle/>
-          <a:p>
-            <a:pPr algn="ctr"/>
-            <a:endParaRPr lang="es-ES"/>
-          </a:p>
-        </p:txBody>
-      </p:sp>
-      <p:sp>
-        <p:nvSpPr>
-          <p:cNvPr id="5" name="CuadroTexto 4">
-            <a:extLst>
-              <a:ext uri="{FF2B5EF4-FFF2-40B4-BE49-F238E27FC236}">
-                <a16:creationId xmlns:a16="http://schemas.microsoft.com/office/drawing/2014/main" id="{1759DE4C-A082-48D5-9FAF-103D09A22282}"/>
-              </a:ext>
-            </a:extLst>
-          </p:cNvPr>
-          <p:cNvSpPr txBox="1"/>
-          <p:nvPr/>
-        </p:nvSpPr>
-        <p:spPr>
-          <a:xfrm>
-            <a:off x="2847950" y="779113"/>
-            <a:ext cx="2460161" cy="461665"/>
-          </a:xfrm>
-          <a:prstGeom prst="rect">
-            <a:avLst/>
-          </a:prstGeom>
-          <a:noFill/>
-        </p:spPr>
-        <p:txBody>
-          <a:bodyPr wrap="none" rtlCol="0">
-            <a:spAutoFit/>
-          </a:bodyPr>
-          <a:lstStyle/>
-          <a:p>
-            <a:r>
-              <a:rPr lang="ca-ES" sz="2400" b="1" dirty="0">
-                <a:solidFill>
-                  <a:srgbClr val="FF0000"/>
-                </a:solidFill>
-              </a:rPr>
-              <a:t>/pen_ orientation</a:t>
-            </a:r>
-            <a:endParaRPr lang="es-ES" sz="2400" b="1" dirty="0">
-              <a:solidFill>
-                <a:srgbClr val="FF0000"/>
-              </a:solidFill>
-            </a:endParaRPr>
-          </a:p>
-        </p:txBody>
-      </p:sp>
-      <p:sp>
-        <p:nvSpPr>
-          <p:cNvPr id="6" name="CuadroTexto 5">
-            <a:extLst>
-              <a:ext uri="{FF2B5EF4-FFF2-40B4-BE49-F238E27FC236}">
-                <a16:creationId xmlns:a16="http://schemas.microsoft.com/office/drawing/2014/main" id="{34E02DBB-0AAF-4E19-8537-717874847601}"/>
-              </a:ext>
-            </a:extLst>
-          </p:cNvPr>
-          <p:cNvSpPr txBox="1"/>
-          <p:nvPr/>
-        </p:nvSpPr>
-        <p:spPr>
-          <a:xfrm>
-            <a:off x="2763260" y="1193469"/>
-            <a:ext cx="2012089" cy="307777"/>
-          </a:xfrm>
-          <a:prstGeom prst="rect">
-            <a:avLst/>
-          </a:prstGeom>
-          <a:noFill/>
-        </p:spPr>
-        <p:txBody>
-          <a:bodyPr wrap="none" rtlCol="0">
-            <a:spAutoFit/>
-          </a:bodyPr>
-          <a:lstStyle/>
-          <a:p>
-            <a:r>
-              <a:rPr lang="es-ES" sz="1400" i="0" dirty="0">
-                <a:solidFill>
-                  <a:srgbClr val="333333"/>
-                </a:solidFill>
-                <a:effectLst/>
-                <a:latin typeface="Arial Narrow" panose="020B0606020202030204" pitchFamily="34" charset="0"/>
-              </a:rPr>
-              <a:t>std_msgs/Float32MultiArray</a:t>
-            </a:r>
-          </a:p>
-        </p:txBody>
-      </p:sp>
-      <p:sp>
-        <p:nvSpPr>
-          <p:cNvPr id="7" name="CuadroTexto 6">
-            <a:extLst>
-              <a:ext uri="{FF2B5EF4-FFF2-40B4-BE49-F238E27FC236}">
-                <a16:creationId xmlns:a16="http://schemas.microsoft.com/office/drawing/2014/main" id="{F91173A7-4C62-4CE0-B2D1-79776A8704EC}"/>
-              </a:ext>
-            </a:extLst>
-          </p:cNvPr>
-          <p:cNvSpPr txBox="1"/>
-          <p:nvPr/>
-        </p:nvSpPr>
-        <p:spPr>
-          <a:xfrm>
-            <a:off x="1407925" y="2254554"/>
-            <a:ext cx="1696298" cy="400110"/>
-          </a:xfrm>
-          <a:prstGeom prst="rect">
-            <a:avLst/>
-          </a:prstGeom>
-          <a:noFill/>
-        </p:spPr>
-        <p:txBody>
-          <a:bodyPr wrap="none" rtlCol="0">
-            <a:spAutoFit/>
-          </a:bodyPr>
-          <a:lstStyle/>
-          <a:p>
-            <a:r>
-              <a:rPr lang="ca-ES" sz="2000" b="1" dirty="0">
-                <a:solidFill>
-                  <a:srgbClr val="FF0000"/>
-                </a:solidFill>
-              </a:rPr>
-              <a:t>/pen_position</a:t>
-            </a:r>
-            <a:endParaRPr lang="es-ES" sz="2000" b="1" dirty="0">
-              <a:solidFill>
-                <a:srgbClr val="FF0000"/>
-              </a:solidFill>
-            </a:endParaRPr>
-          </a:p>
-        </p:txBody>
-      </p:sp>
-      <p:sp>
-        <p:nvSpPr>
-          <p:cNvPr id="8" name="CuadroTexto 7">
-            <a:extLst>
-              <a:ext uri="{FF2B5EF4-FFF2-40B4-BE49-F238E27FC236}">
-                <a16:creationId xmlns:a16="http://schemas.microsoft.com/office/drawing/2014/main" id="{8B393CB0-29F4-4CCA-B1B6-39A84961828C}"/>
-              </a:ext>
-            </a:extLst>
-          </p:cNvPr>
-          <p:cNvSpPr txBox="1"/>
-          <p:nvPr/>
-        </p:nvSpPr>
-        <p:spPr>
-          <a:xfrm>
-            <a:off x="1611983" y="2570667"/>
-            <a:ext cx="1151277" cy="307777"/>
-          </a:xfrm>
-          <a:prstGeom prst="rect">
-            <a:avLst/>
-          </a:prstGeom>
-          <a:noFill/>
-        </p:spPr>
-        <p:txBody>
-          <a:bodyPr wrap="none" rtlCol="0">
-            <a:spAutoFit/>
-          </a:bodyPr>
-          <a:lstStyle/>
-          <a:p>
-            <a:r>
-              <a:rPr lang="es-ES" sz="1400" i="0" dirty="0">
-                <a:solidFill>
-                  <a:srgbClr val="333333"/>
-                </a:solidFill>
-                <a:effectLst/>
-                <a:latin typeface="Arial Narrow" panose="020B0606020202030204" pitchFamily="34" charset="0"/>
-              </a:rPr>
-              <a:t>std_msgs/Bool</a:t>
-            </a:r>
-          </a:p>
-        </p:txBody>
-      </p:sp>
-      <p:sp>
-        <p:nvSpPr>
-          <p:cNvPr id="9" name="Arco 8">
-            <a:extLst>
-              <a:ext uri="{FF2B5EF4-FFF2-40B4-BE49-F238E27FC236}">
-                <a16:creationId xmlns:a16="http://schemas.microsoft.com/office/drawing/2014/main" id="{EC69BDAB-87E6-4DFE-836E-67A50C82F606}"/>
-              </a:ext>
-            </a:extLst>
-          </p:cNvPr>
-          <p:cNvSpPr/>
-          <p:nvPr/>
-        </p:nvSpPr>
-        <p:spPr>
-          <a:xfrm>
-            <a:off x="1316327" y="1327207"/>
-            <a:ext cx="2192785" cy="1849786"/>
-          </a:xfrm>
-          <a:prstGeom prst="arc">
-            <a:avLst>
-              <a:gd name="adj1" fmla="val 4588707"/>
-              <a:gd name="adj2" fmla="val 10721593"/>
-            </a:avLst>
-          </a:prstGeom>
-          <a:noFill/>
-          <a:ln w="38100">
-            <a:solidFill>
-              <a:srgbClr val="FF0000"/>
-            </a:solidFill>
-            <a:headEnd type="triangle" w="med" len="med"/>
-            <a:tailEnd type="none" w="med" len="med"/>
-          </a:ln>
-        </p:spPr>
-        <p:style>
-          <a:lnRef idx="1">
-            <a:schemeClr val="accent1"/>
-          </a:lnRef>
-          <a:fillRef idx="0">
-            <a:schemeClr val="accent1"/>
-          </a:fillRef>
-          <a:effectRef idx="0">
-            <a:schemeClr val="accent1"/>
-          </a:effectRef>
-          <a:fontRef idx="minor">
-            <a:schemeClr val="tx1"/>
-          </a:fontRef>
-        </p:style>
-        <p:txBody>
-          <a:bodyPr rtlCol="0" anchor="ctr"/>
-          <a:lstStyle/>
-          <a:p>
-            <a:pPr algn="ctr"/>
-            <a:endParaRPr lang="es-ES"/>
-          </a:p>
-        </p:txBody>
-      </p:sp>
-      <p:sp>
-        <p:nvSpPr>
-          <p:cNvPr id="10" name="CuadroTexto 9">
-            <a:extLst>
-              <a:ext uri="{FF2B5EF4-FFF2-40B4-BE49-F238E27FC236}">
-                <a16:creationId xmlns:a16="http://schemas.microsoft.com/office/drawing/2014/main" id="{0F954DF0-49BD-4C90-BFC7-9A952FD634E0}"/>
-              </a:ext>
-            </a:extLst>
-          </p:cNvPr>
-          <p:cNvSpPr txBox="1"/>
-          <p:nvPr/>
-        </p:nvSpPr>
-        <p:spPr>
-          <a:xfrm>
-            <a:off x="728240" y="3594427"/>
-            <a:ext cx="1430200" cy="400110"/>
-          </a:xfrm>
-          <a:prstGeom prst="rect">
-            <a:avLst/>
-          </a:prstGeom>
-          <a:noFill/>
-        </p:spPr>
-        <p:txBody>
-          <a:bodyPr wrap="none" rtlCol="0">
-            <a:spAutoFit/>
-          </a:bodyPr>
-          <a:lstStyle/>
-          <a:p>
-            <a:r>
-              <a:rPr lang="ca-ES" sz="2000" b="1" dirty="0">
-                <a:solidFill>
-                  <a:srgbClr val="FF0000"/>
-                </a:solidFill>
-              </a:rPr>
-              <a:t>/pen_ open</a:t>
-            </a:r>
-            <a:endParaRPr lang="es-ES" sz="2000" b="1" dirty="0">
-              <a:solidFill>
-                <a:srgbClr val="FF0000"/>
-              </a:solidFill>
-            </a:endParaRPr>
-          </a:p>
-        </p:txBody>
-      </p:sp>
-      <p:sp>
-        <p:nvSpPr>
-          <p:cNvPr id="11" name="CuadroTexto 10">
-            <a:extLst>
-              <a:ext uri="{FF2B5EF4-FFF2-40B4-BE49-F238E27FC236}">
-                <a16:creationId xmlns:a16="http://schemas.microsoft.com/office/drawing/2014/main" id="{E10FDC63-473F-4A5D-BCBF-17BAD1F351CE}"/>
-              </a:ext>
-            </a:extLst>
-          </p:cNvPr>
-          <p:cNvSpPr txBox="1"/>
-          <p:nvPr/>
-        </p:nvSpPr>
-        <p:spPr>
-          <a:xfrm>
-            <a:off x="898071" y="3934586"/>
-            <a:ext cx="1151277" cy="307777"/>
-          </a:xfrm>
-          <a:prstGeom prst="rect">
-            <a:avLst/>
-          </a:prstGeom>
-          <a:noFill/>
-        </p:spPr>
-        <p:txBody>
-          <a:bodyPr wrap="none" rtlCol="0">
-            <a:spAutoFit/>
-          </a:bodyPr>
-          <a:lstStyle/>
-          <a:p>
-            <a:r>
-              <a:rPr lang="es-ES" sz="1400" i="0" dirty="0">
-                <a:solidFill>
-                  <a:srgbClr val="333333"/>
-                </a:solidFill>
-                <a:effectLst/>
-                <a:latin typeface="Arial Narrow" panose="020B0606020202030204" pitchFamily="34" charset="0"/>
-              </a:rPr>
-              <a:t>std_msgs/Bool</a:t>
-            </a:r>
-          </a:p>
-        </p:txBody>
-      </p:sp>
-      <p:sp>
-        <p:nvSpPr>
-          <p:cNvPr id="12" name="Arco 11">
-            <a:extLst>
-              <a:ext uri="{FF2B5EF4-FFF2-40B4-BE49-F238E27FC236}">
-                <a16:creationId xmlns:a16="http://schemas.microsoft.com/office/drawing/2014/main" id="{F5FFBDCA-E0FE-4686-8855-14B98D65EC2F}"/>
-              </a:ext>
-            </a:extLst>
-          </p:cNvPr>
-          <p:cNvSpPr/>
-          <p:nvPr/>
-        </p:nvSpPr>
-        <p:spPr>
-          <a:xfrm>
-            <a:off x="772920" y="1174804"/>
-            <a:ext cx="3710413" cy="2572209"/>
-          </a:xfrm>
-          <a:prstGeom prst="arc">
-            <a:avLst>
-              <a:gd name="adj1" fmla="val 4588707"/>
-              <a:gd name="adj2" fmla="val 11290737"/>
-            </a:avLst>
-          </a:prstGeom>
-          <a:noFill/>
-          <a:ln w="38100">
-            <a:solidFill>
-              <a:srgbClr val="FF0000"/>
-            </a:solidFill>
-            <a:headEnd type="triangle" w="med" len="med"/>
-            <a:tailEnd type="none" w="med" len="med"/>
-          </a:ln>
-        </p:spPr>
-        <p:style>
-          <a:lnRef idx="1">
-            <a:schemeClr val="accent1"/>
-          </a:lnRef>
-          <a:fillRef idx="0">
-            <a:schemeClr val="accent1"/>
-          </a:fillRef>
-          <a:effectRef idx="0">
-            <a:schemeClr val="accent1"/>
-          </a:effectRef>
-          <a:fontRef idx="minor">
-            <a:schemeClr val="tx1"/>
-          </a:fontRef>
-        </p:style>
-        <p:txBody>
-          <a:bodyPr rtlCol="0" anchor="ctr"/>
-          <a:lstStyle/>
-          <a:p>
-            <a:pPr algn="ctr"/>
-            <a:endParaRPr lang="es-ES"/>
-          </a:p>
-        </p:txBody>
-      </p:sp>
       <p:pic>
         <p:nvPicPr>
-          <p:cNvPr id="13" name="Imagen 12">
-            <a:extLst>
-              <a:ext uri="{FF2B5EF4-FFF2-40B4-BE49-F238E27FC236}">
-                <a16:creationId xmlns:a16="http://schemas.microsoft.com/office/drawing/2014/main" id="{8290C259-8BD6-4754-B849-FA2E21EA864F}"/>
+          <p:cNvPr id="2" name="Picture 1">
+            <a:extLst>
+              <a:ext uri="{FF2B5EF4-FFF2-40B4-BE49-F238E27FC236}">
+                <a16:creationId xmlns:a16="http://schemas.microsoft.com/office/drawing/2014/main" id="{D5C28000-9400-D594-1C16-C516F0A4E7B6}"/>
               </a:ext>
             </a:extLst>
           </p:cNvPr>
@@ -8046,8 +7531,37 @@
         </p:blipFill>
         <p:spPr>
           <a:xfrm>
-            <a:off x="489798" y="5069806"/>
-            <a:ext cx="1516617" cy="828073"/>
+            <a:off x="812800" y="618067"/>
+            <a:ext cx="4572000" cy="4572000"/>
+          </a:xfrm>
+          <a:prstGeom prst="rect">
+            <a:avLst/>
+          </a:prstGeom>
+        </p:spPr>
+      </p:pic>
+      <p:pic>
+        <p:nvPicPr>
+          <p:cNvPr id="3" name="Picture 2">
+            <a:extLst>
+              <a:ext uri="{FF2B5EF4-FFF2-40B4-BE49-F238E27FC236}">
+                <a16:creationId xmlns:a16="http://schemas.microsoft.com/office/drawing/2014/main" id="{BAE887E4-4F3A-65A2-6BB4-D797AD40644A}"/>
+              </a:ext>
+            </a:extLst>
+          </p:cNvPr>
+          <p:cNvPicPr>
+            <a:picLocks noChangeAspect="1"/>
+          </p:cNvPicPr>
+          <p:nvPr/>
+        </p:nvPicPr>
+        <p:blipFill rotWithShape="1">
+          <a:blip r:embed="rId2"/>
+          <a:srcRect l="11637" t="54557" r="7573" b="2977"/>
+          <a:stretch/>
+        </p:blipFill>
+        <p:spPr>
+          <a:xfrm>
+            <a:off x="7339263" y="3248526"/>
+            <a:ext cx="3693696" cy="1941541"/>
           </a:xfrm>
           <a:prstGeom prst="rect">
             <a:avLst/>
@@ -8057,7 +7571,7 @@
     </p:spTree>
     <p:extLst>
       <p:ext uri="{BB962C8B-B14F-4D97-AF65-F5344CB8AC3E}">
-        <p14:creationId xmlns:p14="http://schemas.microsoft.com/office/powerpoint/2010/main" val="4034178708"/>
+        <p14:creationId xmlns:p14="http://schemas.microsoft.com/office/powerpoint/2010/main" val="2816021084"/>
       </p:ext>
     </p:extLst>
   </p:cSld>
@@ -8084,12 +7598,1009 @@
           <a:chExt cx="0" cy="0"/>
         </a:xfrm>
       </p:grpSpPr>
+      <p:cxnSp>
+        <p:nvCxnSpPr>
+          <p:cNvPr id="7" name="Conector recto de flecha 6">
+            <a:extLst>
+              <a:ext uri="{FF2B5EF4-FFF2-40B4-BE49-F238E27FC236}">
+                <a16:creationId xmlns:a16="http://schemas.microsoft.com/office/drawing/2014/main" id="{5DA8BA08-98F3-4B12-AB35-10F82E63D7D0}"/>
+              </a:ext>
+            </a:extLst>
+          </p:cNvPr>
+          <p:cNvCxnSpPr>
+            <a:cxnSpLocks/>
+          </p:cNvCxnSpPr>
+          <p:nvPr/>
+        </p:nvCxnSpPr>
+        <p:spPr>
+          <a:xfrm>
+            <a:off x="4619023" y="4301120"/>
+            <a:ext cx="2341309" cy="1"/>
+          </a:xfrm>
+          <a:prstGeom prst="straightConnector1">
+            <a:avLst/>
+          </a:prstGeom>
+          <a:ln w="57150">
+            <a:solidFill>
+              <a:srgbClr val="FF0000"/>
+            </a:solidFill>
+            <a:tailEnd type="triangle"/>
+          </a:ln>
+        </p:spPr>
+        <p:style>
+          <a:lnRef idx="1">
+            <a:schemeClr val="accent1"/>
+          </a:lnRef>
+          <a:fillRef idx="0">
+            <a:schemeClr val="accent1"/>
+          </a:fillRef>
+          <a:effectRef idx="0">
+            <a:schemeClr val="accent1"/>
+          </a:effectRef>
+          <a:fontRef idx="minor">
+            <a:schemeClr val="tx1"/>
+          </a:fontRef>
+        </p:style>
+      </p:cxnSp>
+      <p:sp>
+        <p:nvSpPr>
+          <p:cNvPr id="8" name="Elipse 7">
+            <a:extLst>
+              <a:ext uri="{FF2B5EF4-FFF2-40B4-BE49-F238E27FC236}">
+                <a16:creationId xmlns:a16="http://schemas.microsoft.com/office/drawing/2014/main" id="{99244EB1-158A-4D55-98F4-172650970AF5}"/>
+              </a:ext>
+            </a:extLst>
+          </p:cNvPr>
+          <p:cNvSpPr/>
+          <p:nvPr/>
+        </p:nvSpPr>
+        <p:spPr>
+          <a:xfrm>
+            <a:off x="6960332" y="3396246"/>
+            <a:ext cx="3200400" cy="1809750"/>
+          </a:xfrm>
+          <a:prstGeom prst="ellipse">
+            <a:avLst/>
+          </a:prstGeom>
+          <a:noFill/>
+          <a:ln w="38100"/>
+        </p:spPr>
+        <p:style>
+          <a:lnRef idx="2">
+            <a:schemeClr val="accent1">
+              <a:shade val="50000"/>
+            </a:schemeClr>
+          </a:lnRef>
+          <a:fillRef idx="1">
+            <a:schemeClr val="accent1"/>
+          </a:fillRef>
+          <a:effectRef idx="0">
+            <a:schemeClr val="accent1"/>
+          </a:effectRef>
+          <a:fontRef idx="minor">
+            <a:schemeClr val="lt1"/>
+          </a:fontRef>
+        </p:style>
+        <p:txBody>
+          <a:bodyPr rtlCol="0" anchor="ctr"/>
+          <a:lstStyle/>
+          <a:p>
+            <a:pPr algn="ctr"/>
+            <a:endParaRPr lang="es-ES" dirty="0"/>
+          </a:p>
+        </p:txBody>
+      </p:sp>
+      <p:sp>
+        <p:nvSpPr>
+          <p:cNvPr id="10" name="CuadroTexto 9">
+            <a:extLst>
+              <a:ext uri="{FF2B5EF4-FFF2-40B4-BE49-F238E27FC236}">
+                <a16:creationId xmlns:a16="http://schemas.microsoft.com/office/drawing/2014/main" id="{259A914E-1F70-4883-A69A-B870D4892089}"/>
+              </a:ext>
+            </a:extLst>
+          </p:cNvPr>
+          <p:cNvSpPr txBox="1"/>
+          <p:nvPr/>
+        </p:nvSpPr>
+        <p:spPr>
+          <a:xfrm>
+            <a:off x="4987170" y="5529765"/>
+            <a:ext cx="1056379" cy="461665"/>
+          </a:xfrm>
+          <a:prstGeom prst="rect">
+            <a:avLst/>
+          </a:prstGeom>
+          <a:noFill/>
+        </p:spPr>
+        <p:txBody>
+          <a:bodyPr wrap="none" rtlCol="0">
+            <a:spAutoFit/>
+          </a:bodyPr>
+          <a:lstStyle/>
+          <a:p>
+            <a:r>
+              <a:rPr lang="ca-ES" sz="2400" b="1" dirty="0">
+                <a:solidFill>
+                  <a:srgbClr val="FF0000"/>
+                </a:solidFill>
+              </a:rPr>
+              <a:t>/odom</a:t>
+            </a:r>
+            <a:endParaRPr lang="es-ES" sz="2400" b="1" dirty="0">
+              <a:solidFill>
+                <a:srgbClr val="FF0000"/>
+              </a:solidFill>
+            </a:endParaRPr>
+          </a:p>
+        </p:txBody>
+      </p:sp>
+      <p:sp>
+        <p:nvSpPr>
+          <p:cNvPr id="14" name="CuadroTexto 13">
+            <a:extLst>
+              <a:ext uri="{FF2B5EF4-FFF2-40B4-BE49-F238E27FC236}">
+                <a16:creationId xmlns:a16="http://schemas.microsoft.com/office/drawing/2014/main" id="{9161A82D-A686-4891-97C0-0F9A0D104E76}"/>
+              </a:ext>
+            </a:extLst>
+          </p:cNvPr>
+          <p:cNvSpPr txBox="1"/>
+          <p:nvPr/>
+        </p:nvSpPr>
+        <p:spPr>
+          <a:xfrm>
+            <a:off x="4734846" y="6472207"/>
+            <a:ext cx="2373278" cy="400110"/>
+          </a:xfrm>
+          <a:prstGeom prst="rect">
+            <a:avLst/>
+          </a:prstGeom>
+          <a:noFill/>
+        </p:spPr>
+        <p:txBody>
+          <a:bodyPr wrap="none" rtlCol="0">
+            <a:spAutoFit/>
+          </a:bodyPr>
+          <a:lstStyle/>
+          <a:p>
+            <a:r>
+              <a:rPr lang="ca-ES" sz="2000" dirty="0"/>
+              <a:t>nav_msgs/Odometry</a:t>
+            </a:r>
+            <a:endParaRPr lang="es-ES" sz="2000" dirty="0"/>
+          </a:p>
+        </p:txBody>
+      </p:sp>
+      <p:sp>
+        <p:nvSpPr>
+          <p:cNvPr id="23" name="Elipse 22">
+            <a:extLst>
+              <a:ext uri="{FF2B5EF4-FFF2-40B4-BE49-F238E27FC236}">
+                <a16:creationId xmlns:a16="http://schemas.microsoft.com/office/drawing/2014/main" id="{617D49E2-3C3E-4EBD-B410-AE440494B041}"/>
+              </a:ext>
+            </a:extLst>
+          </p:cNvPr>
+          <p:cNvSpPr/>
+          <p:nvPr/>
+        </p:nvSpPr>
+        <p:spPr>
+          <a:xfrm>
+            <a:off x="1368308" y="3375609"/>
+            <a:ext cx="3200400" cy="1809750"/>
+          </a:xfrm>
+          <a:prstGeom prst="ellipse">
+            <a:avLst/>
+          </a:prstGeom>
+          <a:noFill/>
+          <a:ln w="38100"/>
+        </p:spPr>
+        <p:style>
+          <a:lnRef idx="2">
+            <a:schemeClr val="accent1">
+              <a:shade val="50000"/>
+            </a:schemeClr>
+          </a:lnRef>
+          <a:fillRef idx="1">
+            <a:schemeClr val="accent1"/>
+          </a:fillRef>
+          <a:effectRef idx="0">
+            <a:schemeClr val="accent1"/>
+          </a:effectRef>
+          <a:fontRef idx="minor">
+            <a:schemeClr val="lt1"/>
+          </a:fontRef>
+        </p:style>
+        <p:txBody>
+          <a:bodyPr rtlCol="0" anchor="ctr"/>
+          <a:lstStyle/>
+          <a:p>
+            <a:pPr algn="ctr"/>
+            <a:endParaRPr lang="es-ES" dirty="0"/>
+          </a:p>
+        </p:txBody>
+      </p:sp>
+      <p:sp>
+        <p:nvSpPr>
+          <p:cNvPr id="24" name="CuadroTexto 23">
+            <a:extLst>
+              <a:ext uri="{FF2B5EF4-FFF2-40B4-BE49-F238E27FC236}">
+                <a16:creationId xmlns:a16="http://schemas.microsoft.com/office/drawing/2014/main" id="{0D51F148-C3ED-488F-891C-0612BB15BE7C}"/>
+              </a:ext>
+            </a:extLst>
+          </p:cNvPr>
+          <p:cNvSpPr txBox="1"/>
+          <p:nvPr/>
+        </p:nvSpPr>
+        <p:spPr>
+          <a:xfrm>
+            <a:off x="1932594" y="2703015"/>
+            <a:ext cx="987771" cy="523220"/>
+          </a:xfrm>
+          <a:prstGeom prst="rect">
+            <a:avLst/>
+          </a:prstGeom>
+          <a:noFill/>
+        </p:spPr>
+        <p:txBody>
+          <a:bodyPr wrap="none" rtlCol="0">
+            <a:spAutoFit/>
+          </a:bodyPr>
+          <a:lstStyle/>
+          <a:p>
+            <a:r>
+              <a:rPr lang="ca-ES" sz="2800" b="1" dirty="0"/>
+              <a:t>Node</a:t>
+            </a:r>
+            <a:endParaRPr lang="es-ES" sz="2800" b="1" dirty="0"/>
+          </a:p>
+        </p:txBody>
+      </p:sp>
+      <p:sp>
+        <p:nvSpPr>
+          <p:cNvPr id="25" name="CuadroTexto 24">
+            <a:extLst>
+              <a:ext uri="{FF2B5EF4-FFF2-40B4-BE49-F238E27FC236}">
+                <a16:creationId xmlns:a16="http://schemas.microsoft.com/office/drawing/2014/main" id="{C2A1462F-3A2F-49F3-91FD-8F6DAE4CBF17}"/>
+              </a:ext>
+            </a:extLst>
+          </p:cNvPr>
+          <p:cNvSpPr txBox="1"/>
+          <p:nvPr/>
+        </p:nvSpPr>
+        <p:spPr>
+          <a:xfrm>
+            <a:off x="1831991" y="4001525"/>
+            <a:ext cx="1934889" cy="523220"/>
+          </a:xfrm>
+          <a:prstGeom prst="rect">
+            <a:avLst/>
+          </a:prstGeom>
+          <a:noFill/>
+        </p:spPr>
+        <p:txBody>
+          <a:bodyPr wrap="none" rtlCol="0">
+            <a:spAutoFit/>
+          </a:bodyPr>
+          <a:lstStyle/>
+          <a:p>
+            <a:r>
+              <a:rPr lang="ca-ES" sz="2800" b="1" dirty="0">
+                <a:solidFill>
+                  <a:schemeClr val="accent1">
+                    <a:lumMod val="50000"/>
+                  </a:schemeClr>
+                </a:solidFill>
+              </a:rPr>
+              <a:t>/rUBot_nav</a:t>
+            </a:r>
+            <a:endParaRPr lang="es-ES" sz="2800" b="1" dirty="0">
+              <a:solidFill>
+                <a:schemeClr val="accent1">
+                  <a:lumMod val="50000"/>
+                </a:schemeClr>
+              </a:solidFill>
+            </a:endParaRPr>
+          </a:p>
+        </p:txBody>
+      </p:sp>
+      <p:sp>
+        <p:nvSpPr>
+          <p:cNvPr id="9" name="Arco 8">
+            <a:extLst>
+              <a:ext uri="{FF2B5EF4-FFF2-40B4-BE49-F238E27FC236}">
+                <a16:creationId xmlns:a16="http://schemas.microsoft.com/office/drawing/2014/main" id="{4EF9ABCA-B3F2-4552-B45F-5E1D4718C8CD}"/>
+              </a:ext>
+            </a:extLst>
+          </p:cNvPr>
+          <p:cNvSpPr/>
+          <p:nvPr/>
+        </p:nvSpPr>
+        <p:spPr>
+          <a:xfrm>
+            <a:off x="3320177" y="4051176"/>
+            <a:ext cx="4905829" cy="2250421"/>
+          </a:xfrm>
+          <a:prstGeom prst="arc">
+            <a:avLst>
+              <a:gd name="adj1" fmla="val 21571653"/>
+              <a:gd name="adj2" fmla="val 10781742"/>
+            </a:avLst>
+          </a:prstGeom>
+          <a:noFill/>
+          <a:ln w="57150">
+            <a:solidFill>
+              <a:srgbClr val="FF0000"/>
+            </a:solidFill>
+            <a:headEnd type="none" w="med" len="med"/>
+            <a:tailEnd type="triangle" w="med" len="med"/>
+          </a:ln>
+        </p:spPr>
+        <p:style>
+          <a:lnRef idx="1">
+            <a:schemeClr val="accent1"/>
+          </a:lnRef>
+          <a:fillRef idx="0">
+            <a:schemeClr val="accent1"/>
+          </a:fillRef>
+          <a:effectRef idx="0">
+            <a:schemeClr val="accent1"/>
+          </a:effectRef>
+          <a:fontRef idx="minor">
+            <a:schemeClr val="tx1"/>
+          </a:fontRef>
+        </p:style>
+        <p:txBody>
+          <a:bodyPr rtlCol="0" anchor="ctr"/>
+          <a:lstStyle/>
+          <a:p>
+            <a:pPr algn="ctr"/>
+            <a:endParaRPr lang="es-ES"/>
+          </a:p>
+        </p:txBody>
+      </p:sp>
+      <p:sp>
+        <p:nvSpPr>
+          <p:cNvPr id="26" name="CuadroTexto 25">
+            <a:extLst>
+              <a:ext uri="{FF2B5EF4-FFF2-40B4-BE49-F238E27FC236}">
+                <a16:creationId xmlns:a16="http://schemas.microsoft.com/office/drawing/2014/main" id="{C6402B58-9AE2-459C-9825-2A767E75ED13}"/>
+              </a:ext>
+            </a:extLst>
+          </p:cNvPr>
+          <p:cNvSpPr txBox="1"/>
+          <p:nvPr/>
+        </p:nvSpPr>
+        <p:spPr>
+          <a:xfrm>
+            <a:off x="5099008" y="3639254"/>
+            <a:ext cx="1381340" cy="461665"/>
+          </a:xfrm>
+          <a:prstGeom prst="rect">
+            <a:avLst/>
+          </a:prstGeom>
+          <a:noFill/>
+        </p:spPr>
+        <p:txBody>
+          <a:bodyPr wrap="none" rtlCol="0">
+            <a:spAutoFit/>
+          </a:bodyPr>
+          <a:lstStyle/>
+          <a:p>
+            <a:r>
+              <a:rPr lang="ca-ES" sz="2400" b="1" dirty="0">
+                <a:solidFill>
+                  <a:srgbClr val="FF0000"/>
+                </a:solidFill>
+              </a:rPr>
+              <a:t>/cmd_vel</a:t>
+            </a:r>
+            <a:endParaRPr lang="es-ES" sz="2400" b="1" dirty="0">
+              <a:solidFill>
+                <a:srgbClr val="FF0000"/>
+              </a:solidFill>
+            </a:endParaRPr>
+          </a:p>
+        </p:txBody>
+      </p:sp>
+      <p:sp>
+        <p:nvSpPr>
+          <p:cNvPr id="27" name="CuadroTexto 26">
+            <a:extLst>
+              <a:ext uri="{FF2B5EF4-FFF2-40B4-BE49-F238E27FC236}">
+                <a16:creationId xmlns:a16="http://schemas.microsoft.com/office/drawing/2014/main" id="{CDF0E9AF-3744-422D-ADA7-52A62D6E81DF}"/>
+              </a:ext>
+            </a:extLst>
+          </p:cNvPr>
+          <p:cNvSpPr txBox="1"/>
+          <p:nvPr/>
+        </p:nvSpPr>
+        <p:spPr>
+          <a:xfrm>
+            <a:off x="4532542" y="4545370"/>
+            <a:ext cx="2310441" cy="369332"/>
+          </a:xfrm>
+          <a:prstGeom prst="rect">
+            <a:avLst/>
+          </a:prstGeom>
+          <a:noFill/>
+        </p:spPr>
+        <p:txBody>
+          <a:bodyPr wrap="none" rtlCol="0">
+            <a:spAutoFit/>
+          </a:bodyPr>
+          <a:lstStyle/>
+          <a:p>
+            <a:r>
+              <a:rPr lang="ca-ES" dirty="0"/>
+              <a:t>geometry_msgs/Twist</a:t>
+            </a:r>
+            <a:endParaRPr lang="es-ES" dirty="0"/>
+          </a:p>
+        </p:txBody>
+      </p:sp>
+      <p:sp>
+        <p:nvSpPr>
+          <p:cNvPr id="15" name="CuadroTexto 14">
+            <a:extLst>
+              <a:ext uri="{FF2B5EF4-FFF2-40B4-BE49-F238E27FC236}">
+                <a16:creationId xmlns:a16="http://schemas.microsoft.com/office/drawing/2014/main" id="{43AC39FF-DED9-4062-8E76-BF580CA6E0A5}"/>
+              </a:ext>
+            </a:extLst>
+          </p:cNvPr>
+          <p:cNvSpPr txBox="1"/>
+          <p:nvPr/>
+        </p:nvSpPr>
+        <p:spPr>
+          <a:xfrm>
+            <a:off x="7678822" y="3987114"/>
+            <a:ext cx="2073003" cy="523220"/>
+          </a:xfrm>
+          <a:prstGeom prst="rect">
+            <a:avLst/>
+          </a:prstGeom>
+          <a:noFill/>
+        </p:spPr>
+        <p:txBody>
+          <a:bodyPr wrap="none" rtlCol="0">
+            <a:spAutoFit/>
+          </a:bodyPr>
+          <a:lstStyle/>
+          <a:p>
+            <a:r>
+              <a:rPr lang="ca-ES" sz="2800" b="1" dirty="0">
+                <a:solidFill>
+                  <a:schemeClr val="accent1">
+                    <a:lumMod val="50000"/>
+                  </a:schemeClr>
+                </a:solidFill>
+              </a:rPr>
+              <a:t>/serial_node</a:t>
+            </a:r>
+            <a:endParaRPr lang="es-ES" sz="2800" b="1" dirty="0">
+              <a:solidFill>
+                <a:schemeClr val="accent1">
+                  <a:lumMod val="50000"/>
+                </a:schemeClr>
+              </a:solidFill>
+            </a:endParaRPr>
+          </a:p>
+        </p:txBody>
+      </p:sp>
+      <p:sp>
+        <p:nvSpPr>
+          <p:cNvPr id="17" name="CuadroTexto 16">
+            <a:extLst>
+              <a:ext uri="{FF2B5EF4-FFF2-40B4-BE49-F238E27FC236}">
+                <a16:creationId xmlns:a16="http://schemas.microsoft.com/office/drawing/2014/main" id="{0A5652C3-853E-4BBE-98E5-DF7984664825}"/>
+              </a:ext>
+            </a:extLst>
+          </p:cNvPr>
+          <p:cNvSpPr txBox="1"/>
+          <p:nvPr/>
+        </p:nvSpPr>
+        <p:spPr>
+          <a:xfrm>
+            <a:off x="4966424" y="1712132"/>
+            <a:ext cx="876715" cy="461665"/>
+          </a:xfrm>
+          <a:prstGeom prst="rect">
+            <a:avLst/>
+          </a:prstGeom>
+          <a:noFill/>
+        </p:spPr>
+        <p:txBody>
+          <a:bodyPr wrap="none" rtlCol="0">
+            <a:spAutoFit/>
+          </a:bodyPr>
+          <a:lstStyle/>
+          <a:p>
+            <a:r>
+              <a:rPr lang="ca-ES" sz="2400" b="1" dirty="0">
+                <a:solidFill>
+                  <a:srgbClr val="FF0000"/>
+                </a:solidFill>
+              </a:rPr>
+              <a:t>/scan</a:t>
+            </a:r>
+            <a:endParaRPr lang="es-ES" sz="2400" b="1" dirty="0">
+              <a:solidFill>
+                <a:srgbClr val="FF0000"/>
+              </a:solidFill>
+            </a:endParaRPr>
+          </a:p>
+        </p:txBody>
+      </p:sp>
+      <p:sp>
+        <p:nvSpPr>
+          <p:cNvPr id="18" name="CuadroTexto 17">
+            <a:extLst>
+              <a:ext uri="{FF2B5EF4-FFF2-40B4-BE49-F238E27FC236}">
+                <a16:creationId xmlns:a16="http://schemas.microsoft.com/office/drawing/2014/main" id="{5526D06D-79C5-4147-AA0E-5077FCD686B4}"/>
+              </a:ext>
+            </a:extLst>
+          </p:cNvPr>
+          <p:cNvSpPr txBox="1"/>
+          <p:nvPr/>
+        </p:nvSpPr>
+        <p:spPr>
+          <a:xfrm>
+            <a:off x="4027856" y="2564515"/>
+            <a:ext cx="2726516" cy="400110"/>
+          </a:xfrm>
+          <a:prstGeom prst="rect">
+            <a:avLst/>
+          </a:prstGeom>
+          <a:noFill/>
+        </p:spPr>
+        <p:txBody>
+          <a:bodyPr wrap="none" rtlCol="0">
+            <a:spAutoFit/>
+          </a:bodyPr>
+          <a:lstStyle/>
+          <a:p>
+            <a:r>
+              <a:rPr lang="ca-ES" sz="2000" dirty="0"/>
+              <a:t>sensor_msgs/LaserScan</a:t>
+            </a:r>
+            <a:endParaRPr lang="es-ES" sz="2000" dirty="0"/>
+          </a:p>
+        </p:txBody>
+      </p:sp>
+      <p:sp>
+        <p:nvSpPr>
+          <p:cNvPr id="19" name="Arco 18">
+            <a:extLst>
+              <a:ext uri="{FF2B5EF4-FFF2-40B4-BE49-F238E27FC236}">
+                <a16:creationId xmlns:a16="http://schemas.microsoft.com/office/drawing/2014/main" id="{4C67B744-A8C6-46AF-A306-09BCD63B4C2E}"/>
+              </a:ext>
+            </a:extLst>
+          </p:cNvPr>
+          <p:cNvSpPr/>
+          <p:nvPr/>
+        </p:nvSpPr>
+        <p:spPr>
+          <a:xfrm flipV="1">
+            <a:off x="3390225" y="2280748"/>
+            <a:ext cx="4905829" cy="2250421"/>
+          </a:xfrm>
+          <a:prstGeom prst="arc">
+            <a:avLst>
+              <a:gd name="adj1" fmla="val 3083598"/>
+              <a:gd name="adj2" fmla="val 10781742"/>
+            </a:avLst>
+          </a:prstGeom>
+          <a:noFill/>
+          <a:ln w="57150">
+            <a:solidFill>
+              <a:srgbClr val="FF0000"/>
+            </a:solidFill>
+            <a:headEnd type="none" w="med" len="med"/>
+            <a:tailEnd type="triangle" w="med" len="med"/>
+          </a:ln>
+        </p:spPr>
+        <p:style>
+          <a:lnRef idx="1">
+            <a:schemeClr val="accent1"/>
+          </a:lnRef>
+          <a:fillRef idx="0">
+            <a:schemeClr val="accent1"/>
+          </a:fillRef>
+          <a:effectRef idx="0">
+            <a:schemeClr val="accent1"/>
+          </a:effectRef>
+          <a:fontRef idx="minor">
+            <a:schemeClr val="tx1"/>
+          </a:fontRef>
+        </p:style>
+        <p:txBody>
+          <a:bodyPr rtlCol="0" anchor="ctr"/>
+          <a:lstStyle/>
+          <a:p>
+            <a:pPr algn="ctr"/>
+            <a:endParaRPr lang="es-ES"/>
+          </a:p>
+        </p:txBody>
+      </p:sp>
+      <p:sp>
+        <p:nvSpPr>
+          <p:cNvPr id="20" name="Elipse 19">
+            <a:extLst>
+              <a:ext uri="{FF2B5EF4-FFF2-40B4-BE49-F238E27FC236}">
+                <a16:creationId xmlns:a16="http://schemas.microsoft.com/office/drawing/2014/main" id="{DCE4CD81-C09A-4AEC-89F4-237A3D68F86D}"/>
+              </a:ext>
+            </a:extLst>
+          </p:cNvPr>
+          <p:cNvSpPr/>
+          <p:nvPr/>
+        </p:nvSpPr>
+        <p:spPr>
+          <a:xfrm>
+            <a:off x="6668216" y="1761912"/>
+            <a:ext cx="2291079" cy="1430905"/>
+          </a:xfrm>
+          <a:prstGeom prst="ellipse">
+            <a:avLst/>
+          </a:prstGeom>
+          <a:noFill/>
+          <a:ln w="38100"/>
+        </p:spPr>
+        <p:style>
+          <a:lnRef idx="2">
+            <a:schemeClr val="accent1">
+              <a:shade val="50000"/>
+            </a:schemeClr>
+          </a:lnRef>
+          <a:fillRef idx="1">
+            <a:schemeClr val="accent1"/>
+          </a:fillRef>
+          <a:effectRef idx="0">
+            <a:schemeClr val="accent1"/>
+          </a:effectRef>
+          <a:fontRef idx="minor">
+            <a:schemeClr val="lt1"/>
+          </a:fontRef>
+        </p:style>
+        <p:txBody>
+          <a:bodyPr rtlCol="0" anchor="ctr"/>
+          <a:lstStyle/>
+          <a:p>
+            <a:pPr algn="ctr"/>
+            <a:endParaRPr lang="es-ES" dirty="0"/>
+          </a:p>
+        </p:txBody>
+      </p:sp>
+      <p:sp>
+        <p:nvSpPr>
+          <p:cNvPr id="2" name="CuadroTexto 1">
+            <a:extLst>
+              <a:ext uri="{FF2B5EF4-FFF2-40B4-BE49-F238E27FC236}">
+                <a16:creationId xmlns:a16="http://schemas.microsoft.com/office/drawing/2014/main" id="{AB3A1AF0-3ED5-442C-8DF2-A8AD170DB81F}"/>
+              </a:ext>
+            </a:extLst>
+          </p:cNvPr>
+          <p:cNvSpPr txBox="1"/>
+          <p:nvPr/>
+        </p:nvSpPr>
+        <p:spPr>
+          <a:xfrm>
+            <a:off x="6893317" y="2172683"/>
+            <a:ext cx="1856598" cy="461665"/>
+          </a:xfrm>
+          <a:prstGeom prst="rect">
+            <a:avLst/>
+          </a:prstGeom>
+          <a:noFill/>
+        </p:spPr>
+        <p:txBody>
+          <a:bodyPr wrap="none" rtlCol="0">
+            <a:spAutoFit/>
+          </a:bodyPr>
+          <a:lstStyle/>
+          <a:p>
+            <a:r>
+              <a:rPr lang="ca-ES" sz="2400" b="1" dirty="0"/>
+              <a:t>/rplidarNode</a:t>
+            </a:r>
+            <a:endParaRPr lang="es-ES" sz="2400" b="1" dirty="0"/>
+          </a:p>
+        </p:txBody>
+      </p:sp>
+      <p:sp>
+        <p:nvSpPr>
+          <p:cNvPr id="21" name="CuadroTexto 20">
+            <a:extLst>
+              <a:ext uri="{FF2B5EF4-FFF2-40B4-BE49-F238E27FC236}">
+                <a16:creationId xmlns:a16="http://schemas.microsoft.com/office/drawing/2014/main" id="{C5051B2E-AB43-47B5-A1F6-3DA219C8F200}"/>
+              </a:ext>
+            </a:extLst>
+          </p:cNvPr>
+          <p:cNvSpPr txBox="1"/>
+          <p:nvPr/>
+        </p:nvSpPr>
+        <p:spPr>
+          <a:xfrm>
+            <a:off x="9121130" y="2203696"/>
+            <a:ext cx="987771" cy="523220"/>
+          </a:xfrm>
+          <a:prstGeom prst="rect">
+            <a:avLst/>
+          </a:prstGeom>
+          <a:noFill/>
+        </p:spPr>
+        <p:txBody>
+          <a:bodyPr wrap="none" rtlCol="0">
+            <a:spAutoFit/>
+          </a:bodyPr>
+          <a:lstStyle/>
+          <a:p>
+            <a:r>
+              <a:rPr lang="ca-ES" sz="2800" b="1" dirty="0"/>
+              <a:t>Node</a:t>
+            </a:r>
+            <a:endParaRPr lang="es-ES" sz="2800" b="1" dirty="0"/>
+          </a:p>
+        </p:txBody>
+      </p:sp>
+      <p:sp>
+        <p:nvSpPr>
+          <p:cNvPr id="22" name="Elipse 21">
+            <a:extLst>
+              <a:ext uri="{FF2B5EF4-FFF2-40B4-BE49-F238E27FC236}">
+                <a16:creationId xmlns:a16="http://schemas.microsoft.com/office/drawing/2014/main" id="{287632C9-86C9-4E3B-B8AF-6B50E08FB857}"/>
+              </a:ext>
+            </a:extLst>
+          </p:cNvPr>
+          <p:cNvSpPr/>
+          <p:nvPr/>
+        </p:nvSpPr>
+        <p:spPr>
+          <a:xfrm>
+            <a:off x="6700955" y="92973"/>
+            <a:ext cx="2291079" cy="1430905"/>
+          </a:xfrm>
+          <a:prstGeom prst="ellipse">
+            <a:avLst/>
+          </a:prstGeom>
+          <a:noFill/>
+          <a:ln w="38100"/>
+        </p:spPr>
+        <p:style>
+          <a:lnRef idx="2">
+            <a:schemeClr val="accent1">
+              <a:shade val="50000"/>
+            </a:schemeClr>
+          </a:lnRef>
+          <a:fillRef idx="1">
+            <a:schemeClr val="accent1"/>
+          </a:fillRef>
+          <a:effectRef idx="0">
+            <a:schemeClr val="accent1"/>
+          </a:effectRef>
+          <a:fontRef idx="minor">
+            <a:schemeClr val="lt1"/>
+          </a:fontRef>
+        </p:style>
+        <p:txBody>
+          <a:bodyPr rtlCol="0" anchor="ctr"/>
+          <a:lstStyle/>
+          <a:p>
+            <a:pPr algn="ctr"/>
+            <a:endParaRPr lang="es-ES" dirty="0"/>
+          </a:p>
+        </p:txBody>
+      </p:sp>
+      <p:sp>
+        <p:nvSpPr>
+          <p:cNvPr id="28" name="CuadroTexto 27">
+            <a:extLst>
+              <a:ext uri="{FF2B5EF4-FFF2-40B4-BE49-F238E27FC236}">
+                <a16:creationId xmlns:a16="http://schemas.microsoft.com/office/drawing/2014/main" id="{C7B3A669-0D52-43CF-BFD3-9E36671C979A}"/>
+              </a:ext>
+            </a:extLst>
+          </p:cNvPr>
+          <p:cNvSpPr txBox="1"/>
+          <p:nvPr/>
+        </p:nvSpPr>
+        <p:spPr>
+          <a:xfrm>
+            <a:off x="7131662" y="494379"/>
+            <a:ext cx="1454052" cy="461665"/>
+          </a:xfrm>
+          <a:prstGeom prst="rect">
+            <a:avLst/>
+          </a:prstGeom>
+          <a:noFill/>
+        </p:spPr>
+        <p:txBody>
+          <a:bodyPr wrap="none" rtlCol="0">
+            <a:spAutoFit/>
+          </a:bodyPr>
+          <a:lstStyle/>
+          <a:p>
+            <a:r>
+              <a:rPr lang="ca-ES" sz="2400" b="1" dirty="0"/>
+              <a:t>/usb_cam</a:t>
+            </a:r>
+            <a:endParaRPr lang="es-ES" sz="2400" b="1" dirty="0"/>
+          </a:p>
+        </p:txBody>
+      </p:sp>
+      <p:sp>
+        <p:nvSpPr>
+          <p:cNvPr id="29" name="CuadroTexto 28">
+            <a:extLst>
+              <a:ext uri="{FF2B5EF4-FFF2-40B4-BE49-F238E27FC236}">
+                <a16:creationId xmlns:a16="http://schemas.microsoft.com/office/drawing/2014/main" id="{446F2EA0-6672-48AA-AB7C-46254754C3AC}"/>
+              </a:ext>
+            </a:extLst>
+          </p:cNvPr>
+          <p:cNvSpPr txBox="1"/>
+          <p:nvPr/>
+        </p:nvSpPr>
+        <p:spPr>
+          <a:xfrm>
+            <a:off x="9172961" y="578776"/>
+            <a:ext cx="987771" cy="523220"/>
+          </a:xfrm>
+          <a:prstGeom prst="rect">
+            <a:avLst/>
+          </a:prstGeom>
+          <a:noFill/>
+        </p:spPr>
+        <p:txBody>
+          <a:bodyPr wrap="none" rtlCol="0">
+            <a:spAutoFit/>
+          </a:bodyPr>
+          <a:lstStyle/>
+          <a:p>
+            <a:r>
+              <a:rPr lang="ca-ES" sz="2800" b="1" dirty="0"/>
+              <a:t>Node</a:t>
+            </a:r>
+            <a:endParaRPr lang="es-ES" sz="2800" b="1" dirty="0"/>
+          </a:p>
+        </p:txBody>
+      </p:sp>
+      <p:sp>
+        <p:nvSpPr>
+          <p:cNvPr id="30" name="CuadroTexto 29">
+            <a:extLst>
+              <a:ext uri="{FF2B5EF4-FFF2-40B4-BE49-F238E27FC236}">
+                <a16:creationId xmlns:a16="http://schemas.microsoft.com/office/drawing/2014/main" id="{E0806900-E02C-4F19-9DF4-14F27003E0A9}"/>
+              </a:ext>
+            </a:extLst>
+          </p:cNvPr>
+          <p:cNvSpPr txBox="1"/>
+          <p:nvPr/>
+        </p:nvSpPr>
+        <p:spPr>
+          <a:xfrm>
+            <a:off x="3612426" y="186848"/>
+            <a:ext cx="2998065" cy="461665"/>
+          </a:xfrm>
+          <a:prstGeom prst="rect">
+            <a:avLst/>
+          </a:prstGeom>
+          <a:noFill/>
+        </p:spPr>
+        <p:txBody>
+          <a:bodyPr wrap="none" rtlCol="0">
+            <a:spAutoFit/>
+          </a:bodyPr>
+          <a:lstStyle/>
+          <a:p>
+            <a:r>
+              <a:rPr lang="ca-ES" sz="2400" b="1" dirty="0">
+                <a:solidFill>
+                  <a:srgbClr val="FF0000"/>
+                </a:solidFill>
+              </a:rPr>
+              <a:t>/usb_cam/image_raw</a:t>
+            </a:r>
+            <a:endParaRPr lang="es-ES" sz="2400" b="1" dirty="0">
+              <a:solidFill>
+                <a:srgbClr val="FF0000"/>
+              </a:solidFill>
+            </a:endParaRPr>
+          </a:p>
+        </p:txBody>
+      </p:sp>
+      <p:sp>
+        <p:nvSpPr>
+          <p:cNvPr id="31" name="CuadroTexto 30">
+            <a:extLst>
+              <a:ext uri="{FF2B5EF4-FFF2-40B4-BE49-F238E27FC236}">
+                <a16:creationId xmlns:a16="http://schemas.microsoft.com/office/drawing/2014/main" id="{A5C2C63E-D55D-4C7A-9653-D20F4FAA4E3E}"/>
+              </a:ext>
+            </a:extLst>
+          </p:cNvPr>
+          <p:cNvSpPr txBox="1"/>
+          <p:nvPr/>
+        </p:nvSpPr>
+        <p:spPr>
+          <a:xfrm>
+            <a:off x="4553733" y="1009018"/>
+            <a:ext cx="2268057" cy="400110"/>
+          </a:xfrm>
+          <a:prstGeom prst="rect">
+            <a:avLst/>
+          </a:prstGeom>
+          <a:noFill/>
+        </p:spPr>
+        <p:txBody>
+          <a:bodyPr wrap="none" rtlCol="0">
+            <a:spAutoFit/>
+          </a:bodyPr>
+          <a:lstStyle/>
+          <a:p>
+            <a:r>
+              <a:rPr lang="ca-ES" sz="2000" dirty="0"/>
+              <a:t>sensor_msgs/Image</a:t>
+            </a:r>
+            <a:endParaRPr lang="es-ES" sz="2000" dirty="0"/>
+          </a:p>
+        </p:txBody>
+      </p:sp>
+      <p:sp>
+        <p:nvSpPr>
+          <p:cNvPr id="32" name="Arco 31">
+            <a:extLst>
+              <a:ext uri="{FF2B5EF4-FFF2-40B4-BE49-F238E27FC236}">
+                <a16:creationId xmlns:a16="http://schemas.microsoft.com/office/drawing/2014/main" id="{FE6BBB4D-293B-4F9C-AE38-FE43E7060468}"/>
+              </a:ext>
+            </a:extLst>
+          </p:cNvPr>
+          <p:cNvSpPr/>
+          <p:nvPr/>
+        </p:nvSpPr>
+        <p:spPr>
+          <a:xfrm flipV="1">
+            <a:off x="2978093" y="725212"/>
+            <a:ext cx="6914906" cy="5066507"/>
+          </a:xfrm>
+          <a:prstGeom prst="arc">
+            <a:avLst>
+              <a:gd name="adj1" fmla="val 5013535"/>
+              <a:gd name="adj2" fmla="val 10913513"/>
+            </a:avLst>
+          </a:prstGeom>
+          <a:noFill/>
+          <a:ln w="57150">
+            <a:solidFill>
+              <a:srgbClr val="FF0000"/>
+            </a:solidFill>
+            <a:headEnd type="none" w="med" len="med"/>
+            <a:tailEnd type="triangle" w="med" len="med"/>
+          </a:ln>
+        </p:spPr>
+        <p:style>
+          <a:lnRef idx="1">
+            <a:schemeClr val="accent1"/>
+          </a:lnRef>
+          <a:fillRef idx="0">
+            <a:schemeClr val="accent1"/>
+          </a:fillRef>
+          <a:effectRef idx="0">
+            <a:schemeClr val="accent1"/>
+          </a:effectRef>
+          <a:fontRef idx="minor">
+            <a:schemeClr val="tx1"/>
+          </a:fontRef>
+        </p:style>
+        <p:txBody>
+          <a:bodyPr rtlCol="0" anchor="ctr"/>
+          <a:lstStyle/>
+          <a:p>
+            <a:pPr algn="ctr"/>
+            <a:endParaRPr lang="es-ES"/>
+          </a:p>
+        </p:txBody>
+      </p:sp>
       <p:pic>
         <p:nvPicPr>
-          <p:cNvPr id="2" name="Picture 1">
-            <a:extLst>
-              <a:ext uri="{FF2B5EF4-FFF2-40B4-BE49-F238E27FC236}">
-                <a16:creationId xmlns:a16="http://schemas.microsoft.com/office/drawing/2014/main" id="{D5C28000-9400-D594-1C16-C516F0A4E7B6}"/>
+          <p:cNvPr id="44" name="Imagen 43">
+            <a:extLst>
+              <a:ext uri="{FF2B5EF4-FFF2-40B4-BE49-F238E27FC236}">
+                <a16:creationId xmlns:a16="http://schemas.microsoft.com/office/drawing/2014/main" id="{1BED6E31-E310-4A27-AC61-4A92A894767E}"/>
               </a:ext>
             </a:extLst>
           </p:cNvPr>
@@ -8106,8 +8617,8 @@
         </p:blipFill>
         <p:spPr>
           <a:xfrm>
-            <a:off x="812800" y="618067"/>
-            <a:ext cx="4572000" cy="4572000"/>
+            <a:off x="8188983" y="5596196"/>
+            <a:ext cx="1739040" cy="949516"/>
           </a:xfrm>
           <a:prstGeom prst="rect">
             <a:avLst/>
@@ -8116,10 +8627,57 @@
       </p:pic>
       <p:pic>
         <p:nvPicPr>
-          <p:cNvPr id="3" name="Picture 2">
-            <a:extLst>
-              <a:ext uri="{FF2B5EF4-FFF2-40B4-BE49-F238E27FC236}">
-                <a16:creationId xmlns:a16="http://schemas.microsoft.com/office/drawing/2014/main" id="{BAE887E4-4F3A-65A2-6BB4-D797AD40644A}"/>
+          <p:cNvPr id="1026" name="Picture 2" descr="RPI5-4GB-SINGLE Raspberry-pi, SBC, Raspberry Pi5 4GB, BCM2712 | Farnell ES">
+            <a:extLst>
+              <a:ext uri="{FF2B5EF4-FFF2-40B4-BE49-F238E27FC236}">
+                <a16:creationId xmlns:a16="http://schemas.microsoft.com/office/drawing/2014/main" id="{E5723E90-B6CD-0D7A-27DB-34F48CE8B580}"/>
+              </a:ext>
+            </a:extLst>
+          </p:cNvPr>
+          <p:cNvPicPr>
+            <a:picLocks noChangeAspect="1" noChangeArrowheads="1"/>
+          </p:cNvPicPr>
+          <p:nvPr/>
+        </p:nvPicPr>
+        <p:blipFill>
+          <a:blip r:embed="rId3">
+            <a:extLst>
+              <a:ext uri="{28A0092B-C50C-407E-A947-70E740481C1C}">
+                <a14:useLocalDpi xmlns:a14="http://schemas.microsoft.com/office/drawing/2010/main" val="0"/>
+              </a:ext>
+            </a:extLst>
+          </a:blip>
+          <a:srcRect/>
+          <a:stretch>
+            <a:fillRect/>
+          </a:stretch>
+        </p:blipFill>
+        <p:spPr bwMode="auto">
+          <a:xfrm>
+            <a:off x="1207045" y="5250518"/>
+            <a:ext cx="2034451" cy="1544067"/>
+          </a:xfrm>
+          <a:prstGeom prst="rect">
+            <a:avLst/>
+          </a:prstGeom>
+          <a:noFill/>
+          <a:extLst>
+            <a:ext uri="{909E8E84-426E-40DD-AFC4-6F175D3DCCD1}">
+              <a14:hiddenFill xmlns:a14="http://schemas.microsoft.com/office/drawing/2010/main">
+                <a:solidFill>
+                  <a:srgbClr val="FFFFFF"/>
+                </a:solidFill>
+              </a14:hiddenFill>
+            </a:ext>
+          </a:extLst>
+        </p:spPr>
+      </p:pic>
+      <p:pic>
+        <p:nvPicPr>
+          <p:cNvPr id="5" name="Picture 4">
+            <a:extLst>
+              <a:ext uri="{FF2B5EF4-FFF2-40B4-BE49-F238E27FC236}">
+                <a16:creationId xmlns:a16="http://schemas.microsoft.com/office/drawing/2014/main" id="{A5A6F755-F1D0-1D51-C370-7C59AD5CDE8E}"/>
               </a:ext>
             </a:extLst>
           </p:cNvPr>
@@ -8128,15 +8686,16 @@
           </p:cNvPicPr>
           <p:nvPr/>
         </p:nvPicPr>
-        <p:blipFill rotWithShape="1">
-          <a:blip r:embed="rId2"/>
-          <a:srcRect l="11637" t="54557" r="7573" b="2977"/>
-          <a:stretch/>
+        <p:blipFill>
+          <a:blip r:embed="rId4"/>
+          <a:stretch>
+            <a:fillRect/>
+          </a:stretch>
         </p:blipFill>
         <p:spPr>
           <a:xfrm>
-            <a:off x="7339263" y="3248526"/>
-            <a:ext cx="3693696" cy="1941541"/>
+            <a:off x="8560532" y="5300420"/>
+            <a:ext cx="2073003" cy="899078"/>
           </a:xfrm>
           <a:prstGeom prst="rect">
             <a:avLst/>
@@ -8146,7 +8705,7 @@
     </p:spTree>
     <p:extLst>
       <p:ext uri="{BB962C8B-B14F-4D97-AF65-F5344CB8AC3E}">
-        <p14:creationId xmlns:p14="http://schemas.microsoft.com/office/powerpoint/2010/main" val="2816021084"/>
+        <p14:creationId xmlns:p14="http://schemas.microsoft.com/office/powerpoint/2010/main" val="2967436431"/>
       </p:ext>
     </p:extLst>
   </p:cSld>
@@ -8173,35 +8732,6 @@
           <a:chExt cx="0" cy="0"/>
         </a:xfrm>
       </p:grpSpPr>
-      <p:pic>
-        <p:nvPicPr>
-          <p:cNvPr id="3" name="Picture 2">
-            <a:extLst>
-              <a:ext uri="{FF2B5EF4-FFF2-40B4-BE49-F238E27FC236}">
-                <a16:creationId xmlns:a16="http://schemas.microsoft.com/office/drawing/2014/main" id="{0578D19B-E215-BAE6-5AB5-A674798648E2}"/>
-              </a:ext>
-            </a:extLst>
-          </p:cNvPr>
-          <p:cNvPicPr>
-            <a:picLocks noChangeAspect="1"/>
-          </p:cNvPicPr>
-          <p:nvPr/>
-        </p:nvPicPr>
-        <p:blipFill rotWithShape="1">
-          <a:blip r:embed="rId2"/>
-          <a:srcRect l="11637" t="54557" r="7573" b="2977"/>
-          <a:stretch/>
-        </p:blipFill>
-        <p:spPr>
-          <a:xfrm>
-            <a:off x="1414653" y="5259866"/>
-            <a:ext cx="2023652" cy="1063705"/>
-          </a:xfrm>
-          <a:prstGeom prst="rect">
-            <a:avLst/>
-          </a:prstGeom>
-        </p:spPr>
-      </p:pic>
       <p:cxnSp>
         <p:nvCxnSpPr>
           <p:cNvPr id="7" name="Conector recto de flecha 6">
@@ -9201,10 +9731,57 @@
       </p:sp>
       <p:pic>
         <p:nvPicPr>
-          <p:cNvPr id="44" name="Imagen 43">
-            <a:extLst>
-              <a:ext uri="{FF2B5EF4-FFF2-40B4-BE49-F238E27FC236}">
-                <a16:creationId xmlns:a16="http://schemas.microsoft.com/office/drawing/2014/main" id="{1BED6E31-E310-4A27-AC61-4A92A894767E}"/>
+          <p:cNvPr id="1026" name="Picture 2" descr="RPI5-4GB-SINGLE Raspberry-pi, SBC, Raspberry Pi5 4GB, BCM2712 | Farnell ES">
+            <a:extLst>
+              <a:ext uri="{FF2B5EF4-FFF2-40B4-BE49-F238E27FC236}">
+                <a16:creationId xmlns:a16="http://schemas.microsoft.com/office/drawing/2014/main" id="{E5723E90-B6CD-0D7A-27DB-34F48CE8B580}"/>
+              </a:ext>
+            </a:extLst>
+          </p:cNvPr>
+          <p:cNvPicPr>
+            <a:picLocks noChangeAspect="1" noChangeArrowheads="1"/>
+          </p:cNvPicPr>
+          <p:nvPr/>
+        </p:nvPicPr>
+        <p:blipFill>
+          <a:blip r:embed="rId2">
+            <a:extLst>
+              <a:ext uri="{28A0092B-C50C-407E-A947-70E740481C1C}">
+                <a14:useLocalDpi xmlns:a14="http://schemas.microsoft.com/office/drawing/2010/main" val="0"/>
+              </a:ext>
+            </a:extLst>
+          </a:blip>
+          <a:srcRect/>
+          <a:stretch>
+            <a:fillRect/>
+          </a:stretch>
+        </p:blipFill>
+        <p:spPr bwMode="auto">
+          <a:xfrm>
+            <a:off x="1207045" y="5250518"/>
+            <a:ext cx="2034451" cy="1544067"/>
+          </a:xfrm>
+          <a:prstGeom prst="rect">
+            <a:avLst/>
+          </a:prstGeom>
+          <a:noFill/>
+          <a:extLst>
+            <a:ext uri="{909E8E84-426E-40DD-AFC4-6F175D3DCCD1}">
+              <a14:hiddenFill xmlns:a14="http://schemas.microsoft.com/office/drawing/2010/main">
+                <a:solidFill>
+                  <a:srgbClr val="FFFFFF"/>
+                </a:solidFill>
+              </a14:hiddenFill>
+            </a:ext>
+          </a:extLst>
+        </p:spPr>
+      </p:pic>
+      <p:pic>
+        <p:nvPicPr>
+          <p:cNvPr id="3" name="Imagen 1">
+            <a:extLst>
+              <a:ext uri="{FF2B5EF4-FFF2-40B4-BE49-F238E27FC236}">
+                <a16:creationId xmlns:a16="http://schemas.microsoft.com/office/drawing/2014/main" id="{88261E28-56A3-06E9-5705-7610EE239AED}"/>
               </a:ext>
             </a:extLst>
           </p:cNvPr>
@@ -9213,26 +9790,104 @@
           </p:cNvPicPr>
           <p:nvPr/>
         </p:nvPicPr>
-        <p:blipFill>
-          <a:blip r:embed="rId3"/>
-          <a:stretch>
-            <a:fillRect/>
-          </a:stretch>
+        <p:blipFill rotWithShape="1">
+          <a:blip r:embed="rId3" cstate="print">
+            <a:extLst>
+              <a:ext uri="{28A0092B-C50C-407E-A947-70E740481C1C}">
+                <a14:useLocalDpi xmlns:a14="http://schemas.microsoft.com/office/drawing/2010/main" val="0"/>
+              </a:ext>
+            </a:extLst>
+          </a:blip>
+          <a:srcRect l="7788" t="5117" r="11908" b="9546"/>
+          <a:stretch/>
         </p:blipFill>
-        <p:spPr>
-          <a:xfrm>
-            <a:off x="8496043" y="5433071"/>
-            <a:ext cx="1739040" cy="949516"/>
+        <p:spPr bwMode="auto">
+          <a:xfrm rot="16200000">
+            <a:off x="8647049" y="5068790"/>
+            <a:ext cx="1301160" cy="1845281"/>
           </a:xfrm>
           <a:prstGeom prst="rect">
             <a:avLst/>
           </a:prstGeom>
+          <a:noFill/>
+          <a:ln>
+            <a:noFill/>
+          </a:ln>
         </p:spPr>
       </p:pic>
     </p:spTree>
     <p:extLst>
       <p:ext uri="{BB962C8B-B14F-4D97-AF65-F5344CB8AC3E}">
-        <p14:creationId xmlns:p14="http://schemas.microsoft.com/office/powerpoint/2010/main" val="2967436431"/>
+        <p14:creationId xmlns:p14="http://schemas.microsoft.com/office/powerpoint/2010/main" val="1491260210"/>
+      </p:ext>
+    </p:extLst>
+  </p:cSld>
+  <p:clrMapOvr>
+    <a:masterClrMapping/>
+  </p:clrMapOvr>
+</p:sld>
+</file>
+
+<file path=ppt/slides/slide8.xml><?xml version="1.0" encoding="utf-8"?>
+<p:sld xmlns:a="http://schemas.openxmlformats.org/drawingml/2006/main" xmlns:r="http://schemas.openxmlformats.org/officeDocument/2006/relationships" xmlns:p="http://schemas.openxmlformats.org/presentationml/2006/main">
+  <p:cSld>
+    <p:spTree>
+      <p:nvGrpSpPr>
+        <p:cNvPr id="1" name=""/>
+        <p:cNvGrpSpPr/>
+        <p:nvPr/>
+      </p:nvGrpSpPr>
+      <p:grpSpPr>
+        <a:xfrm>
+          <a:off x="0" y="0"/>
+          <a:ext cx="0" cy="0"/>
+          <a:chOff x="0" y="0"/>
+          <a:chExt cx="0" cy="0"/>
+        </a:xfrm>
+      </p:grpSpPr>
+      <p:pic>
+        <p:nvPicPr>
+          <p:cNvPr id="2" name="Imagen 1">
+            <a:extLst>
+              <a:ext uri="{FF2B5EF4-FFF2-40B4-BE49-F238E27FC236}">
+                <a16:creationId xmlns:a16="http://schemas.microsoft.com/office/drawing/2014/main" id="{1C6C064B-11A1-536B-3012-AD2DECC9F057}"/>
+              </a:ext>
+            </a:extLst>
+          </p:cNvPr>
+          <p:cNvPicPr>
+            <a:picLocks noChangeAspect="1"/>
+          </p:cNvPicPr>
+          <p:nvPr/>
+        </p:nvPicPr>
+        <p:blipFill rotWithShape="1">
+          <a:blip r:embed="rId2" cstate="print">
+            <a:extLst>
+              <a:ext uri="{28A0092B-C50C-407E-A947-70E740481C1C}">
+                <a14:useLocalDpi xmlns:a14="http://schemas.microsoft.com/office/drawing/2010/main" val="0"/>
+              </a:ext>
+            </a:extLst>
+          </a:blip>
+          <a:srcRect l="7788" t="5117" r="11908" b="9546"/>
+          <a:stretch/>
+        </p:blipFill>
+        <p:spPr bwMode="auto">
+          <a:xfrm>
+            <a:off x="9116008" y="3474755"/>
+            <a:ext cx="1884225" cy="2672173"/>
+          </a:xfrm>
+          <a:prstGeom prst="rect">
+            <a:avLst/>
+          </a:prstGeom>
+          <a:noFill/>
+          <a:ln>
+            <a:noFill/>
+          </a:ln>
+        </p:spPr>
+      </p:pic>
+    </p:spTree>
+    <p:extLst>
+      <p:ext uri="{BB962C8B-B14F-4D97-AF65-F5344CB8AC3E}">
+        <p14:creationId xmlns:p14="http://schemas.microsoft.com/office/powerpoint/2010/main" val="2212610362"/>
       </p:ext>
     </p:extLst>
   </p:cSld>
